--- a/Meetup_1/Intro_To_ML.pptx
+++ b/Meetup_1/Intro_To_ML.pptx
@@ -9,7 +9,7 @@
     <p:sldMasterId id="2147483751" r:id="rId5"/>
   </p:sldMasterIdLst>
   <p:notesMasterIdLst>
-    <p:notesMasterId r:id="rId25"/>
+    <p:notesMasterId r:id="rId26"/>
   </p:notesMasterIdLst>
   <p:sldIdLst>
     <p:sldId id="571" r:id="rId6"/>
@@ -23,19 +23,20 @@
     <p:sldId id="631" r:id="rId14"/>
     <p:sldId id="638" r:id="rId15"/>
     <p:sldId id="586" r:id="rId16"/>
-    <p:sldId id="607" r:id="rId17"/>
-    <p:sldId id="608" r:id="rId18"/>
-    <p:sldId id="588" r:id="rId19"/>
-    <p:sldId id="641" r:id="rId20"/>
-    <p:sldId id="592" r:id="rId21"/>
-    <p:sldId id="640" r:id="rId22"/>
-    <p:sldId id="602" r:id="rId23"/>
-    <p:sldId id="642" r:id="rId24"/>
+    <p:sldId id="608" r:id="rId17"/>
+    <p:sldId id="643" r:id="rId18"/>
+    <p:sldId id="607" r:id="rId19"/>
+    <p:sldId id="588" r:id="rId20"/>
+    <p:sldId id="641" r:id="rId21"/>
+    <p:sldId id="592" r:id="rId22"/>
+    <p:sldId id="640" r:id="rId23"/>
+    <p:sldId id="602" r:id="rId24"/>
+    <p:sldId id="642" r:id="rId25"/>
   </p:sldIdLst>
   <p:sldSz cx="9144000" cy="5143500" type="screen16x9"/>
   <p:notesSz cx="6858000" cy="9144000"/>
   <p:custDataLst>
-    <p:tags r:id="rId26"/>
+    <p:tags r:id="rId27"/>
   </p:custDataLst>
   <p:defaultTextStyle>
     <a:defPPr>
@@ -146,9 +147,9 @@
           <c:layoutTarget val="inner"/>
           <c:xMode val="edge"/>
           <c:yMode val="edge"/>
-          <c:x val="0.13594096553615939"/>
-          <c:y val="6.5714185444691334E-2"/>
-          <c:w val="0.77646128886137744"/>
+          <c:x val="0.13594096553615942"/>
+          <c:y val="6.5714185444691348E-2"/>
+          <c:w val="0.77646128886137733"/>
           <c:h val="0.75897728937281805"/>
         </c:manualLayout>
       </c:layout>
@@ -192,19 +193,19 @@
                 <c:formatCode>General</c:formatCode>
                 <c:ptCount val="11"/>
                 <c:pt idx="0">
-                  <c:v>432.42296918767488</c:v>
+                  <c:v>432.42296918767477</c:v>
                 </c:pt>
                 <c:pt idx="1">
-                  <c:v>610.99439775910423</c:v>
+                  <c:v>610.99439775910434</c:v>
                 </c:pt>
                 <c:pt idx="2">
-                  <c:v>628.50140056022428</c:v>
+                  <c:v>628.5014005602244</c:v>
                 </c:pt>
                 <c:pt idx="3">
-                  <c:v>856.09243697479019</c:v>
+                  <c:v>856.0924369747903</c:v>
                 </c:pt>
                 <c:pt idx="4">
-                  <c:v>950.63025210083981</c:v>
+                  <c:v>950.6302521008397</c:v>
                 </c:pt>
                 <c:pt idx="5">
                   <c:v>1202.7310924369699</c:v>
@@ -222,7 +223,7 @@
                   <c:v>1952.0308123249299</c:v>
                 </c:pt>
                 <c:pt idx="10">
-                  <c:v>2186.6246498599389</c:v>
+                  <c:v>2186.6246498599385</c:v>
                 </c:pt>
               </c:numCache>
             </c:numRef>
@@ -234,7 +235,7 @@
                 <c:formatCode>General</c:formatCode>
                 <c:ptCount val="11"/>
                 <c:pt idx="0">
-                  <c:v>100.91743119266097</c:v>
+                  <c:v>100.91743119266096</c:v>
                 </c:pt>
                 <c:pt idx="1">
                   <c:v>143.73088685015301</c:v>
@@ -255,26 +256,26 @@
                   <c:v>308.86850152905208</c:v>
                 </c:pt>
                 <c:pt idx="7">
-                  <c:v>290.51987767584114</c:v>
+                  <c:v>290.51987767584126</c:v>
                 </c:pt>
                 <c:pt idx="8">
                   <c:v>337.003058103976</c:v>
                 </c:pt>
                 <c:pt idx="9">
-                  <c:v>306.42201834862374</c:v>
+                  <c:v>306.42201834862362</c:v>
                 </c:pt>
                 <c:pt idx="10">
-                  <c:v>291.74311926605475</c:v>
+                  <c:v>291.74311926605463</c:v>
                 </c:pt>
               </c:numCache>
             </c:numRef>
           </c:yVal>
         </c:ser>
-        <c:axId val="51151616"/>
-        <c:axId val="51152768"/>
+        <c:axId val="46813568"/>
+        <c:axId val="78454144"/>
       </c:scatterChart>
       <c:valAx>
-        <c:axId val="51151616"/>
+        <c:axId val="46813568"/>
         <c:scaling>
           <c:orientation val="minMax"/>
         </c:scaling>
@@ -301,13 +302,13 @@
             <a:endParaRPr lang="en-US"/>
           </a:p>
         </c:txPr>
-        <c:crossAx val="51152768"/>
+        <c:crossAx val="78454144"/>
         <c:crosses val="autoZero"/>
         <c:crossBetween val="midCat"/>
         <c:majorUnit val="500"/>
       </c:valAx>
       <c:valAx>
-        <c:axId val="51152768"/>
+        <c:axId val="78454144"/>
         <c:scaling>
           <c:orientation val="minMax"/>
         </c:scaling>
@@ -335,7 +336,7 @@
             <a:endParaRPr lang="en-US"/>
           </a:p>
         </c:txPr>
-        <c:crossAx val="51151616"/>
+        <c:crossAx val="46813568"/>
         <c:crosses val="autoZero"/>
         <c:crossBetween val="midCat"/>
         <c:majorUnit val="100"/>
@@ -365,8 +366,8 @@
           <c:xMode val="edge"/>
           <c:yMode val="edge"/>
           <c:x val="8.3333333333333367E-3"/>
-          <c:y val="7.390748031496067E-3"/>
-          <c:w val="0.87495100728607522"/>
+          <c:y val="7.3907480314960687E-3"/>
+          <c:w val="0.87495100728607544"/>
           <c:h val="0.93323425196850385"/>
         </c:manualLayout>
       </c:layout>
@@ -1120,7 +1121,7 @@
             <a:fld id="{9608008F-8C0F-4F63-86DC-E7B67385E4BD}" type="datetimeFigureOut">
               <a:rPr lang="en-US" smtClean="0"/>
               <a:pPr/>
-              <a:t>2/4/2015</a:t>
+              <a:t>2/5/2015</a:t>
             </a:fld>
             <a:endParaRPr lang="en-US"/>
           </a:p>
@@ -1289,7 +1290,7 @@
     </p:spTree>
     <p:extLst>
       <p:ext uri="{BB962C8B-B14F-4D97-AF65-F5344CB8AC3E}">
-        <p14:creationId xmlns="" xmlns:p14="http://schemas.microsoft.com/office/powerpoint/2010/main" val="2403612965"/>
+        <p14:creationId xmlns:p14="http://schemas.microsoft.com/office/powerpoint/2010/main" xmlns="" val="2403612965"/>
       </p:ext>
     </p:extLst>
   </p:cSld>
@@ -1510,7 +1511,7 @@
                 <a:latin typeface="Arial" pitchFamily="34" charset="0"/>
               </a:rPr>
               <a:pPr/>
-              <a:t>17</a:t>
+              <a:t>18</a:t>
             </a:fld>
             <a:endParaRPr lang="en-US" smtClean="0">
               <a:latin typeface="Arial" pitchFamily="34" charset="0"/>
@@ -1604,7 +1605,7 @@
                 <a:latin typeface="Arial" pitchFamily="34" charset="0"/>
               </a:rPr>
               <a:pPr/>
-              <a:t>18</a:t>
+              <a:t>19</a:t>
             </a:fld>
             <a:endParaRPr lang="en-US" smtClean="0">
               <a:latin typeface="Arial" pitchFamily="34" charset="0"/>
@@ -2719,7 +2720,7 @@
                 <a:latin typeface="Arial" pitchFamily="34" charset="0"/>
               </a:rPr>
               <a:pPr/>
-              <a:t>14</a:t>
+              <a:t>15</a:t>
             </a:fld>
             <a:endParaRPr lang="en-US" smtClean="0">
               <a:latin typeface="Arial" pitchFamily="34" charset="0"/>
@@ -2813,7 +2814,7 @@
                 <a:latin typeface="Arial" pitchFamily="34" charset="0"/>
               </a:rPr>
               <a:pPr/>
-              <a:t>15</a:t>
+              <a:t>16</a:t>
             </a:fld>
             <a:endParaRPr lang="en-US" smtClean="0">
               <a:latin typeface="Arial" pitchFamily="34" charset="0"/>
@@ -2907,7 +2908,7 @@
                 <a:latin typeface="Arial" pitchFamily="34" charset="0"/>
               </a:rPr>
               <a:pPr/>
-              <a:t>16</a:t>
+              <a:t>17</a:t>
             </a:fld>
             <a:endParaRPr lang="en-US" smtClean="0">
               <a:latin typeface="Arial" pitchFamily="34" charset="0"/>
@@ -3150,7 +3151,7 @@
                 </a:solidFill>
               </a:rPr>
               <a:pPr/>
-              <a:t>2/4/2015</a:t>
+              <a:t>2/5/2015</a:t>
             </a:fld>
             <a:endParaRPr lang="en-US">
               <a:solidFill>
@@ -3226,7 +3227,7 @@
     </p:spTree>
     <p:extLst>
       <p:ext uri="{BB962C8B-B14F-4D97-AF65-F5344CB8AC3E}">
-        <p14:creationId xmlns="" xmlns:p14="http://schemas.microsoft.com/office/powerpoint/2010/main" val="607742924"/>
+        <p14:creationId xmlns:p14="http://schemas.microsoft.com/office/powerpoint/2010/main" xmlns="" val="607742924"/>
       </p:ext>
     </p:extLst>
   </p:cSld>
@@ -3359,7 +3360,7 @@
                 </a:solidFill>
               </a:rPr>
               <a:pPr/>
-              <a:t>2/4/2015</a:t>
+              <a:t>2/5/2015</a:t>
             </a:fld>
             <a:endParaRPr lang="en-US">
               <a:solidFill>
@@ -3435,7 +3436,7 @@
     </p:spTree>
     <p:extLst>
       <p:ext uri="{BB962C8B-B14F-4D97-AF65-F5344CB8AC3E}">
-        <p14:creationId xmlns="" xmlns:p14="http://schemas.microsoft.com/office/powerpoint/2010/main" val="4146306734"/>
+        <p14:creationId xmlns:p14="http://schemas.microsoft.com/office/powerpoint/2010/main" xmlns="" val="4146306734"/>
       </p:ext>
     </p:extLst>
   </p:cSld>
@@ -3571,7 +3572,7 @@
                 </a:solidFill>
               </a:rPr>
               <a:pPr/>
-              <a:t>2/4/2015</a:t>
+              <a:t>2/5/2015</a:t>
             </a:fld>
             <a:endParaRPr lang="en-US">
               <a:solidFill>
@@ -3647,7 +3648,7 @@
     </p:spTree>
     <p:extLst>
       <p:ext uri="{BB962C8B-B14F-4D97-AF65-F5344CB8AC3E}">
-        <p14:creationId xmlns="" xmlns:p14="http://schemas.microsoft.com/office/powerpoint/2010/main" val="1309306950"/>
+        <p14:creationId xmlns:p14="http://schemas.microsoft.com/office/powerpoint/2010/main" xmlns="" val="1309306950"/>
       </p:ext>
     </p:extLst>
   </p:cSld>
@@ -3677,7 +3678,7 @@
     </p:spTree>
     <p:extLst>
       <p:ext uri="{BB962C8B-B14F-4D97-AF65-F5344CB8AC3E}">
-        <p14:creationId xmlns="" xmlns:p14="http://schemas.microsoft.com/office/powerpoint/2010/main" val="282916869"/>
+        <p14:creationId xmlns:p14="http://schemas.microsoft.com/office/powerpoint/2010/main" xmlns="" val="282916869"/>
       </p:ext>
     </p:extLst>
   </p:cSld>
@@ -3882,7 +3883,7 @@
                 </a:solidFill>
               </a:rPr>
               <a:pPr/>
-              <a:t>2/4/2015</a:t>
+              <a:t>2/5/2015</a:t>
             </a:fld>
             <a:endParaRPr lang="en-US">
               <a:solidFill>
@@ -3958,7 +3959,7 @@
     </p:spTree>
     <p:extLst>
       <p:ext uri="{BB962C8B-B14F-4D97-AF65-F5344CB8AC3E}">
-        <p14:creationId xmlns="" xmlns:p14="http://schemas.microsoft.com/office/powerpoint/2010/main" val="284465161"/>
+        <p14:creationId xmlns:p14="http://schemas.microsoft.com/office/powerpoint/2010/main" xmlns="" val="284465161"/>
       </p:ext>
     </p:extLst>
   </p:cSld>
@@ -3995,7 +3996,7 @@
     </p:spTree>
     <p:extLst>
       <p:ext uri="{BB962C8B-B14F-4D97-AF65-F5344CB8AC3E}">
-        <p14:creationId xmlns="" xmlns:p14="http://schemas.microsoft.com/office/powerpoint/2010/main" val="1558770414"/>
+        <p14:creationId xmlns:p14="http://schemas.microsoft.com/office/powerpoint/2010/main" xmlns="" val="1558770414"/>
       </p:ext>
     </p:extLst>
   </p:cSld>
@@ -4204,7 +4205,7 @@
                 </a:solidFill>
               </a:rPr>
               <a:pPr/>
-              <a:t>2/4/2015</a:t>
+              <a:t>2/5/2015</a:t>
             </a:fld>
             <a:endParaRPr lang="en-US">
               <a:solidFill>
@@ -4280,7 +4281,7 @@
     </p:spTree>
     <p:extLst>
       <p:ext uri="{BB962C8B-B14F-4D97-AF65-F5344CB8AC3E}">
-        <p14:creationId xmlns="" xmlns:p14="http://schemas.microsoft.com/office/powerpoint/2010/main" val="3286441058"/>
+        <p14:creationId xmlns:p14="http://schemas.microsoft.com/office/powerpoint/2010/main" xmlns="" val="3286441058"/>
       </p:ext>
     </p:extLst>
   </p:cSld>
@@ -4524,7 +4525,7 @@
                 </a:solidFill>
               </a:rPr>
               <a:pPr/>
-              <a:t>2/4/2015</a:t>
+              <a:t>2/5/2015</a:t>
             </a:fld>
             <a:endParaRPr lang="en-US">
               <a:solidFill>
@@ -4600,7 +4601,7 @@
     </p:spTree>
     <p:extLst>
       <p:ext uri="{BB962C8B-B14F-4D97-AF65-F5344CB8AC3E}">
-        <p14:creationId xmlns="" xmlns:p14="http://schemas.microsoft.com/office/powerpoint/2010/main" val="3565731619"/>
+        <p14:creationId xmlns:p14="http://schemas.microsoft.com/office/powerpoint/2010/main" xmlns="" val="3565731619"/>
       </p:ext>
     </p:extLst>
   </p:cSld>
@@ -4985,7 +4986,7 @@
                 </a:solidFill>
               </a:rPr>
               <a:pPr/>
-              <a:t>2/4/2015</a:t>
+              <a:t>2/5/2015</a:t>
             </a:fld>
             <a:endParaRPr lang="en-US">
               <a:solidFill>
@@ -5061,7 +5062,7 @@
     </p:spTree>
     <p:extLst>
       <p:ext uri="{BB962C8B-B14F-4D97-AF65-F5344CB8AC3E}">
-        <p14:creationId xmlns="" xmlns:p14="http://schemas.microsoft.com/office/powerpoint/2010/main" val="146131194"/>
+        <p14:creationId xmlns:p14="http://schemas.microsoft.com/office/powerpoint/2010/main" xmlns="" val="146131194"/>
       </p:ext>
     </p:extLst>
   </p:cSld>
@@ -5135,7 +5136,7 @@
                 </a:solidFill>
               </a:rPr>
               <a:pPr/>
-              <a:t>2/4/2015</a:t>
+              <a:t>2/5/2015</a:t>
             </a:fld>
             <a:endParaRPr lang="en-US">
               <a:solidFill>
@@ -5211,7 +5212,7 @@
     </p:spTree>
     <p:extLst>
       <p:ext uri="{BB962C8B-B14F-4D97-AF65-F5344CB8AC3E}">
-        <p14:creationId xmlns="" xmlns:p14="http://schemas.microsoft.com/office/powerpoint/2010/main" val="1544615555"/>
+        <p14:creationId xmlns:p14="http://schemas.microsoft.com/office/powerpoint/2010/main" xmlns="" val="1544615555"/>
       </p:ext>
     </p:extLst>
   </p:cSld>
@@ -5262,7 +5263,7 @@
                 </a:solidFill>
               </a:rPr>
               <a:pPr/>
-              <a:t>2/4/2015</a:t>
+              <a:t>2/5/2015</a:t>
             </a:fld>
             <a:endParaRPr lang="en-US">
               <a:solidFill>
@@ -5338,7 +5339,7 @@
     </p:spTree>
     <p:extLst>
       <p:ext uri="{BB962C8B-B14F-4D97-AF65-F5344CB8AC3E}">
-        <p14:creationId xmlns="" xmlns:p14="http://schemas.microsoft.com/office/powerpoint/2010/main" val="618319895"/>
+        <p14:creationId xmlns:p14="http://schemas.microsoft.com/office/powerpoint/2010/main" xmlns="" val="618319895"/>
       </p:ext>
     </p:extLst>
   </p:cSld>
@@ -5464,7 +5465,7 @@
                 </a:solidFill>
               </a:rPr>
               <a:pPr/>
-              <a:t>2/4/2015</a:t>
+              <a:t>2/5/2015</a:t>
             </a:fld>
             <a:endParaRPr lang="en-US">
               <a:solidFill>
@@ -5540,7 +5541,7 @@
     </p:spTree>
     <p:extLst>
       <p:ext uri="{BB962C8B-B14F-4D97-AF65-F5344CB8AC3E}">
-        <p14:creationId xmlns="" xmlns:p14="http://schemas.microsoft.com/office/powerpoint/2010/main" val="1191603912"/>
+        <p14:creationId xmlns:p14="http://schemas.microsoft.com/office/powerpoint/2010/main" xmlns="" val="1191603912"/>
       </p:ext>
     </p:extLst>
   </p:cSld>
@@ -5780,7 +5781,7 @@
                 </a:solidFill>
               </a:rPr>
               <a:pPr/>
-              <a:t>2/4/2015</a:t>
+              <a:t>2/5/2015</a:t>
             </a:fld>
             <a:endParaRPr lang="en-US">
               <a:solidFill>
@@ -5856,7 +5857,7 @@
     </p:spTree>
     <p:extLst>
       <p:ext uri="{BB962C8B-B14F-4D97-AF65-F5344CB8AC3E}">
-        <p14:creationId xmlns="" xmlns:p14="http://schemas.microsoft.com/office/powerpoint/2010/main" val="3696451572"/>
+        <p14:creationId xmlns:p14="http://schemas.microsoft.com/office/powerpoint/2010/main" xmlns="" val="3696451572"/>
       </p:ext>
     </p:extLst>
   </p:cSld>
@@ -6065,7 +6066,7 @@
                 </a:solidFill>
               </a:rPr>
               <a:pPr/>
-              <a:t>2/4/2015</a:t>
+              <a:t>2/5/2015</a:t>
             </a:fld>
             <a:endParaRPr lang="en-US">
               <a:solidFill>
@@ -6141,7 +6142,7 @@
     </p:spTree>
     <p:extLst>
       <p:ext uri="{BB962C8B-B14F-4D97-AF65-F5344CB8AC3E}">
-        <p14:creationId xmlns="" xmlns:p14="http://schemas.microsoft.com/office/powerpoint/2010/main" val="2204144178"/>
+        <p14:creationId xmlns:p14="http://schemas.microsoft.com/office/powerpoint/2010/main" xmlns="" val="2204144178"/>
       </p:ext>
     </p:extLst>
   </p:cSld>
@@ -6267,7 +6268,7 @@
                 </a:solidFill>
               </a:rPr>
               <a:pPr/>
-              <a:t>2/4/2015</a:t>
+              <a:t>2/5/2015</a:t>
             </a:fld>
             <a:endParaRPr lang="en-US">
               <a:solidFill>
@@ -6343,7 +6344,7 @@
     </p:spTree>
     <p:extLst>
       <p:ext uri="{BB962C8B-B14F-4D97-AF65-F5344CB8AC3E}">
-        <p14:creationId xmlns="" xmlns:p14="http://schemas.microsoft.com/office/powerpoint/2010/main" val="1967246090"/>
+        <p14:creationId xmlns:p14="http://schemas.microsoft.com/office/powerpoint/2010/main" xmlns="" val="1967246090"/>
       </p:ext>
     </p:extLst>
   </p:cSld>
@@ -6479,7 +6480,7 @@
                 </a:solidFill>
               </a:rPr>
               <a:pPr/>
-              <a:t>2/4/2015</a:t>
+              <a:t>2/5/2015</a:t>
             </a:fld>
             <a:endParaRPr lang="en-US">
               <a:solidFill>
@@ -6555,7 +6556,7 @@
     </p:spTree>
     <p:extLst>
       <p:ext uri="{BB962C8B-B14F-4D97-AF65-F5344CB8AC3E}">
-        <p14:creationId xmlns="" xmlns:p14="http://schemas.microsoft.com/office/powerpoint/2010/main" val="2896080613"/>
+        <p14:creationId xmlns:p14="http://schemas.microsoft.com/office/powerpoint/2010/main" xmlns="" val="2896080613"/>
       </p:ext>
     </p:extLst>
   </p:cSld>
@@ -6585,7 +6586,7 @@
     </p:spTree>
     <p:extLst>
       <p:ext uri="{BB962C8B-B14F-4D97-AF65-F5344CB8AC3E}">
-        <p14:creationId xmlns="" xmlns:p14="http://schemas.microsoft.com/office/powerpoint/2010/main" val="3065786689"/>
+        <p14:creationId xmlns:p14="http://schemas.microsoft.com/office/powerpoint/2010/main" xmlns="" val="3065786689"/>
       </p:ext>
     </p:extLst>
   </p:cSld>
@@ -6796,7 +6797,7 @@
                 </a:solidFill>
               </a:rPr>
               <a:pPr/>
-              <a:t>2/4/2015</a:t>
+              <a:t>2/5/2015</a:t>
             </a:fld>
             <a:endParaRPr lang="en-US">
               <a:solidFill>
@@ -6872,7 +6873,7 @@
     </p:spTree>
     <p:extLst>
       <p:ext uri="{BB962C8B-B14F-4D97-AF65-F5344CB8AC3E}">
-        <p14:creationId xmlns="" xmlns:p14="http://schemas.microsoft.com/office/powerpoint/2010/main" val="3584019678"/>
+        <p14:creationId xmlns:p14="http://schemas.microsoft.com/office/powerpoint/2010/main" xmlns="" val="3584019678"/>
       </p:ext>
     </p:extLst>
   </p:cSld>
@@ -6909,7 +6910,7 @@
     </p:spTree>
     <p:extLst>
       <p:ext uri="{BB962C8B-B14F-4D97-AF65-F5344CB8AC3E}">
-        <p14:creationId xmlns="" xmlns:p14="http://schemas.microsoft.com/office/powerpoint/2010/main" val="194561654"/>
+        <p14:creationId xmlns:p14="http://schemas.microsoft.com/office/powerpoint/2010/main" xmlns="" val="194561654"/>
       </p:ext>
     </p:extLst>
   </p:cSld>
@@ -7124,7 +7125,7 @@
                 </a:solidFill>
               </a:rPr>
               <a:pPr/>
-              <a:t>2/4/2015</a:t>
+              <a:t>2/5/2015</a:t>
             </a:fld>
             <a:endParaRPr lang="en-US">
               <a:solidFill>
@@ -7200,7 +7201,7 @@
     </p:spTree>
     <p:extLst>
       <p:ext uri="{BB962C8B-B14F-4D97-AF65-F5344CB8AC3E}">
-        <p14:creationId xmlns="" xmlns:p14="http://schemas.microsoft.com/office/powerpoint/2010/main" val="766186089"/>
+        <p14:creationId xmlns:p14="http://schemas.microsoft.com/office/powerpoint/2010/main" xmlns="" val="766186089"/>
       </p:ext>
     </p:extLst>
   </p:cSld>
@@ -7458,7 +7459,7 @@
                 </a:solidFill>
               </a:rPr>
               <a:pPr/>
-              <a:t>2/4/2015</a:t>
+              <a:t>2/5/2015</a:t>
             </a:fld>
             <a:endParaRPr lang="en-US">
               <a:solidFill>
@@ -7534,7 +7535,7 @@
     </p:spTree>
     <p:extLst>
       <p:ext uri="{BB962C8B-B14F-4D97-AF65-F5344CB8AC3E}">
-        <p14:creationId xmlns="" xmlns:p14="http://schemas.microsoft.com/office/powerpoint/2010/main" val="2103331769"/>
+        <p14:creationId xmlns:p14="http://schemas.microsoft.com/office/powerpoint/2010/main" xmlns="" val="2103331769"/>
       </p:ext>
     </p:extLst>
   </p:cSld>
@@ -7939,7 +7940,7 @@
                 </a:solidFill>
               </a:rPr>
               <a:pPr/>
-              <a:t>2/4/2015</a:t>
+              <a:t>2/5/2015</a:t>
             </a:fld>
             <a:endParaRPr lang="en-US">
               <a:solidFill>
@@ -8015,7 +8016,7 @@
     </p:spTree>
     <p:extLst>
       <p:ext uri="{BB962C8B-B14F-4D97-AF65-F5344CB8AC3E}">
-        <p14:creationId xmlns="" xmlns:p14="http://schemas.microsoft.com/office/powerpoint/2010/main" val="2369383640"/>
+        <p14:creationId xmlns:p14="http://schemas.microsoft.com/office/powerpoint/2010/main" xmlns="" val="2369383640"/>
       </p:ext>
     </p:extLst>
   </p:cSld>
@@ -8217,7 +8218,7 @@
                 </a:solidFill>
               </a:rPr>
               <a:pPr/>
-              <a:t>2/4/2015</a:t>
+              <a:t>2/5/2015</a:t>
             </a:fld>
             <a:endParaRPr lang="en-US">
               <a:solidFill>
@@ -8293,7 +8294,7 @@
     </p:spTree>
     <p:extLst>
       <p:ext uri="{BB962C8B-B14F-4D97-AF65-F5344CB8AC3E}">
-        <p14:creationId xmlns="" xmlns:p14="http://schemas.microsoft.com/office/powerpoint/2010/main" val="424856739"/>
+        <p14:creationId xmlns:p14="http://schemas.microsoft.com/office/powerpoint/2010/main" xmlns="" val="424856739"/>
       </p:ext>
     </p:extLst>
   </p:cSld>
@@ -8375,7 +8376,7 @@
                 </a:solidFill>
               </a:rPr>
               <a:pPr/>
-              <a:t>2/4/2015</a:t>
+              <a:t>2/5/2015</a:t>
             </a:fld>
             <a:endParaRPr lang="en-US">
               <a:solidFill>
@@ -8451,7 +8452,7 @@
     </p:spTree>
     <p:extLst>
       <p:ext uri="{BB962C8B-B14F-4D97-AF65-F5344CB8AC3E}">
-        <p14:creationId xmlns="" xmlns:p14="http://schemas.microsoft.com/office/powerpoint/2010/main" val="836761184"/>
+        <p14:creationId xmlns:p14="http://schemas.microsoft.com/office/powerpoint/2010/main" xmlns="" val="836761184"/>
       </p:ext>
     </p:extLst>
   </p:cSld>
@@ -8502,7 +8503,7 @@
                 </a:solidFill>
               </a:rPr>
               <a:pPr/>
-              <a:t>2/4/2015</a:t>
+              <a:t>2/5/2015</a:t>
             </a:fld>
             <a:endParaRPr lang="en-US">
               <a:solidFill>
@@ -8578,7 +8579,7 @@
     </p:spTree>
     <p:extLst>
       <p:ext uri="{BB962C8B-B14F-4D97-AF65-F5344CB8AC3E}">
-        <p14:creationId xmlns="" xmlns:p14="http://schemas.microsoft.com/office/powerpoint/2010/main" val="39171622"/>
+        <p14:creationId xmlns:p14="http://schemas.microsoft.com/office/powerpoint/2010/main" xmlns="" val="39171622"/>
       </p:ext>
     </p:extLst>
   </p:cSld>
@@ -8820,7 +8821,7 @@
                 </a:solidFill>
               </a:rPr>
               <a:pPr/>
-              <a:t>2/4/2015</a:t>
+              <a:t>2/5/2015</a:t>
             </a:fld>
             <a:endParaRPr lang="en-US">
               <a:solidFill>
@@ -8896,7 +8897,7 @@
     </p:spTree>
     <p:extLst>
       <p:ext uri="{BB962C8B-B14F-4D97-AF65-F5344CB8AC3E}">
-        <p14:creationId xmlns="" xmlns:p14="http://schemas.microsoft.com/office/powerpoint/2010/main" val="1361752317"/>
+        <p14:creationId xmlns:p14="http://schemas.microsoft.com/office/powerpoint/2010/main" xmlns="" val="1361752317"/>
       </p:ext>
     </p:extLst>
   </p:cSld>
@@ -9114,7 +9115,7 @@
                 </a:solidFill>
               </a:rPr>
               <a:pPr/>
-              <a:t>2/4/2015</a:t>
+              <a:t>2/5/2015</a:t>
             </a:fld>
             <a:endParaRPr lang="en-US">
               <a:solidFill>
@@ -9190,7 +9191,7 @@
     </p:spTree>
     <p:extLst>
       <p:ext uri="{BB962C8B-B14F-4D97-AF65-F5344CB8AC3E}">
-        <p14:creationId xmlns="" xmlns:p14="http://schemas.microsoft.com/office/powerpoint/2010/main" val="3448423927"/>
+        <p14:creationId xmlns:p14="http://schemas.microsoft.com/office/powerpoint/2010/main" xmlns="" val="3448423927"/>
       </p:ext>
     </p:extLst>
   </p:cSld>
@@ -9332,7 +9333,7 @@
                 </a:solidFill>
               </a:rPr>
               <a:pPr/>
-              <a:t>2/4/2015</a:t>
+              <a:t>2/5/2015</a:t>
             </a:fld>
             <a:endParaRPr lang="en-US">
               <a:solidFill>
@@ -9408,7 +9409,7 @@
     </p:spTree>
     <p:extLst>
       <p:ext uri="{BB962C8B-B14F-4D97-AF65-F5344CB8AC3E}">
-        <p14:creationId xmlns="" xmlns:p14="http://schemas.microsoft.com/office/powerpoint/2010/main" val="2737083984"/>
+        <p14:creationId xmlns:p14="http://schemas.microsoft.com/office/powerpoint/2010/main" xmlns="" val="2737083984"/>
       </p:ext>
     </p:extLst>
   </p:cSld>
@@ -9550,7 +9551,7 @@
                 </a:solidFill>
               </a:rPr>
               <a:pPr/>
-              <a:t>2/4/2015</a:t>
+              <a:t>2/5/2015</a:t>
             </a:fld>
             <a:endParaRPr lang="en-US">
               <a:solidFill>
@@ -9626,7 +9627,7 @@
     </p:spTree>
     <p:extLst>
       <p:ext uri="{BB962C8B-B14F-4D97-AF65-F5344CB8AC3E}">
-        <p14:creationId xmlns="" xmlns:p14="http://schemas.microsoft.com/office/powerpoint/2010/main" val="3463959397"/>
+        <p14:creationId xmlns:p14="http://schemas.microsoft.com/office/powerpoint/2010/main" xmlns="" val="3463959397"/>
       </p:ext>
     </p:extLst>
   </p:cSld>
@@ -9768,7 +9769,7 @@
                 </a:solidFill>
               </a:rPr>
               <a:pPr/>
-              <a:t>2/4/2015</a:t>
+              <a:t>2/5/2015</a:t>
             </a:fld>
             <a:endParaRPr lang="en-US">
               <a:solidFill>
@@ -9844,7 +9845,7 @@
     </p:spTree>
     <p:extLst>
       <p:ext uri="{BB962C8B-B14F-4D97-AF65-F5344CB8AC3E}">
-        <p14:creationId xmlns="" xmlns:p14="http://schemas.microsoft.com/office/powerpoint/2010/main" val="1120561400"/>
+        <p14:creationId xmlns:p14="http://schemas.microsoft.com/office/powerpoint/2010/main" xmlns="" val="1120561400"/>
       </p:ext>
     </p:extLst>
   </p:cSld>
@@ -10094,7 +10095,7 @@
                 </a:solidFill>
               </a:rPr>
               <a:pPr/>
-              <a:t>2/4/2015</a:t>
+              <a:t>2/5/2015</a:t>
             </a:fld>
             <a:endParaRPr lang="en-US" dirty="0">
               <a:solidFill>
@@ -10170,7 +10171,7 @@
     </p:spTree>
     <p:extLst>
       <p:ext uri="{BB962C8B-B14F-4D97-AF65-F5344CB8AC3E}">
-        <p14:creationId xmlns="" xmlns:p14="http://schemas.microsoft.com/office/powerpoint/2010/main" val="607742924"/>
+        <p14:creationId xmlns:p14="http://schemas.microsoft.com/office/powerpoint/2010/main" xmlns="" val="607742924"/>
       </p:ext>
     </p:extLst>
   </p:cSld>
@@ -10303,7 +10304,7 @@
                 </a:solidFill>
               </a:rPr>
               <a:pPr/>
-              <a:t>2/4/2015</a:t>
+              <a:t>2/5/2015</a:t>
             </a:fld>
             <a:endParaRPr lang="en-US" dirty="0">
               <a:solidFill>
@@ -10379,7 +10380,7 @@
     </p:spTree>
     <p:extLst>
       <p:ext uri="{BB962C8B-B14F-4D97-AF65-F5344CB8AC3E}">
-        <p14:creationId xmlns="" xmlns:p14="http://schemas.microsoft.com/office/powerpoint/2010/main" val="1191603912"/>
+        <p14:creationId xmlns:p14="http://schemas.microsoft.com/office/powerpoint/2010/main" xmlns="" val="1191603912"/>
       </p:ext>
     </p:extLst>
   </p:cSld>
@@ -10588,7 +10589,7 @@
                 </a:solidFill>
               </a:rPr>
               <a:pPr/>
-              <a:t>2/4/2015</a:t>
+              <a:t>2/5/2015</a:t>
             </a:fld>
             <a:endParaRPr lang="en-US" dirty="0">
               <a:solidFill>
@@ -10664,7 +10665,7 @@
     </p:spTree>
     <p:extLst>
       <p:ext uri="{BB962C8B-B14F-4D97-AF65-F5344CB8AC3E}">
-        <p14:creationId xmlns="" xmlns:p14="http://schemas.microsoft.com/office/powerpoint/2010/main" val="424856739"/>
+        <p14:creationId xmlns:p14="http://schemas.microsoft.com/office/powerpoint/2010/main" xmlns="" val="424856739"/>
       </p:ext>
     </p:extLst>
   </p:cSld>
@@ -10908,7 +10909,7 @@
                 </a:solidFill>
               </a:rPr>
               <a:pPr/>
-              <a:t>2/4/2015</a:t>
+              <a:t>2/5/2015</a:t>
             </a:fld>
             <a:endParaRPr lang="en-US">
               <a:solidFill>
@@ -10984,7 +10985,7 @@
     </p:spTree>
     <p:extLst>
       <p:ext uri="{BB962C8B-B14F-4D97-AF65-F5344CB8AC3E}">
-        <p14:creationId xmlns="" xmlns:p14="http://schemas.microsoft.com/office/powerpoint/2010/main" val="911750749"/>
+        <p14:creationId xmlns:p14="http://schemas.microsoft.com/office/powerpoint/2010/main" xmlns="" val="911750749"/>
       </p:ext>
     </p:extLst>
   </p:cSld>
@@ -11228,7 +11229,7 @@
                 </a:solidFill>
               </a:rPr>
               <a:pPr/>
-              <a:t>2/4/2015</a:t>
+              <a:t>2/5/2015</a:t>
             </a:fld>
             <a:endParaRPr lang="en-US" dirty="0">
               <a:solidFill>
@@ -11304,7 +11305,7 @@
     </p:spTree>
     <p:extLst>
       <p:ext uri="{BB962C8B-B14F-4D97-AF65-F5344CB8AC3E}">
-        <p14:creationId xmlns="" xmlns:p14="http://schemas.microsoft.com/office/powerpoint/2010/main" val="911750749"/>
+        <p14:creationId xmlns:p14="http://schemas.microsoft.com/office/powerpoint/2010/main" xmlns="" val="911750749"/>
       </p:ext>
     </p:extLst>
   </p:cSld>
@@ -11682,7 +11683,7 @@
                 </a:solidFill>
               </a:rPr>
               <a:pPr/>
-              <a:t>2/4/2015</a:t>
+              <a:t>2/5/2015</a:t>
             </a:fld>
             <a:endParaRPr lang="en-US" dirty="0">
               <a:solidFill>
@@ -11758,7 +11759,7 @@
     </p:spTree>
     <p:extLst>
       <p:ext uri="{BB962C8B-B14F-4D97-AF65-F5344CB8AC3E}">
-        <p14:creationId xmlns="" xmlns:p14="http://schemas.microsoft.com/office/powerpoint/2010/main" val="2764199103"/>
+        <p14:creationId xmlns:p14="http://schemas.microsoft.com/office/powerpoint/2010/main" xmlns="" val="2764199103"/>
       </p:ext>
     </p:extLst>
   </p:cSld>
@@ -11832,7 +11833,7 @@
                 </a:solidFill>
               </a:rPr>
               <a:pPr/>
-              <a:t>2/4/2015</a:t>
+              <a:t>2/5/2015</a:t>
             </a:fld>
             <a:endParaRPr lang="en-US" dirty="0">
               <a:solidFill>
@@ -11908,7 +11909,7 @@
     </p:spTree>
     <p:extLst>
       <p:ext uri="{BB962C8B-B14F-4D97-AF65-F5344CB8AC3E}">
-        <p14:creationId xmlns="" xmlns:p14="http://schemas.microsoft.com/office/powerpoint/2010/main" val="3709329828"/>
+        <p14:creationId xmlns:p14="http://schemas.microsoft.com/office/powerpoint/2010/main" xmlns="" val="3709329828"/>
       </p:ext>
     </p:extLst>
   </p:cSld>
@@ -11959,7 +11960,7 @@
                 </a:solidFill>
               </a:rPr>
               <a:pPr/>
-              <a:t>2/4/2015</a:t>
+              <a:t>2/5/2015</a:t>
             </a:fld>
             <a:endParaRPr lang="en-US" dirty="0">
               <a:solidFill>
@@ -12035,7 +12036,7 @@
     </p:spTree>
     <p:extLst>
       <p:ext uri="{BB962C8B-B14F-4D97-AF65-F5344CB8AC3E}">
-        <p14:creationId xmlns="" xmlns:p14="http://schemas.microsoft.com/office/powerpoint/2010/main" val="1389333609"/>
+        <p14:creationId xmlns:p14="http://schemas.microsoft.com/office/powerpoint/2010/main" xmlns="" val="1389333609"/>
       </p:ext>
     </p:extLst>
   </p:cSld>
@@ -12268,7 +12269,7 @@
                 </a:solidFill>
               </a:rPr>
               <a:pPr/>
-              <a:t>2/4/2015</a:t>
+              <a:t>2/5/2015</a:t>
             </a:fld>
             <a:endParaRPr lang="en-US" dirty="0">
               <a:solidFill>
@@ -12344,7 +12345,7 @@
     </p:spTree>
     <p:extLst>
       <p:ext uri="{BB962C8B-B14F-4D97-AF65-F5344CB8AC3E}">
-        <p14:creationId xmlns="" xmlns:p14="http://schemas.microsoft.com/office/powerpoint/2010/main" val="1136583469"/>
+        <p14:creationId xmlns:p14="http://schemas.microsoft.com/office/powerpoint/2010/main" xmlns="" val="1136583469"/>
       </p:ext>
     </p:extLst>
   </p:cSld>
@@ -12557,7 +12558,7 @@
                 </a:solidFill>
               </a:rPr>
               <a:pPr/>
-              <a:t>2/4/2015</a:t>
+              <a:t>2/5/2015</a:t>
             </a:fld>
             <a:endParaRPr lang="en-US" dirty="0">
               <a:solidFill>
@@ -12633,7 +12634,7 @@
     </p:spTree>
     <p:extLst>
       <p:ext uri="{BB962C8B-B14F-4D97-AF65-F5344CB8AC3E}">
-        <p14:creationId xmlns="" xmlns:p14="http://schemas.microsoft.com/office/powerpoint/2010/main" val="3054415035"/>
+        <p14:creationId xmlns:p14="http://schemas.microsoft.com/office/powerpoint/2010/main" xmlns="" val="3054415035"/>
       </p:ext>
     </p:extLst>
   </p:cSld>
@@ -12759,7 +12760,7 @@
                 </a:solidFill>
               </a:rPr>
               <a:pPr/>
-              <a:t>2/4/2015</a:t>
+              <a:t>2/5/2015</a:t>
             </a:fld>
             <a:endParaRPr lang="en-US" dirty="0">
               <a:solidFill>
@@ -12835,7 +12836,7 @@
     </p:spTree>
     <p:extLst>
       <p:ext uri="{BB962C8B-B14F-4D97-AF65-F5344CB8AC3E}">
-        <p14:creationId xmlns="" xmlns:p14="http://schemas.microsoft.com/office/powerpoint/2010/main" val="4146306734"/>
+        <p14:creationId xmlns:p14="http://schemas.microsoft.com/office/powerpoint/2010/main" xmlns="" val="4146306734"/>
       </p:ext>
     </p:extLst>
   </p:cSld>
@@ -12971,7 +12972,7 @@
                 </a:solidFill>
               </a:rPr>
               <a:pPr/>
-              <a:t>2/4/2015</a:t>
+              <a:t>2/5/2015</a:t>
             </a:fld>
             <a:endParaRPr lang="en-US" dirty="0">
               <a:solidFill>
@@ -13047,7 +13048,7 @@
     </p:spTree>
     <p:extLst>
       <p:ext uri="{BB962C8B-B14F-4D97-AF65-F5344CB8AC3E}">
-        <p14:creationId xmlns="" xmlns:p14="http://schemas.microsoft.com/office/powerpoint/2010/main" val="1309306950"/>
+        <p14:creationId xmlns:p14="http://schemas.microsoft.com/office/powerpoint/2010/main" xmlns="" val="1309306950"/>
       </p:ext>
     </p:extLst>
   </p:cSld>
@@ -13077,7 +13078,7 @@
     </p:spTree>
     <p:extLst>
       <p:ext uri="{BB962C8B-B14F-4D97-AF65-F5344CB8AC3E}">
-        <p14:creationId xmlns="" xmlns:p14="http://schemas.microsoft.com/office/powerpoint/2010/main" val="282916869"/>
+        <p14:creationId xmlns:p14="http://schemas.microsoft.com/office/powerpoint/2010/main" xmlns="" val="282916869"/>
       </p:ext>
     </p:extLst>
   </p:cSld>
@@ -13288,7 +13289,7 @@
                 </a:solidFill>
               </a:rPr>
               <a:pPr/>
-              <a:t>2/4/2015</a:t>
+              <a:t>2/5/2015</a:t>
             </a:fld>
             <a:endParaRPr lang="en-US" dirty="0">
               <a:solidFill>
@@ -13364,7 +13365,7 @@
     </p:spTree>
     <p:extLst>
       <p:ext uri="{BB962C8B-B14F-4D97-AF65-F5344CB8AC3E}">
-        <p14:creationId xmlns="" xmlns:p14="http://schemas.microsoft.com/office/powerpoint/2010/main" val="2456893232"/>
+        <p14:creationId xmlns:p14="http://schemas.microsoft.com/office/powerpoint/2010/main" xmlns="" val="2456893232"/>
       </p:ext>
     </p:extLst>
   </p:cSld>
@@ -13749,7 +13750,7 @@
                 </a:solidFill>
               </a:rPr>
               <a:pPr/>
-              <a:t>2/4/2015</a:t>
+              <a:t>2/5/2015</a:t>
             </a:fld>
             <a:endParaRPr lang="en-US">
               <a:solidFill>
@@ -13825,7 +13826,7 @@
     </p:spTree>
     <p:extLst>
       <p:ext uri="{BB962C8B-B14F-4D97-AF65-F5344CB8AC3E}">
-        <p14:creationId xmlns="" xmlns:p14="http://schemas.microsoft.com/office/powerpoint/2010/main" val="2764199103"/>
+        <p14:creationId xmlns:p14="http://schemas.microsoft.com/office/powerpoint/2010/main" xmlns="" val="2764199103"/>
       </p:ext>
     </p:extLst>
   </p:cSld>
@@ -13855,7 +13856,7 @@
     </p:spTree>
     <p:extLst>
       <p:ext uri="{BB962C8B-B14F-4D97-AF65-F5344CB8AC3E}">
-        <p14:creationId xmlns="" xmlns:p14="http://schemas.microsoft.com/office/powerpoint/2010/main" val="678413583"/>
+        <p14:creationId xmlns:p14="http://schemas.microsoft.com/office/powerpoint/2010/main" xmlns="" val="678413583"/>
       </p:ext>
     </p:extLst>
   </p:cSld>
@@ -14070,7 +14071,7 @@
                 </a:solidFill>
               </a:rPr>
               <a:pPr/>
-              <a:t>2/4/2015</a:t>
+              <a:t>2/5/2015</a:t>
             </a:fld>
             <a:endParaRPr lang="en-US" dirty="0">
               <a:solidFill>
@@ -14146,7 +14147,7 @@
     </p:spTree>
     <p:extLst>
       <p:ext uri="{BB962C8B-B14F-4D97-AF65-F5344CB8AC3E}">
-        <p14:creationId xmlns="" xmlns:p14="http://schemas.microsoft.com/office/powerpoint/2010/main" val="1968513767"/>
+        <p14:creationId xmlns:p14="http://schemas.microsoft.com/office/powerpoint/2010/main" xmlns="" val="1968513767"/>
       </p:ext>
     </p:extLst>
   </p:cSld>
@@ -14404,7 +14405,7 @@
                 </a:solidFill>
               </a:rPr>
               <a:pPr/>
-              <a:t>2/4/2015</a:t>
+              <a:t>2/5/2015</a:t>
             </a:fld>
             <a:endParaRPr lang="en-US" dirty="0">
               <a:solidFill>
@@ -14480,7 +14481,7 @@
     </p:spTree>
     <p:extLst>
       <p:ext uri="{BB962C8B-B14F-4D97-AF65-F5344CB8AC3E}">
-        <p14:creationId xmlns="" xmlns:p14="http://schemas.microsoft.com/office/powerpoint/2010/main" val="2065106143"/>
+        <p14:creationId xmlns:p14="http://schemas.microsoft.com/office/powerpoint/2010/main" xmlns="" val="2065106143"/>
       </p:ext>
     </p:extLst>
   </p:cSld>
@@ -14885,7 +14886,7 @@
                 </a:solidFill>
               </a:rPr>
               <a:pPr/>
-              <a:t>2/4/2015</a:t>
+              <a:t>2/5/2015</a:t>
             </a:fld>
             <a:endParaRPr lang="en-US" dirty="0">
               <a:solidFill>
@@ -14961,7 +14962,7 @@
     </p:spTree>
     <p:extLst>
       <p:ext uri="{BB962C8B-B14F-4D97-AF65-F5344CB8AC3E}">
-        <p14:creationId xmlns="" xmlns:p14="http://schemas.microsoft.com/office/powerpoint/2010/main" val="327932502"/>
+        <p14:creationId xmlns:p14="http://schemas.microsoft.com/office/powerpoint/2010/main" xmlns="" val="327932502"/>
       </p:ext>
     </p:extLst>
   </p:cSld>
@@ -15043,7 +15044,7 @@
                 </a:solidFill>
               </a:rPr>
               <a:pPr/>
-              <a:t>2/4/2015</a:t>
+              <a:t>2/5/2015</a:t>
             </a:fld>
             <a:endParaRPr lang="en-US" dirty="0">
               <a:solidFill>
@@ -15119,7 +15120,7 @@
     </p:spTree>
     <p:extLst>
       <p:ext uri="{BB962C8B-B14F-4D97-AF65-F5344CB8AC3E}">
-        <p14:creationId xmlns="" xmlns:p14="http://schemas.microsoft.com/office/powerpoint/2010/main" val="3184002286"/>
+        <p14:creationId xmlns:p14="http://schemas.microsoft.com/office/powerpoint/2010/main" xmlns="" val="3184002286"/>
       </p:ext>
     </p:extLst>
   </p:cSld>
@@ -15170,7 +15171,7 @@
                 </a:solidFill>
               </a:rPr>
               <a:pPr/>
-              <a:t>2/4/2015</a:t>
+              <a:t>2/5/2015</a:t>
             </a:fld>
             <a:endParaRPr lang="en-US" dirty="0">
               <a:solidFill>
@@ -15246,7 +15247,7 @@
     </p:spTree>
     <p:extLst>
       <p:ext uri="{BB962C8B-B14F-4D97-AF65-F5344CB8AC3E}">
-        <p14:creationId xmlns="" xmlns:p14="http://schemas.microsoft.com/office/powerpoint/2010/main" val="2512014733"/>
+        <p14:creationId xmlns:p14="http://schemas.microsoft.com/office/powerpoint/2010/main" xmlns="" val="2512014733"/>
       </p:ext>
     </p:extLst>
   </p:cSld>
@@ -15488,7 +15489,7 @@
                 </a:solidFill>
               </a:rPr>
               <a:pPr/>
-              <a:t>2/4/2015</a:t>
+              <a:t>2/5/2015</a:t>
             </a:fld>
             <a:endParaRPr lang="en-US" dirty="0">
               <a:solidFill>
@@ -15564,7 +15565,7 @@
     </p:spTree>
     <p:extLst>
       <p:ext uri="{BB962C8B-B14F-4D97-AF65-F5344CB8AC3E}">
-        <p14:creationId xmlns="" xmlns:p14="http://schemas.microsoft.com/office/powerpoint/2010/main" val="3847402047"/>
+        <p14:creationId xmlns:p14="http://schemas.microsoft.com/office/powerpoint/2010/main" xmlns="" val="3847402047"/>
       </p:ext>
     </p:extLst>
   </p:cSld>
@@ -15782,7 +15783,7 @@
                 </a:solidFill>
               </a:rPr>
               <a:pPr/>
-              <a:t>2/4/2015</a:t>
+              <a:t>2/5/2015</a:t>
             </a:fld>
             <a:endParaRPr lang="en-US" dirty="0">
               <a:solidFill>
@@ -15858,7 +15859,7 @@
     </p:spTree>
     <p:extLst>
       <p:ext uri="{BB962C8B-B14F-4D97-AF65-F5344CB8AC3E}">
-        <p14:creationId xmlns="" xmlns:p14="http://schemas.microsoft.com/office/powerpoint/2010/main" val="2562320342"/>
+        <p14:creationId xmlns:p14="http://schemas.microsoft.com/office/powerpoint/2010/main" xmlns="" val="2562320342"/>
       </p:ext>
     </p:extLst>
   </p:cSld>
@@ -16000,7 +16001,7 @@
                 </a:solidFill>
               </a:rPr>
               <a:pPr/>
-              <a:t>2/4/2015</a:t>
+              <a:t>2/5/2015</a:t>
             </a:fld>
             <a:endParaRPr lang="en-US" dirty="0">
               <a:solidFill>
@@ -16076,7 +16077,7 @@
     </p:spTree>
     <p:extLst>
       <p:ext uri="{BB962C8B-B14F-4D97-AF65-F5344CB8AC3E}">
-        <p14:creationId xmlns="" xmlns:p14="http://schemas.microsoft.com/office/powerpoint/2010/main" val="1613516973"/>
+        <p14:creationId xmlns:p14="http://schemas.microsoft.com/office/powerpoint/2010/main" xmlns="" val="1613516973"/>
       </p:ext>
     </p:extLst>
   </p:cSld>
@@ -16218,7 +16219,7 @@
                 </a:solidFill>
               </a:rPr>
               <a:pPr/>
-              <a:t>2/4/2015</a:t>
+              <a:t>2/5/2015</a:t>
             </a:fld>
             <a:endParaRPr lang="en-US" dirty="0">
               <a:solidFill>
@@ -16294,7 +16295,7 @@
     </p:spTree>
     <p:extLst>
       <p:ext uri="{BB962C8B-B14F-4D97-AF65-F5344CB8AC3E}">
-        <p14:creationId xmlns="" xmlns:p14="http://schemas.microsoft.com/office/powerpoint/2010/main" val="2045037972"/>
+        <p14:creationId xmlns:p14="http://schemas.microsoft.com/office/powerpoint/2010/main" xmlns="" val="2045037972"/>
       </p:ext>
     </p:extLst>
   </p:cSld>
@@ -16368,7 +16369,7 @@
                 </a:solidFill>
               </a:rPr>
               <a:pPr/>
-              <a:t>2/4/2015</a:t>
+              <a:t>2/5/2015</a:t>
             </a:fld>
             <a:endParaRPr lang="en-US">
               <a:solidFill>
@@ -16444,7 +16445,7 @@
     </p:spTree>
     <p:extLst>
       <p:ext uri="{BB962C8B-B14F-4D97-AF65-F5344CB8AC3E}">
-        <p14:creationId xmlns="" xmlns:p14="http://schemas.microsoft.com/office/powerpoint/2010/main" val="3709329828"/>
+        <p14:creationId xmlns:p14="http://schemas.microsoft.com/office/powerpoint/2010/main" xmlns="" val="3709329828"/>
       </p:ext>
     </p:extLst>
   </p:cSld>
@@ -16586,7 +16587,7 @@
                 </a:solidFill>
               </a:rPr>
               <a:pPr/>
-              <a:t>2/4/2015</a:t>
+              <a:t>2/5/2015</a:t>
             </a:fld>
             <a:endParaRPr lang="en-US" dirty="0">
               <a:solidFill>
@@ -16662,7 +16663,7 @@
     </p:spTree>
     <p:extLst>
       <p:ext uri="{BB962C8B-B14F-4D97-AF65-F5344CB8AC3E}">
-        <p14:creationId xmlns="" xmlns:p14="http://schemas.microsoft.com/office/powerpoint/2010/main" val="761927076"/>
+        <p14:creationId xmlns:p14="http://schemas.microsoft.com/office/powerpoint/2010/main" xmlns="" val="761927076"/>
       </p:ext>
     </p:extLst>
   </p:cSld>
@@ -16720,7 +16721,7 @@
                 </a:solidFill>
               </a:rPr>
               <a:pPr/>
-              <a:t>2/4/2015</a:t>
+              <a:t>2/5/2015</a:t>
             </a:fld>
             <a:endParaRPr lang="en-US">
               <a:solidFill>
@@ -16796,7 +16797,7 @@
     </p:spTree>
     <p:extLst>
       <p:ext uri="{BB962C8B-B14F-4D97-AF65-F5344CB8AC3E}">
-        <p14:creationId xmlns="" xmlns:p14="http://schemas.microsoft.com/office/powerpoint/2010/main" val="1389333609"/>
+        <p14:creationId xmlns:p14="http://schemas.microsoft.com/office/powerpoint/2010/main" xmlns="" val="1389333609"/>
       </p:ext>
     </p:extLst>
   </p:cSld>
@@ -17029,7 +17030,7 @@
                 </a:solidFill>
               </a:rPr>
               <a:pPr/>
-              <a:t>2/4/2015</a:t>
+              <a:t>2/5/2015</a:t>
             </a:fld>
             <a:endParaRPr lang="en-US">
               <a:solidFill>
@@ -17105,7 +17106,7 @@
     </p:spTree>
     <p:extLst>
       <p:ext uri="{BB962C8B-B14F-4D97-AF65-F5344CB8AC3E}">
-        <p14:creationId xmlns="" xmlns:p14="http://schemas.microsoft.com/office/powerpoint/2010/main" val="1136583469"/>
+        <p14:creationId xmlns:p14="http://schemas.microsoft.com/office/powerpoint/2010/main" xmlns="" val="1136583469"/>
       </p:ext>
     </p:extLst>
   </p:cSld>
@@ -17318,7 +17319,7 @@
                 </a:solidFill>
               </a:rPr>
               <a:pPr/>
-              <a:t>2/4/2015</a:t>
+              <a:t>2/5/2015</a:t>
             </a:fld>
             <a:endParaRPr lang="en-US">
               <a:solidFill>
@@ -17394,7 +17395,7 @@
     </p:spTree>
     <p:extLst>
       <p:ext uri="{BB962C8B-B14F-4D97-AF65-F5344CB8AC3E}">
-        <p14:creationId xmlns="" xmlns:p14="http://schemas.microsoft.com/office/powerpoint/2010/main" val="3054415035"/>
+        <p14:creationId xmlns:p14="http://schemas.microsoft.com/office/powerpoint/2010/main" xmlns="" val="3054415035"/>
       </p:ext>
     </p:extLst>
   </p:cSld>
@@ -17563,7 +17564,7 @@
                 </a:solidFill>
               </a:rPr>
               <a:pPr/>
-              <a:t>2/4/2015</a:t>
+              <a:t>2/5/2015</a:t>
             </a:fld>
             <a:endParaRPr lang="en-US">
               <a:solidFill>
@@ -17675,7 +17676,7 @@
     </p:spTree>
     <p:extLst>
       <p:ext uri="{BB962C8B-B14F-4D97-AF65-F5344CB8AC3E}">
-        <p14:creationId xmlns="" xmlns:p14="http://schemas.microsoft.com/office/powerpoint/2010/main" val="1821676339"/>
+        <p14:creationId xmlns:p14="http://schemas.microsoft.com/office/powerpoint/2010/main" xmlns="" val="1821676339"/>
       </p:ext>
     </p:extLst>
   </p:cSld>
@@ -18113,7 +18114,7 @@
                 </a:solidFill>
               </a:rPr>
               <a:pPr/>
-              <a:t>2/4/2015</a:t>
+              <a:t>2/5/2015</a:t>
             </a:fld>
             <a:endParaRPr lang="en-US">
               <a:solidFill>
@@ -18282,7 +18283,7 @@
           <a:blip r:embed="rId14" cstate="print">
             <a:extLst>
               <a:ext uri="{28A0092B-C50C-407E-A947-70E740481C1C}">
-                <a14:useLocalDpi xmlns="" xmlns:a14="http://schemas.microsoft.com/office/drawing/2010/main" val="0"/>
+                <a14:useLocalDpi xmlns:a14="http://schemas.microsoft.com/office/drawing/2010/main" xmlns="" val="0"/>
               </a:ext>
             </a:extLst>
           </a:blip>
@@ -18302,7 +18303,7 @@
           <a:noFill/>
           <a:extLst>
             <a:ext uri="{909E8E84-426E-40DD-AFC4-6F175D3DCCD1}">
-              <a14:hiddenFill xmlns="" xmlns:a14="http://schemas.microsoft.com/office/drawing/2010/main">
+              <a14:hiddenFill xmlns:a14="http://schemas.microsoft.com/office/drawing/2010/main" xmlns="">
                 <a:solidFill>
                   <a:srgbClr val="FFFFFF"/>
                 </a:solidFill>
@@ -18323,7 +18324,7 @@
           <a:blip r:embed="rId14" cstate="print">
             <a:extLst>
               <a:ext uri="{28A0092B-C50C-407E-A947-70E740481C1C}">
-                <a14:useLocalDpi xmlns="" xmlns:a14="http://schemas.microsoft.com/office/drawing/2010/main" val="0"/>
+                <a14:useLocalDpi xmlns:a14="http://schemas.microsoft.com/office/drawing/2010/main" xmlns="" val="0"/>
               </a:ext>
             </a:extLst>
           </a:blip>
@@ -18343,7 +18344,7 @@
           <a:noFill/>
           <a:extLst>
             <a:ext uri="{909E8E84-426E-40DD-AFC4-6F175D3DCCD1}">
-              <a14:hiddenFill xmlns="" xmlns:a14="http://schemas.microsoft.com/office/drawing/2010/main">
+              <a14:hiddenFill xmlns:a14="http://schemas.microsoft.com/office/drawing/2010/main" xmlns="">
                 <a:solidFill>
                   <a:srgbClr val="FFFFFF"/>
                 </a:solidFill>
@@ -18364,7 +18365,7 @@
           <a:blip r:embed="rId14" cstate="print">
             <a:extLst>
               <a:ext uri="{28A0092B-C50C-407E-A947-70E740481C1C}">
-                <a14:useLocalDpi xmlns="" xmlns:a14="http://schemas.microsoft.com/office/drawing/2010/main" val="0"/>
+                <a14:useLocalDpi xmlns:a14="http://schemas.microsoft.com/office/drawing/2010/main" xmlns="" val="0"/>
               </a:ext>
             </a:extLst>
           </a:blip>
@@ -18384,7 +18385,7 @@
           <a:noFill/>
           <a:extLst>
             <a:ext uri="{909E8E84-426E-40DD-AFC4-6F175D3DCCD1}">
-              <a14:hiddenFill xmlns="" xmlns:a14="http://schemas.microsoft.com/office/drawing/2010/main">
+              <a14:hiddenFill xmlns:a14="http://schemas.microsoft.com/office/drawing/2010/main" xmlns="">
                 <a:solidFill>
                   <a:srgbClr val="FFFFFF"/>
                 </a:solidFill>
@@ -18405,7 +18406,7 @@
           <a:blip r:embed="rId14" cstate="print">
             <a:extLst>
               <a:ext uri="{28A0092B-C50C-407E-A947-70E740481C1C}">
-                <a14:useLocalDpi xmlns="" xmlns:a14="http://schemas.microsoft.com/office/drawing/2010/main" val="0"/>
+                <a14:useLocalDpi xmlns:a14="http://schemas.microsoft.com/office/drawing/2010/main" xmlns="" val="0"/>
               </a:ext>
             </a:extLst>
           </a:blip>
@@ -18425,7 +18426,7 @@
           <a:noFill/>
           <a:extLst>
             <a:ext uri="{909E8E84-426E-40DD-AFC4-6F175D3DCCD1}">
-              <a14:hiddenFill xmlns="" xmlns:a14="http://schemas.microsoft.com/office/drawing/2010/main">
+              <a14:hiddenFill xmlns:a14="http://schemas.microsoft.com/office/drawing/2010/main" xmlns="">
                 <a:solidFill>
                   <a:srgbClr val="FFFFFF"/>
                 </a:solidFill>
@@ -18437,7 +18438,7 @@
     </p:spTree>
     <p:extLst>
       <p:ext uri="{BB962C8B-B14F-4D97-AF65-F5344CB8AC3E}">
-        <p14:creationId xmlns="" xmlns:p14="http://schemas.microsoft.com/office/powerpoint/2010/main" val="2541485644"/>
+        <p14:creationId xmlns:p14="http://schemas.microsoft.com/office/powerpoint/2010/main" xmlns="" val="2541485644"/>
       </p:ext>
     </p:extLst>
   </p:cSld>
@@ -18780,7 +18781,7 @@
                 </a:solidFill>
               </a:rPr>
               <a:pPr/>
-              <a:t>2/4/2015</a:t>
+              <a:t>2/5/2015</a:t>
             </a:fld>
             <a:endParaRPr lang="en-US">
               <a:solidFill>
@@ -19012,7 +19013,7 @@
           <a:blip r:embed="rId14" cstate="print">
             <a:extLst>
               <a:ext uri="{28A0092B-C50C-407E-A947-70E740481C1C}">
-                <a14:useLocalDpi xmlns="" xmlns:a14="http://schemas.microsoft.com/office/drawing/2010/main" val="0"/>
+                <a14:useLocalDpi xmlns:a14="http://schemas.microsoft.com/office/drawing/2010/main" xmlns="" val="0"/>
               </a:ext>
             </a:extLst>
           </a:blip>
@@ -19032,7 +19033,7 @@
           <a:noFill/>
           <a:extLst>
             <a:ext uri="{909E8E84-426E-40DD-AFC4-6F175D3DCCD1}">
-              <a14:hiddenFill xmlns="" xmlns:a14="http://schemas.microsoft.com/office/drawing/2010/main">
+              <a14:hiddenFill xmlns:a14="http://schemas.microsoft.com/office/drawing/2010/main" xmlns="">
                 <a:solidFill>
                   <a:srgbClr val="FFFFFF"/>
                 </a:solidFill>
@@ -19053,7 +19054,7 @@
           <a:blip r:embed="rId14" cstate="print">
             <a:extLst>
               <a:ext uri="{28A0092B-C50C-407E-A947-70E740481C1C}">
-                <a14:useLocalDpi xmlns="" xmlns:a14="http://schemas.microsoft.com/office/drawing/2010/main" val="0"/>
+                <a14:useLocalDpi xmlns:a14="http://schemas.microsoft.com/office/drawing/2010/main" xmlns="" val="0"/>
               </a:ext>
             </a:extLst>
           </a:blip>
@@ -19073,7 +19074,7 @@
           <a:noFill/>
           <a:extLst>
             <a:ext uri="{909E8E84-426E-40DD-AFC4-6F175D3DCCD1}">
-              <a14:hiddenFill xmlns="" xmlns:a14="http://schemas.microsoft.com/office/drawing/2010/main">
+              <a14:hiddenFill xmlns:a14="http://schemas.microsoft.com/office/drawing/2010/main" xmlns="">
                 <a:solidFill>
                   <a:srgbClr val="FFFFFF"/>
                 </a:solidFill>
@@ -19094,7 +19095,7 @@
           <a:blip r:embed="rId14" cstate="print">
             <a:extLst>
               <a:ext uri="{28A0092B-C50C-407E-A947-70E740481C1C}">
-                <a14:useLocalDpi xmlns="" xmlns:a14="http://schemas.microsoft.com/office/drawing/2010/main" val="0"/>
+                <a14:useLocalDpi xmlns:a14="http://schemas.microsoft.com/office/drawing/2010/main" xmlns="" val="0"/>
               </a:ext>
             </a:extLst>
           </a:blip>
@@ -19114,7 +19115,7 @@
           <a:noFill/>
           <a:extLst>
             <a:ext uri="{909E8E84-426E-40DD-AFC4-6F175D3DCCD1}">
-              <a14:hiddenFill xmlns="" xmlns:a14="http://schemas.microsoft.com/office/drawing/2010/main">
+              <a14:hiddenFill xmlns:a14="http://schemas.microsoft.com/office/drawing/2010/main" xmlns="">
                 <a:solidFill>
                   <a:srgbClr val="FFFFFF"/>
                 </a:solidFill>
@@ -19135,7 +19136,7 @@
           <a:blip r:embed="rId14" cstate="print">
             <a:extLst>
               <a:ext uri="{28A0092B-C50C-407E-A947-70E740481C1C}">
-                <a14:useLocalDpi xmlns="" xmlns:a14="http://schemas.microsoft.com/office/drawing/2010/main" val="0"/>
+                <a14:useLocalDpi xmlns:a14="http://schemas.microsoft.com/office/drawing/2010/main" xmlns="" val="0"/>
               </a:ext>
             </a:extLst>
           </a:blip>
@@ -19155,7 +19156,7 @@
           <a:noFill/>
           <a:extLst>
             <a:ext uri="{909E8E84-426E-40DD-AFC4-6F175D3DCCD1}">
-              <a14:hiddenFill xmlns="" xmlns:a14="http://schemas.microsoft.com/office/drawing/2010/main">
+              <a14:hiddenFill xmlns:a14="http://schemas.microsoft.com/office/drawing/2010/main" xmlns="">
                 <a:solidFill>
                   <a:srgbClr val="FFFFFF"/>
                 </a:solidFill>
@@ -19167,7 +19168,7 @@
     </p:spTree>
     <p:extLst>
       <p:ext uri="{BB962C8B-B14F-4D97-AF65-F5344CB8AC3E}">
-        <p14:creationId xmlns="" xmlns:p14="http://schemas.microsoft.com/office/powerpoint/2010/main" val="218230408"/>
+        <p14:creationId xmlns:p14="http://schemas.microsoft.com/office/powerpoint/2010/main" xmlns="" val="218230408"/>
       </p:ext>
     </p:extLst>
   </p:cSld>
@@ -19605,7 +19606,7 @@
                 </a:solidFill>
               </a:rPr>
               <a:pPr/>
-              <a:t>2/4/2015</a:t>
+              <a:t>2/5/2015</a:t>
             </a:fld>
             <a:endParaRPr lang="en-US" dirty="0">
               <a:solidFill>
@@ -19755,7 +19756,7 @@
     </p:spTree>
     <p:extLst>
       <p:ext uri="{BB962C8B-B14F-4D97-AF65-F5344CB8AC3E}">
-        <p14:creationId xmlns="" xmlns:p14="http://schemas.microsoft.com/office/powerpoint/2010/main" val="1821676339"/>
+        <p14:creationId xmlns:p14="http://schemas.microsoft.com/office/powerpoint/2010/main" xmlns="" val="1821676339"/>
       </p:ext>
     </p:extLst>
   </p:cSld>
@@ -20098,7 +20099,7 @@
                 </a:solidFill>
               </a:rPr>
               <a:pPr/>
-              <a:t>2/4/2015</a:t>
+              <a:t>2/5/2015</a:t>
             </a:fld>
             <a:endParaRPr lang="en-US" dirty="0">
               <a:solidFill>
@@ -20314,7 +20315,7 @@
           <a:blip r:embed="rId14" cstate="print">
             <a:extLst>
               <a:ext uri="{28A0092B-C50C-407E-A947-70E740481C1C}">
-                <a14:useLocalDpi xmlns="" xmlns:a14="http://schemas.microsoft.com/office/drawing/2010/main" val="0"/>
+                <a14:useLocalDpi xmlns:a14="http://schemas.microsoft.com/office/drawing/2010/main" xmlns="" val="0"/>
               </a:ext>
             </a:extLst>
           </a:blip>
@@ -20334,7 +20335,7 @@
           <a:noFill/>
           <a:extLst>
             <a:ext uri="{909E8E84-426E-40DD-AFC4-6F175D3DCCD1}">
-              <a14:hiddenFill xmlns="" xmlns:a14="http://schemas.microsoft.com/office/drawing/2010/main">
+              <a14:hiddenFill xmlns:a14="http://schemas.microsoft.com/office/drawing/2010/main" xmlns="">
                 <a:solidFill>
                   <a:srgbClr val="FFFFFF"/>
                 </a:solidFill>
@@ -20355,7 +20356,7 @@
           <a:blip r:embed="rId14" cstate="print">
             <a:extLst>
               <a:ext uri="{28A0092B-C50C-407E-A947-70E740481C1C}">
-                <a14:useLocalDpi xmlns="" xmlns:a14="http://schemas.microsoft.com/office/drawing/2010/main" val="0"/>
+                <a14:useLocalDpi xmlns:a14="http://schemas.microsoft.com/office/drawing/2010/main" xmlns="" val="0"/>
               </a:ext>
             </a:extLst>
           </a:blip>
@@ -20375,7 +20376,7 @@
           <a:noFill/>
           <a:extLst>
             <a:ext uri="{909E8E84-426E-40DD-AFC4-6F175D3DCCD1}">
-              <a14:hiddenFill xmlns="" xmlns:a14="http://schemas.microsoft.com/office/drawing/2010/main">
+              <a14:hiddenFill xmlns:a14="http://schemas.microsoft.com/office/drawing/2010/main" xmlns="">
                 <a:solidFill>
                   <a:srgbClr val="FFFFFF"/>
                 </a:solidFill>
@@ -20396,7 +20397,7 @@
           <a:blip r:embed="rId14" cstate="print">
             <a:extLst>
               <a:ext uri="{28A0092B-C50C-407E-A947-70E740481C1C}">
-                <a14:useLocalDpi xmlns="" xmlns:a14="http://schemas.microsoft.com/office/drawing/2010/main" val="0"/>
+                <a14:useLocalDpi xmlns:a14="http://schemas.microsoft.com/office/drawing/2010/main" xmlns="" val="0"/>
               </a:ext>
             </a:extLst>
           </a:blip>
@@ -20416,7 +20417,7 @@
           <a:noFill/>
           <a:extLst>
             <a:ext uri="{909E8E84-426E-40DD-AFC4-6F175D3DCCD1}">
-              <a14:hiddenFill xmlns="" xmlns:a14="http://schemas.microsoft.com/office/drawing/2010/main">
+              <a14:hiddenFill xmlns:a14="http://schemas.microsoft.com/office/drawing/2010/main" xmlns="">
                 <a:solidFill>
                   <a:srgbClr val="FFFFFF"/>
                 </a:solidFill>
@@ -20437,7 +20438,7 @@
           <a:blip r:embed="rId14" cstate="print">
             <a:extLst>
               <a:ext uri="{28A0092B-C50C-407E-A947-70E740481C1C}">
-                <a14:useLocalDpi xmlns="" xmlns:a14="http://schemas.microsoft.com/office/drawing/2010/main" val="0"/>
+                <a14:useLocalDpi xmlns:a14="http://schemas.microsoft.com/office/drawing/2010/main" xmlns="" val="0"/>
               </a:ext>
             </a:extLst>
           </a:blip>
@@ -20457,7 +20458,7 @@
           <a:noFill/>
           <a:extLst>
             <a:ext uri="{909E8E84-426E-40DD-AFC4-6F175D3DCCD1}">
-              <a14:hiddenFill xmlns="" xmlns:a14="http://schemas.microsoft.com/office/drawing/2010/main">
+              <a14:hiddenFill xmlns:a14="http://schemas.microsoft.com/office/drawing/2010/main" xmlns="">
                 <a:solidFill>
                   <a:srgbClr val="FFFFFF"/>
                 </a:solidFill>
@@ -20469,7 +20470,7 @@
     </p:spTree>
     <p:extLst>
       <p:ext uri="{BB962C8B-B14F-4D97-AF65-F5344CB8AC3E}">
-        <p14:creationId xmlns="" xmlns:p14="http://schemas.microsoft.com/office/powerpoint/2010/main" val="2485508751"/>
+        <p14:creationId xmlns:p14="http://schemas.microsoft.com/office/powerpoint/2010/main" xmlns="" val="2485508751"/>
       </p:ext>
     </p:extLst>
   </p:cSld>
@@ -21010,7 +21011,7 @@
     </p:spTree>
     <p:extLst>
       <p:ext uri="{BB962C8B-B14F-4D97-AF65-F5344CB8AC3E}">
-        <p14:creationId xmlns="" xmlns:p14="http://schemas.microsoft.com/office/powerpoint/2010/main" val="657141698"/>
+        <p14:creationId xmlns:p14="http://schemas.microsoft.com/office/powerpoint/2010/main" xmlns="" val="657141698"/>
       </p:ext>
     </p:extLst>
   </p:cSld>
@@ -21300,7 +21301,7 @@
     </p:spTree>
     <p:extLst>
       <p:ext uri="{BB962C8B-B14F-4D97-AF65-F5344CB8AC3E}">
-        <p14:creationId xmlns="" xmlns:p14="http://schemas.microsoft.com/office/powerpoint/2010/main" val="1825426936"/>
+        <p14:creationId xmlns:p14="http://schemas.microsoft.com/office/powerpoint/2010/main" xmlns="" val="1825426936"/>
       </p:ext>
     </p:extLst>
   </p:cSld>
@@ -21579,7 +21580,7 @@
     </p:spTree>
     <p:extLst>
       <p:ext uri="{BB962C8B-B14F-4D97-AF65-F5344CB8AC3E}">
-        <p14:creationId xmlns="" xmlns:p14="http://schemas.microsoft.com/office/powerpoint/2010/main" val="657141698"/>
+        <p14:creationId xmlns:p14="http://schemas.microsoft.com/office/powerpoint/2010/main" xmlns="" val="657141698"/>
       </p:ext>
     </p:extLst>
   </p:cSld>
@@ -21811,26 +21812,25 @@
       </p:sp>
       <p:sp>
         <p:nvSpPr>
-          <p:cNvPr id="5" name="Cross 4"/>
+          <p:cNvPr id="14" name="Oval 13"/>
           <p:cNvSpPr/>
           <p:nvPr/>
         </p:nvSpPr>
         <p:spPr>
-          <a:xfrm rot="2734294">
-            <a:off x="5002286" y="2205198"/>
-            <a:ext cx="390684" cy="390684"/>
+          <a:xfrm>
+            <a:off x="5036211" y="2264436"/>
+            <a:ext cx="297789" cy="297789"/>
           </a:xfrm>
-          <a:prstGeom prst="plus">
-            <a:avLst>
-              <a:gd name="adj" fmla="val 46579"/>
-            </a:avLst>
+          <a:prstGeom prst="ellipse">
+            <a:avLst/>
           </a:prstGeom>
-          <a:solidFill>
-            <a:schemeClr val="tx1"/>
-          </a:solidFill>
-          <a:ln w="38100">
+          <a:noFill/>
+          <a:ln w="44450">
             <a:solidFill>
-              <a:srgbClr val="FF0000"/>
+              <a:schemeClr val="tx2">
+                <a:lumMod val="60000"/>
+                <a:lumOff val="40000"/>
+              </a:schemeClr>
             </a:solidFill>
           </a:ln>
         </p:spPr>
@@ -21861,26 +21861,25 @@
       </p:sp>
       <p:sp>
         <p:nvSpPr>
-          <p:cNvPr id="6" name="Cross 5"/>
+          <p:cNvPr id="15" name="Oval 14"/>
           <p:cNvSpPr/>
           <p:nvPr/>
         </p:nvSpPr>
         <p:spPr>
-          <a:xfrm rot="2734294">
-            <a:off x="5127933" y="1396215"/>
-            <a:ext cx="390684" cy="390684"/>
+          <a:xfrm>
+            <a:off x="5150511" y="1905000"/>
+            <a:ext cx="297789" cy="297789"/>
           </a:xfrm>
-          <a:prstGeom prst="plus">
-            <a:avLst>
-              <a:gd name="adj" fmla="val 46579"/>
-            </a:avLst>
+          <a:prstGeom prst="ellipse">
+            <a:avLst/>
           </a:prstGeom>
-          <a:solidFill>
-            <a:schemeClr val="tx1"/>
-          </a:solidFill>
-          <a:ln w="38100">
+          <a:noFill/>
+          <a:ln w="44450">
             <a:solidFill>
-              <a:srgbClr val="FF0000"/>
+              <a:schemeClr val="tx2">
+                <a:lumMod val="60000"/>
+                <a:lumOff val="40000"/>
+              </a:schemeClr>
             </a:solidFill>
           </a:ln>
         </p:spPr>
@@ -21911,26 +21910,25 @@
       </p:sp>
       <p:sp>
         <p:nvSpPr>
-          <p:cNvPr id="8" name="Cross 7"/>
+          <p:cNvPr id="16" name="Oval 15"/>
           <p:cNvSpPr/>
           <p:nvPr/>
         </p:nvSpPr>
         <p:spPr>
-          <a:xfrm rot="2734294">
-            <a:off x="5680417" y="1894197"/>
-            <a:ext cx="390684" cy="390684"/>
+          <a:xfrm>
+            <a:off x="5715000" y="1940586"/>
+            <a:ext cx="297789" cy="297789"/>
           </a:xfrm>
-          <a:prstGeom prst="plus">
-            <a:avLst>
-              <a:gd name="adj" fmla="val 46579"/>
-            </a:avLst>
+          <a:prstGeom prst="ellipse">
+            <a:avLst/>
           </a:prstGeom>
-          <a:solidFill>
-            <a:schemeClr val="tx1"/>
-          </a:solidFill>
-          <a:ln w="38100">
+          <a:noFill/>
+          <a:ln w="44450">
             <a:solidFill>
-              <a:srgbClr val="FF0000"/>
+              <a:schemeClr val="tx2">
+                <a:lumMod val="60000"/>
+                <a:lumOff val="40000"/>
+              </a:schemeClr>
             </a:solidFill>
           </a:ln>
         </p:spPr>
@@ -21961,26 +21959,25 @@
       </p:sp>
       <p:sp>
         <p:nvSpPr>
-          <p:cNvPr id="23" name="Cross 22"/>
+          <p:cNvPr id="17" name="Oval 16"/>
           <p:cNvSpPr/>
           <p:nvPr/>
         </p:nvSpPr>
         <p:spPr>
-          <a:xfrm rot="2734294">
-            <a:off x="5110632" y="1867799"/>
-            <a:ext cx="390684" cy="390684"/>
+          <a:xfrm>
+            <a:off x="5172075" y="1447800"/>
+            <a:ext cx="297789" cy="297789"/>
           </a:xfrm>
-          <a:prstGeom prst="plus">
-            <a:avLst>
-              <a:gd name="adj" fmla="val 46579"/>
-            </a:avLst>
+          <a:prstGeom prst="ellipse">
+            <a:avLst/>
           </a:prstGeom>
-          <a:solidFill>
-            <a:schemeClr val="tx1"/>
-          </a:solidFill>
-          <a:ln w="38100">
+          <a:noFill/>
+          <a:ln w="44450">
             <a:solidFill>
-              <a:srgbClr val="FF0000"/>
+              <a:schemeClr val="tx2">
+                <a:lumMod val="60000"/>
+                <a:lumOff val="40000"/>
+              </a:schemeClr>
             </a:solidFill>
           </a:ln>
         </p:spPr>
@@ -22011,7 +22008,51 @@
       </p:sp>
       <p:sp>
         <p:nvSpPr>
-          <p:cNvPr id="37" name="TextBox 36"/>
+          <p:cNvPr id="18" name="TextBox 17"/>
+          <p:cNvSpPr txBox="1"/>
+          <p:nvPr/>
+        </p:nvSpPr>
+        <p:spPr>
+          <a:xfrm>
+            <a:off x="2514600" y="285750"/>
+            <a:ext cx="3998787" cy="584775"/>
+          </a:xfrm>
+          <a:prstGeom prst="rect">
+            <a:avLst/>
+          </a:prstGeom>
+          <a:noFill/>
+        </p:spPr>
+        <p:txBody>
+          <a:bodyPr wrap="none" rtlCol="0">
+            <a:spAutoFit/>
+          </a:bodyPr>
+          <a:lstStyle/>
+          <a:p>
+            <a:r>
+              <a:rPr lang="en-US" sz="3200" dirty="0" smtClean="0">
+                <a:solidFill>
+                  <a:schemeClr val="tx1">
+                    <a:lumMod val="85000"/>
+                    <a:lumOff val="15000"/>
+                  </a:schemeClr>
+                </a:solidFill>
+              </a:rPr>
+              <a:t>Unsupervised Learning</a:t>
+            </a:r>
+            <a:endParaRPr lang="en-US" sz="3200" dirty="0">
+              <a:solidFill>
+                <a:schemeClr val="tx1">
+                  <a:lumMod val="85000"/>
+                  <a:lumOff val="15000"/>
+                </a:schemeClr>
+              </a:solidFill>
+            </a:endParaRPr>
+          </a:p>
+        </p:txBody>
+      </p:sp>
+      <p:sp>
+        <p:nvSpPr>
+          <p:cNvPr id="20" name="TextBox 19"/>
           <p:cNvSpPr txBox="1"/>
           <p:nvPr/>
         </p:nvSpPr>
@@ -22045,7 +22086,7 @@
       </p:sp>
       <p:sp>
         <p:nvSpPr>
-          <p:cNvPr id="38" name="TextBox 37"/>
+          <p:cNvPr id="21" name="TextBox 20"/>
           <p:cNvSpPr txBox="1"/>
           <p:nvPr/>
         </p:nvSpPr>
@@ -22076,53 +22117,9 @@
           </a:p>
         </p:txBody>
       </p:sp>
-      <p:sp>
-        <p:nvSpPr>
-          <p:cNvPr id="116" name="TextBox 115"/>
-          <p:cNvSpPr txBox="1"/>
-          <p:nvPr/>
-        </p:nvSpPr>
-        <p:spPr>
-          <a:xfrm>
-            <a:off x="2895600" y="285750"/>
-            <a:ext cx="3548344" cy="584775"/>
-          </a:xfrm>
-          <a:prstGeom prst="rect">
-            <a:avLst/>
-          </a:prstGeom>
-          <a:noFill/>
-        </p:spPr>
-        <p:txBody>
-          <a:bodyPr wrap="none" rtlCol="0">
-            <a:spAutoFit/>
-          </a:bodyPr>
-          <a:lstStyle/>
-          <a:p>
-            <a:r>
-              <a:rPr lang="en-US" sz="3200" dirty="0" smtClean="0">
-                <a:solidFill>
-                  <a:schemeClr val="tx1">
-                    <a:lumMod val="85000"/>
-                    <a:lumOff val="15000"/>
-                  </a:schemeClr>
-                </a:solidFill>
-              </a:rPr>
-              <a:t>Supervised Learning</a:t>
-            </a:r>
-            <a:endParaRPr lang="en-US" sz="3200" dirty="0">
-              <a:solidFill>
-                <a:schemeClr val="tx1">
-                  <a:lumMod val="85000"/>
-                  <a:lumOff val="15000"/>
-                </a:schemeClr>
-              </a:solidFill>
-            </a:endParaRPr>
-          </a:p>
-        </p:txBody>
-      </p:sp>
       <p:cxnSp>
         <p:nvCxnSpPr>
-          <p:cNvPr id="15" name="Straight Arrow Connector 14"/>
+          <p:cNvPr id="22" name="Straight Arrow Connector 21"/>
           <p:cNvCxnSpPr/>
           <p:nvPr/>
         </p:nvCxnSpPr>
@@ -22160,7 +22157,7 @@
       </p:cxnSp>
       <p:cxnSp>
         <p:nvCxnSpPr>
-          <p:cNvPr id="16" name="Straight Arrow Connector 15"/>
+          <p:cNvPr id="23" name="Straight Arrow Connector 22"/>
           <p:cNvCxnSpPr/>
           <p:nvPr/>
         </p:nvCxnSpPr>
@@ -22198,7 +22195,7 @@
       </p:cxnSp>
       <p:sp>
         <p:nvSpPr>
-          <p:cNvPr id="17" name="Rectangle 16"/>
+          <p:cNvPr id="24" name="Rectangle 23"/>
           <p:cNvSpPr/>
           <p:nvPr/>
         </p:nvSpPr>
@@ -22245,7 +22242,7 @@
     </p:spTree>
     <p:extLst>
       <p:ext uri="{BB962C8B-B14F-4D97-AF65-F5344CB8AC3E}">
-        <p14:creationId xmlns="" xmlns:p14="http://schemas.microsoft.com/office/powerpoint/2010/main" val="852808444"/>
+        <p14:creationId xmlns:p14="http://schemas.microsoft.com/office/powerpoint/2010/main" xmlns="" val="852808444"/>
       </p:ext>
     </p:extLst>
   </p:cSld>
@@ -22859,7 +22856,7 @@
         </p:style>
       </p:cxnSp>
       <mc:AlternateContent xmlns:mc="http://schemas.openxmlformats.org/markup-compatibility/2006">
-        <mc:Choice xmlns="" xmlns:p14="http://schemas.microsoft.com/office/powerpoint/2010/main" Requires="p14">
+        <mc:Choice xmlns:p14="http://schemas.microsoft.com/office/powerpoint/2010/main" xmlns="" Requires="p14">
           <p:contentPart p14:bwMode="auto" r:id="rId2">
             <p14:nvContentPartPr>
               <p14:cNvPr id="2" name="Ink 1"/>
@@ -22946,7 +22943,7 @@
     </p:spTree>
     <p:extLst>
       <p:ext uri="{BB962C8B-B14F-4D97-AF65-F5344CB8AC3E}">
-        <p14:creationId xmlns="" xmlns:p14="http://schemas.microsoft.com/office/powerpoint/2010/main" val="852808444"/>
+        <p14:creationId xmlns:p14="http://schemas.microsoft.com/office/powerpoint/2010/main" xmlns="" val="852808444"/>
       </p:ext>
     </p:extLst>
   </p:cSld>
@@ -22964,6 +22961,672 @@
 </file>
 
 <file path=ppt/slides/slide14.xml><?xml version="1.0" encoding="utf-8"?>
+<p:sld xmlns:a="http://schemas.openxmlformats.org/drawingml/2006/main" xmlns:r="http://schemas.openxmlformats.org/officeDocument/2006/relationships" xmlns:p="http://schemas.openxmlformats.org/presentationml/2006/main">
+  <p:cSld>
+    <p:spTree>
+      <p:nvGrpSpPr>
+        <p:cNvPr id="1" name=""/>
+        <p:cNvGrpSpPr/>
+        <p:nvPr/>
+      </p:nvGrpSpPr>
+      <p:grpSpPr>
+        <a:xfrm>
+          <a:off x="0" y="0"/>
+          <a:ext cx="0" cy="0"/>
+          <a:chOff x="0" y="0"/>
+          <a:chExt cx="0" cy="0"/>
+        </a:xfrm>
+      </p:grpSpPr>
+      <p:sp>
+        <p:nvSpPr>
+          <p:cNvPr id="10" name="Oval 9"/>
+          <p:cNvSpPr/>
+          <p:nvPr/>
+        </p:nvSpPr>
+        <p:spPr>
+          <a:xfrm>
+            <a:off x="3184422" y="2992642"/>
+            <a:ext cx="297789" cy="297789"/>
+          </a:xfrm>
+          <a:prstGeom prst="ellipse">
+            <a:avLst/>
+          </a:prstGeom>
+          <a:noFill/>
+          <a:ln w="44450">
+            <a:solidFill>
+              <a:schemeClr val="tx2">
+                <a:lumMod val="60000"/>
+                <a:lumOff val="40000"/>
+              </a:schemeClr>
+            </a:solidFill>
+          </a:ln>
+        </p:spPr>
+        <p:style>
+          <a:lnRef idx="2">
+            <a:schemeClr val="accent1">
+              <a:shade val="50000"/>
+            </a:schemeClr>
+          </a:lnRef>
+          <a:fillRef idx="1">
+            <a:schemeClr val="accent1"/>
+          </a:fillRef>
+          <a:effectRef idx="0">
+            <a:schemeClr val="accent1"/>
+          </a:effectRef>
+          <a:fontRef idx="minor">
+            <a:schemeClr val="lt1"/>
+          </a:fontRef>
+        </p:style>
+        <p:txBody>
+          <a:bodyPr rtlCol="0" anchor="ctr"/>
+          <a:lstStyle/>
+          <a:p>
+            <a:pPr algn="ctr"/>
+            <a:endParaRPr lang="en-US"/>
+          </a:p>
+        </p:txBody>
+      </p:sp>
+      <p:sp>
+        <p:nvSpPr>
+          <p:cNvPr id="11" name="Oval 10"/>
+          <p:cNvSpPr/>
+          <p:nvPr/>
+        </p:nvSpPr>
+        <p:spPr>
+          <a:xfrm>
+            <a:off x="3868950" y="2944403"/>
+            <a:ext cx="297789" cy="297789"/>
+          </a:xfrm>
+          <a:prstGeom prst="ellipse">
+            <a:avLst/>
+          </a:prstGeom>
+          <a:noFill/>
+          <a:ln w="44450">
+            <a:solidFill>
+              <a:schemeClr val="tx2">
+                <a:lumMod val="60000"/>
+                <a:lumOff val="40000"/>
+              </a:schemeClr>
+            </a:solidFill>
+          </a:ln>
+        </p:spPr>
+        <p:style>
+          <a:lnRef idx="2">
+            <a:schemeClr val="accent1">
+              <a:shade val="50000"/>
+            </a:schemeClr>
+          </a:lnRef>
+          <a:fillRef idx="1">
+            <a:schemeClr val="accent1"/>
+          </a:fillRef>
+          <a:effectRef idx="0">
+            <a:schemeClr val="accent1"/>
+          </a:effectRef>
+          <a:fontRef idx="minor">
+            <a:schemeClr val="lt1"/>
+          </a:fontRef>
+        </p:style>
+        <p:txBody>
+          <a:bodyPr rtlCol="0" anchor="ctr"/>
+          <a:lstStyle/>
+          <a:p>
+            <a:pPr algn="ctr"/>
+            <a:endParaRPr lang="en-US"/>
+          </a:p>
+        </p:txBody>
+      </p:sp>
+      <p:sp>
+        <p:nvSpPr>
+          <p:cNvPr id="13" name="Oval 12"/>
+          <p:cNvSpPr/>
+          <p:nvPr/>
+        </p:nvSpPr>
+        <p:spPr>
+          <a:xfrm>
+            <a:off x="3571498" y="3379718"/>
+            <a:ext cx="297789" cy="297789"/>
+          </a:xfrm>
+          <a:prstGeom prst="ellipse">
+            <a:avLst/>
+          </a:prstGeom>
+          <a:noFill/>
+          <a:ln w="44450">
+            <a:solidFill>
+              <a:schemeClr val="tx2">
+                <a:lumMod val="60000"/>
+                <a:lumOff val="40000"/>
+              </a:schemeClr>
+            </a:solidFill>
+          </a:ln>
+        </p:spPr>
+        <p:style>
+          <a:lnRef idx="2">
+            <a:schemeClr val="accent1">
+              <a:shade val="50000"/>
+            </a:schemeClr>
+          </a:lnRef>
+          <a:fillRef idx="1">
+            <a:schemeClr val="accent1"/>
+          </a:fillRef>
+          <a:effectRef idx="0">
+            <a:schemeClr val="accent1"/>
+          </a:effectRef>
+          <a:fontRef idx="minor">
+            <a:schemeClr val="lt1"/>
+          </a:fontRef>
+        </p:style>
+        <p:txBody>
+          <a:bodyPr rtlCol="0" anchor="ctr"/>
+          <a:lstStyle/>
+          <a:p>
+            <a:pPr algn="ctr"/>
+            <a:endParaRPr lang="en-US"/>
+          </a:p>
+        </p:txBody>
+      </p:sp>
+      <p:sp>
+        <p:nvSpPr>
+          <p:cNvPr id="19" name="Oval 18"/>
+          <p:cNvSpPr/>
+          <p:nvPr/>
+        </p:nvSpPr>
+        <p:spPr>
+          <a:xfrm>
+            <a:off x="3484306" y="2640410"/>
+            <a:ext cx="297789" cy="297789"/>
+          </a:xfrm>
+          <a:prstGeom prst="ellipse">
+            <a:avLst/>
+          </a:prstGeom>
+          <a:noFill/>
+          <a:ln w="44450">
+            <a:solidFill>
+              <a:schemeClr val="tx2">
+                <a:lumMod val="60000"/>
+                <a:lumOff val="40000"/>
+              </a:schemeClr>
+            </a:solidFill>
+          </a:ln>
+        </p:spPr>
+        <p:style>
+          <a:lnRef idx="2">
+            <a:schemeClr val="accent1">
+              <a:shade val="50000"/>
+            </a:schemeClr>
+          </a:lnRef>
+          <a:fillRef idx="1">
+            <a:schemeClr val="accent1"/>
+          </a:fillRef>
+          <a:effectRef idx="0">
+            <a:schemeClr val="accent1"/>
+          </a:effectRef>
+          <a:fontRef idx="minor">
+            <a:schemeClr val="lt1"/>
+          </a:fontRef>
+        </p:style>
+        <p:txBody>
+          <a:bodyPr rtlCol="0" anchor="ctr"/>
+          <a:lstStyle/>
+          <a:p>
+            <a:pPr algn="ctr"/>
+            <a:endParaRPr lang="en-US"/>
+          </a:p>
+        </p:txBody>
+      </p:sp>
+      <p:sp>
+        <p:nvSpPr>
+          <p:cNvPr id="5" name="Cross 4"/>
+          <p:cNvSpPr/>
+          <p:nvPr/>
+        </p:nvSpPr>
+        <p:spPr>
+          <a:xfrm rot="2734294">
+            <a:off x="5002286" y="2205198"/>
+            <a:ext cx="390684" cy="390684"/>
+          </a:xfrm>
+          <a:prstGeom prst="plus">
+            <a:avLst>
+              <a:gd name="adj" fmla="val 46579"/>
+            </a:avLst>
+          </a:prstGeom>
+          <a:solidFill>
+            <a:schemeClr val="tx1"/>
+          </a:solidFill>
+          <a:ln w="38100">
+            <a:solidFill>
+              <a:srgbClr val="FF0000"/>
+            </a:solidFill>
+          </a:ln>
+        </p:spPr>
+        <p:style>
+          <a:lnRef idx="2">
+            <a:schemeClr val="accent1">
+              <a:shade val="50000"/>
+            </a:schemeClr>
+          </a:lnRef>
+          <a:fillRef idx="1">
+            <a:schemeClr val="accent1"/>
+          </a:fillRef>
+          <a:effectRef idx="0">
+            <a:schemeClr val="accent1"/>
+          </a:effectRef>
+          <a:fontRef idx="minor">
+            <a:schemeClr val="lt1"/>
+          </a:fontRef>
+        </p:style>
+        <p:txBody>
+          <a:bodyPr rtlCol="0" anchor="ctr"/>
+          <a:lstStyle/>
+          <a:p>
+            <a:pPr algn="ctr"/>
+            <a:endParaRPr lang="en-US"/>
+          </a:p>
+        </p:txBody>
+      </p:sp>
+      <p:sp>
+        <p:nvSpPr>
+          <p:cNvPr id="6" name="Cross 5"/>
+          <p:cNvSpPr/>
+          <p:nvPr/>
+        </p:nvSpPr>
+        <p:spPr>
+          <a:xfrm rot="2734294">
+            <a:off x="5127933" y="1396215"/>
+            <a:ext cx="390684" cy="390684"/>
+          </a:xfrm>
+          <a:prstGeom prst="plus">
+            <a:avLst>
+              <a:gd name="adj" fmla="val 46579"/>
+            </a:avLst>
+          </a:prstGeom>
+          <a:solidFill>
+            <a:schemeClr val="tx1"/>
+          </a:solidFill>
+          <a:ln w="38100">
+            <a:solidFill>
+              <a:srgbClr val="FF0000"/>
+            </a:solidFill>
+          </a:ln>
+        </p:spPr>
+        <p:style>
+          <a:lnRef idx="2">
+            <a:schemeClr val="accent1">
+              <a:shade val="50000"/>
+            </a:schemeClr>
+          </a:lnRef>
+          <a:fillRef idx="1">
+            <a:schemeClr val="accent1"/>
+          </a:fillRef>
+          <a:effectRef idx="0">
+            <a:schemeClr val="accent1"/>
+          </a:effectRef>
+          <a:fontRef idx="minor">
+            <a:schemeClr val="lt1"/>
+          </a:fontRef>
+        </p:style>
+        <p:txBody>
+          <a:bodyPr rtlCol="0" anchor="ctr"/>
+          <a:lstStyle/>
+          <a:p>
+            <a:pPr algn="ctr"/>
+            <a:endParaRPr lang="en-US"/>
+          </a:p>
+        </p:txBody>
+      </p:sp>
+      <p:sp>
+        <p:nvSpPr>
+          <p:cNvPr id="8" name="Cross 7"/>
+          <p:cNvSpPr/>
+          <p:nvPr/>
+        </p:nvSpPr>
+        <p:spPr>
+          <a:xfrm rot="2734294">
+            <a:off x="5680417" y="1894197"/>
+            <a:ext cx="390684" cy="390684"/>
+          </a:xfrm>
+          <a:prstGeom prst="plus">
+            <a:avLst>
+              <a:gd name="adj" fmla="val 46579"/>
+            </a:avLst>
+          </a:prstGeom>
+          <a:solidFill>
+            <a:schemeClr val="tx1"/>
+          </a:solidFill>
+          <a:ln w="38100">
+            <a:solidFill>
+              <a:srgbClr val="FF0000"/>
+            </a:solidFill>
+          </a:ln>
+        </p:spPr>
+        <p:style>
+          <a:lnRef idx="2">
+            <a:schemeClr val="accent1">
+              <a:shade val="50000"/>
+            </a:schemeClr>
+          </a:lnRef>
+          <a:fillRef idx="1">
+            <a:schemeClr val="accent1"/>
+          </a:fillRef>
+          <a:effectRef idx="0">
+            <a:schemeClr val="accent1"/>
+          </a:effectRef>
+          <a:fontRef idx="minor">
+            <a:schemeClr val="lt1"/>
+          </a:fontRef>
+        </p:style>
+        <p:txBody>
+          <a:bodyPr rtlCol="0" anchor="ctr"/>
+          <a:lstStyle/>
+          <a:p>
+            <a:pPr algn="ctr"/>
+            <a:endParaRPr lang="en-US"/>
+          </a:p>
+        </p:txBody>
+      </p:sp>
+      <p:sp>
+        <p:nvSpPr>
+          <p:cNvPr id="23" name="Cross 22"/>
+          <p:cNvSpPr/>
+          <p:nvPr/>
+        </p:nvSpPr>
+        <p:spPr>
+          <a:xfrm rot="2734294">
+            <a:off x="5110632" y="1867799"/>
+            <a:ext cx="390684" cy="390684"/>
+          </a:xfrm>
+          <a:prstGeom prst="plus">
+            <a:avLst>
+              <a:gd name="adj" fmla="val 46579"/>
+            </a:avLst>
+          </a:prstGeom>
+          <a:solidFill>
+            <a:schemeClr val="tx1"/>
+          </a:solidFill>
+          <a:ln w="38100">
+            <a:solidFill>
+              <a:srgbClr val="FF0000"/>
+            </a:solidFill>
+          </a:ln>
+        </p:spPr>
+        <p:style>
+          <a:lnRef idx="2">
+            <a:schemeClr val="accent1">
+              <a:shade val="50000"/>
+            </a:schemeClr>
+          </a:lnRef>
+          <a:fillRef idx="1">
+            <a:schemeClr val="accent1"/>
+          </a:fillRef>
+          <a:effectRef idx="0">
+            <a:schemeClr val="accent1"/>
+          </a:effectRef>
+          <a:fontRef idx="minor">
+            <a:schemeClr val="lt1"/>
+          </a:fontRef>
+        </p:style>
+        <p:txBody>
+          <a:bodyPr rtlCol="0" anchor="ctr"/>
+          <a:lstStyle/>
+          <a:p>
+            <a:pPr algn="ctr"/>
+            <a:endParaRPr lang="en-US"/>
+          </a:p>
+        </p:txBody>
+      </p:sp>
+      <p:sp>
+        <p:nvSpPr>
+          <p:cNvPr id="37" name="TextBox 36"/>
+          <p:cNvSpPr txBox="1"/>
+          <p:nvPr/>
+        </p:nvSpPr>
+        <p:spPr>
+          <a:xfrm>
+            <a:off x="4459400" y="4324350"/>
+            <a:ext cx="461986" cy="523220"/>
+          </a:xfrm>
+          <a:prstGeom prst="rect">
+            <a:avLst/>
+          </a:prstGeom>
+          <a:noFill/>
+        </p:spPr>
+        <p:txBody>
+          <a:bodyPr wrap="none" rtlCol="0">
+            <a:spAutoFit/>
+          </a:bodyPr>
+          <a:lstStyle/>
+          <a:p>
+            <a:r>
+              <a:rPr lang="en-US" sz="2800" dirty="0" smtClean="0"/>
+              <a:t>x</a:t>
+            </a:r>
+            <a:r>
+              <a:rPr lang="en-US" sz="2800" baseline="-25000" dirty="0" smtClean="0"/>
+              <a:t>1</a:t>
+            </a:r>
+            <a:endParaRPr lang="en-US" sz="2800" baseline="-25000" dirty="0"/>
+          </a:p>
+        </p:txBody>
+      </p:sp>
+      <p:sp>
+        <p:nvSpPr>
+          <p:cNvPr id="38" name="TextBox 37"/>
+          <p:cNvSpPr txBox="1"/>
+          <p:nvPr/>
+        </p:nvSpPr>
+        <p:spPr>
+          <a:xfrm>
+            <a:off x="2057400" y="2153803"/>
+            <a:ext cx="461986" cy="523220"/>
+          </a:xfrm>
+          <a:prstGeom prst="rect">
+            <a:avLst/>
+          </a:prstGeom>
+          <a:noFill/>
+        </p:spPr>
+        <p:txBody>
+          <a:bodyPr wrap="none" rtlCol="0">
+            <a:spAutoFit/>
+          </a:bodyPr>
+          <a:lstStyle/>
+          <a:p>
+            <a:r>
+              <a:rPr lang="en-US" sz="2800" dirty="0" smtClean="0"/>
+              <a:t>x</a:t>
+            </a:r>
+            <a:r>
+              <a:rPr lang="en-US" sz="2800" baseline="-25000" dirty="0"/>
+              <a:t>2</a:t>
+            </a:r>
+          </a:p>
+        </p:txBody>
+      </p:sp>
+      <p:sp>
+        <p:nvSpPr>
+          <p:cNvPr id="116" name="TextBox 115"/>
+          <p:cNvSpPr txBox="1"/>
+          <p:nvPr/>
+        </p:nvSpPr>
+        <p:spPr>
+          <a:xfrm>
+            <a:off x="2895600" y="285750"/>
+            <a:ext cx="3548344" cy="584775"/>
+          </a:xfrm>
+          <a:prstGeom prst="rect">
+            <a:avLst/>
+          </a:prstGeom>
+          <a:noFill/>
+        </p:spPr>
+        <p:txBody>
+          <a:bodyPr wrap="none" rtlCol="0">
+            <a:spAutoFit/>
+          </a:bodyPr>
+          <a:lstStyle/>
+          <a:p>
+            <a:r>
+              <a:rPr lang="en-US" sz="3200" dirty="0" smtClean="0">
+                <a:solidFill>
+                  <a:schemeClr val="tx1">
+                    <a:lumMod val="85000"/>
+                    <a:lumOff val="15000"/>
+                  </a:schemeClr>
+                </a:solidFill>
+              </a:rPr>
+              <a:t>Supervised Learning</a:t>
+            </a:r>
+            <a:endParaRPr lang="en-US" sz="3200" dirty="0">
+              <a:solidFill>
+                <a:schemeClr val="tx1">
+                  <a:lumMod val="85000"/>
+                  <a:lumOff val="15000"/>
+                </a:schemeClr>
+              </a:solidFill>
+            </a:endParaRPr>
+          </a:p>
+        </p:txBody>
+      </p:sp>
+      <p:cxnSp>
+        <p:nvCxnSpPr>
+          <p:cNvPr id="15" name="Straight Arrow Connector 14"/>
+          <p:cNvCxnSpPr/>
+          <p:nvPr/>
+        </p:nvCxnSpPr>
+        <p:spPr>
+          <a:xfrm flipV="1">
+            <a:off x="2733804" y="971550"/>
+            <a:ext cx="0" cy="3487660"/>
+          </a:xfrm>
+          <a:prstGeom prst="straightConnector1">
+            <a:avLst/>
+          </a:prstGeom>
+          <a:ln w="38100">
+            <a:solidFill>
+              <a:schemeClr val="bg1">
+                <a:lumMod val="50000"/>
+              </a:schemeClr>
+            </a:solidFill>
+            <a:tailEnd type="arrow"/>
+          </a:ln>
+        </p:spPr>
+        <p:style>
+          <a:lnRef idx="1">
+            <a:schemeClr val="accent1"/>
+          </a:lnRef>
+          <a:fillRef idx="0">
+            <a:schemeClr val="accent1"/>
+          </a:fillRef>
+          <a:effectRef idx="0">
+            <a:schemeClr val="accent1"/>
+          </a:effectRef>
+          <a:fontRef idx="minor">
+            <a:schemeClr val="tx1"/>
+          </a:fontRef>
+        </p:style>
+      </p:cxnSp>
+      <p:cxnSp>
+        <p:nvCxnSpPr>
+          <p:cNvPr id="16" name="Straight Arrow Connector 15"/>
+          <p:cNvCxnSpPr/>
+          <p:nvPr/>
+        </p:nvCxnSpPr>
+        <p:spPr>
+          <a:xfrm>
+            <a:off x="2543696" y="4191562"/>
+            <a:ext cx="3900248" cy="0"/>
+          </a:xfrm>
+          <a:prstGeom prst="straightConnector1">
+            <a:avLst/>
+          </a:prstGeom>
+          <a:ln w="38100">
+            <a:solidFill>
+              <a:schemeClr val="bg1">
+                <a:lumMod val="50000"/>
+              </a:schemeClr>
+            </a:solidFill>
+            <a:tailEnd type="arrow"/>
+          </a:ln>
+        </p:spPr>
+        <p:style>
+          <a:lnRef idx="1">
+            <a:schemeClr val="accent1"/>
+          </a:lnRef>
+          <a:fillRef idx="0">
+            <a:schemeClr val="accent1"/>
+          </a:fillRef>
+          <a:effectRef idx="0">
+            <a:schemeClr val="accent1"/>
+          </a:effectRef>
+          <a:fontRef idx="minor">
+            <a:schemeClr val="tx1"/>
+          </a:fontRef>
+        </p:style>
+      </p:cxnSp>
+      <p:sp>
+        <p:nvSpPr>
+          <p:cNvPr id="17" name="Rectangle 16"/>
+          <p:cNvSpPr/>
+          <p:nvPr/>
+        </p:nvSpPr>
+        <p:spPr>
+          <a:xfrm>
+            <a:off x="8534400" y="5010150"/>
+            <a:ext cx="609600" cy="133350"/>
+          </a:xfrm>
+          <a:prstGeom prst="rect">
+            <a:avLst/>
+          </a:prstGeom>
+          <a:solidFill>
+            <a:schemeClr val="bg1"/>
+          </a:solidFill>
+          <a:ln>
+            <a:noFill/>
+          </a:ln>
+        </p:spPr>
+        <p:style>
+          <a:lnRef idx="2">
+            <a:schemeClr val="accent1">
+              <a:shade val="50000"/>
+            </a:schemeClr>
+          </a:lnRef>
+          <a:fillRef idx="1">
+            <a:schemeClr val="accent1"/>
+          </a:fillRef>
+          <a:effectRef idx="0">
+            <a:schemeClr val="accent1"/>
+          </a:effectRef>
+          <a:fontRef idx="minor">
+            <a:schemeClr val="lt1"/>
+          </a:fontRef>
+        </p:style>
+        <p:txBody>
+          <a:bodyPr rtlCol="0" anchor="ctr"/>
+          <a:lstStyle/>
+          <a:p>
+            <a:pPr algn="ctr"/>
+            <a:endParaRPr lang="en-US"/>
+          </a:p>
+        </p:txBody>
+      </p:sp>
+    </p:spTree>
+    <p:extLst>
+      <p:ext uri="{BB962C8B-B14F-4D97-AF65-F5344CB8AC3E}">
+        <p14:creationId xmlns:p14="http://schemas.microsoft.com/office/powerpoint/2010/main" xmlns="" val="852808444"/>
+      </p:ext>
+    </p:extLst>
+  </p:cSld>
+  <p:clrMapOvr>
+    <a:masterClrMapping/>
+  </p:clrMapOvr>
+  <p:timing>
+    <p:tnLst>
+      <p:par>
+        <p:cTn id="1" dur="indefinite" restart="never" nodeType="tmRoot"/>
+      </p:par>
+    </p:tnLst>
+  </p:timing>
+</p:sld>
+</file>
+
+<file path=ppt/slides/slide15.xml><?xml version="1.0" encoding="utf-8"?>
 <p:sld xmlns:a="http://schemas.openxmlformats.org/drawingml/2006/main" xmlns:r="http://schemas.openxmlformats.org/officeDocument/2006/relationships" xmlns:p="http://schemas.openxmlformats.org/presentationml/2006/main">
   <p:cSld>
     <p:spTree>
@@ -23007,7 +23670,7 @@
         </p:spPr>
       </p:pic>
       <mc:AlternateContent xmlns:mc="http://schemas.openxmlformats.org/markup-compatibility/2006">
-        <mc:Choice xmlns="" xmlns:p14="http://schemas.microsoft.com/office/powerpoint/2010/main" Requires="p14">
+        <mc:Choice xmlns:p14="http://schemas.microsoft.com/office/powerpoint/2010/main" xmlns="" Requires="p14">
           <p:contentPart p14:bwMode="auto" r:id="rId4">
             <p14:nvContentPartPr>
               <p14:cNvPr id="6" name="Ink 5"/>
@@ -23057,7 +23720,7 @@
           <a:blip r:embed="rId6" cstate="print">
             <a:extLst>
               <a:ext uri="{28A0092B-C50C-407E-A947-70E740481C1C}">
-                <a14:useLocalDpi xmlns="" xmlns:a14="http://schemas.microsoft.com/office/drawing/2010/main" val="0"/>
+                <a14:useLocalDpi xmlns:a14="http://schemas.microsoft.com/office/drawing/2010/main" xmlns="" val="0"/>
               </a:ext>
             </a:extLst>
           </a:blip>
@@ -23086,7 +23749,7 @@
           <a:blip r:embed="rId6" cstate="print">
             <a:extLst>
               <a:ext uri="{28A0092B-C50C-407E-A947-70E740481C1C}">
-                <a14:useLocalDpi xmlns="" xmlns:a14="http://schemas.microsoft.com/office/drawing/2010/main" val="0"/>
+                <a14:useLocalDpi xmlns:a14="http://schemas.microsoft.com/office/drawing/2010/main" xmlns="" val="0"/>
               </a:ext>
             </a:extLst>
           </a:blip>
@@ -23115,7 +23778,7 @@
           <a:blip r:embed="rId6" cstate="print">
             <a:extLst>
               <a:ext uri="{28A0092B-C50C-407E-A947-70E740481C1C}">
-                <a14:useLocalDpi xmlns="" xmlns:a14="http://schemas.microsoft.com/office/drawing/2010/main" val="0"/>
+                <a14:useLocalDpi xmlns:a14="http://schemas.microsoft.com/office/drawing/2010/main" xmlns="" val="0"/>
               </a:ext>
             </a:extLst>
           </a:blip>
@@ -23352,7 +24015,7 @@
 </p:sld>
 </file>
 
-<file path=ppt/slides/slide15.xml><?xml version="1.0" encoding="utf-8"?>
+<file path=ppt/slides/slide16.xml><?xml version="1.0" encoding="utf-8"?>
 <p:sld xmlns:a="http://schemas.openxmlformats.org/drawingml/2006/main" xmlns:r="http://schemas.openxmlformats.org/officeDocument/2006/relationships" xmlns:p="http://schemas.openxmlformats.org/presentationml/2006/main">
   <p:cSld>
     <p:spTree>
@@ -23412,7 +24075,7 @@
           </p:spPr>
         </p:pic>
         <mc:AlternateContent xmlns:mc="http://schemas.openxmlformats.org/markup-compatibility/2006">
-          <mc:Choice xmlns="" xmlns:p14="http://schemas.microsoft.com/office/powerpoint/2010/main" Requires="p14">
+          <mc:Choice xmlns:p14="http://schemas.microsoft.com/office/powerpoint/2010/main" xmlns="" Requires="p14">
             <p:contentPart p14:bwMode="auto" r:id="rId4">
               <p14:nvContentPartPr>
                 <p14:cNvPr id="6" name="Ink 5"/>
@@ -23682,7 +24345,7 @@
     </p:spTree>
     <p:extLst>
       <p:ext uri="{BB962C8B-B14F-4D97-AF65-F5344CB8AC3E}">
-        <p14:creationId xmlns="" xmlns:p14="http://schemas.microsoft.com/office/powerpoint/2010/main" val="1911856481"/>
+        <p14:creationId xmlns:p14="http://schemas.microsoft.com/office/powerpoint/2010/main" xmlns="" val="1911856481"/>
       </p:ext>
     </p:extLst>
   </p:cSld>
@@ -23939,7 +24602,7 @@
 </p:sld>
 </file>
 
-<file path=ppt/slides/slide16.xml><?xml version="1.0" encoding="utf-8"?>
+<file path=ppt/slides/slide17.xml><?xml version="1.0" encoding="utf-8"?>
 <p:sld xmlns:a="http://schemas.openxmlformats.org/drawingml/2006/main" xmlns:r="http://schemas.openxmlformats.org/officeDocument/2006/relationships" xmlns:p="http://schemas.openxmlformats.org/presentationml/2006/main">
   <p:cSld>
     <p:spTree>
@@ -24080,7 +24743,7 @@
         </p:txBody>
       </p:sp>
       <mc:AlternateContent xmlns:mc="http://schemas.openxmlformats.org/markup-compatibility/2006">
-        <mc:Choice xmlns="" xmlns:p14="http://schemas.microsoft.com/office/powerpoint/2010/main" Requires="p14">
+        <mc:Choice xmlns:p14="http://schemas.microsoft.com/office/powerpoint/2010/main" xmlns="" Requires="p14">
           <p:contentPart p14:bwMode="auto" r:id="rId3">
             <p14:nvContentPartPr>
               <p14:cNvPr id="3" name="Ink 2"/>
@@ -24397,7 +25060,7 @@
 </p:sld>
 </file>
 
-<file path=ppt/slides/slide17.xml><?xml version="1.0" encoding="utf-8"?>
+<file path=ppt/slides/slide18.xml><?xml version="1.0" encoding="utf-8"?>
 <p:sld xmlns:a="http://schemas.openxmlformats.org/drawingml/2006/main" xmlns:r="http://schemas.openxmlformats.org/officeDocument/2006/relationships" xmlns:p="http://schemas.openxmlformats.org/presentationml/2006/main">
   <p:cSld>
     <p:spTree>
@@ -24538,7 +25201,7 @@
         </p:txBody>
       </p:sp>
       <mc:AlternateContent xmlns:mc="http://schemas.openxmlformats.org/markup-compatibility/2006">
-        <mc:Choice xmlns="" xmlns:p14="http://schemas.microsoft.com/office/powerpoint/2010/main" Requires="p14">
+        <mc:Choice xmlns:p14="http://schemas.microsoft.com/office/powerpoint/2010/main" xmlns="" Requires="p14">
           <p:contentPart p14:bwMode="auto" r:id="rId3">
             <p14:nvContentPartPr>
               <p14:cNvPr id="3" name="Ink 2"/>
@@ -25211,7 +25874,7 @@
     </p:spTree>
     <p:extLst>
       <p:ext uri="{BB962C8B-B14F-4D97-AF65-F5344CB8AC3E}">
-        <p14:creationId xmlns="" xmlns:p14="http://schemas.microsoft.com/office/powerpoint/2010/main" val="2282706204"/>
+        <p14:creationId xmlns:p14="http://schemas.microsoft.com/office/powerpoint/2010/main" xmlns="" val="2282706204"/>
       </p:ext>
     </p:extLst>
   </p:cSld>
@@ -25228,7 +25891,7 @@
 </p:sld>
 </file>
 
-<file path=ppt/slides/slide18.xml><?xml version="1.0" encoding="utf-8"?>
+<file path=ppt/slides/slide19.xml><?xml version="1.0" encoding="utf-8"?>
 <p:sld xmlns:a="http://schemas.openxmlformats.org/drawingml/2006/main" xmlns:r="http://schemas.openxmlformats.org/officeDocument/2006/relationships" xmlns:p="http://schemas.openxmlformats.org/presentationml/2006/main">
   <p:cSld>
     <p:spTree>
@@ -25580,7 +26243,7 @@
             <p:nvPr>
               <p:extLst>
                 <p:ext uri="{D42A27DB-BD31-4B8C-83A1-F6EECF244321}">
-                  <p14:modId xmlns="" xmlns:p14="http://schemas.microsoft.com/office/powerpoint/2010/main" val="4113220709"/>
+                  <p14:modId xmlns:p14="http://schemas.microsoft.com/office/powerpoint/2010/main" xmlns="" val="4113220709"/>
                 </p:ext>
               </p:extLst>
             </p:nvPr>
@@ -25607,7 +26270,7 @@
             <a:blip r:embed="rId7" cstate="print">
               <a:extLst>
                 <a:ext uri="{BEBA8EAE-BF5A-486C-A8C5-ECC9F3942E4B}">
-                  <a14:imgProps xmlns="" xmlns:a14="http://schemas.microsoft.com/office/drawing/2010/main">
+                  <a14:imgProps xmlns:a14="http://schemas.microsoft.com/office/drawing/2010/main" xmlns="">
                     <a14:imgLayer r:embed="rId8">
                       <a14:imgEffect>
                         <a14:backgroundRemoval t="10000" b="90000" l="10000" r="90000">
@@ -25618,7 +26281,7 @@
                   </a14:imgProps>
                 </a:ext>
                 <a:ext uri="{28A0092B-C50C-407E-A947-70E740481C1C}">
-                  <a14:useLocalDpi xmlns="" xmlns:a14="http://schemas.microsoft.com/office/drawing/2010/main" val="0"/>
+                  <a14:useLocalDpi xmlns:a14="http://schemas.microsoft.com/office/drawing/2010/main" xmlns="" val="0"/>
                 </a:ext>
               </a:extLst>
             </a:blip>
@@ -25642,14 +26305,14 @@
             <a:effectLst/>
             <a:extLst>
               <a:ext uri="{909E8E84-426E-40DD-AFC4-6F175D3DCCD1}">
-                <a14:hiddenFill xmlns="" xmlns:a14="http://schemas.microsoft.com/office/drawing/2010/main">
+                <a14:hiddenFill xmlns:a14="http://schemas.microsoft.com/office/drawing/2010/main" xmlns="">
                   <a:solidFill>
                     <a:schemeClr val="accent1"/>
                   </a:solidFill>
                 </a14:hiddenFill>
               </a:ext>
               <a:ext uri="{91240B29-F687-4F45-9708-019B960494DF}">
-                <a14:hiddenLine xmlns="" xmlns:a14="http://schemas.microsoft.com/office/drawing/2010/main" w="9525">
+                <a14:hiddenLine xmlns:a14="http://schemas.microsoft.com/office/drawing/2010/main" xmlns="" w="9525">
                   <a:solidFill>
                     <a:schemeClr val="tx1"/>
                   </a:solidFill>
@@ -25659,7 +26322,7 @@
                 </a14:hiddenLine>
               </a:ext>
               <a:ext uri="{AF507438-7753-43E0-B8FC-AC1667EBCBE1}">
-                <a14:hiddenEffects xmlns="" xmlns:a14="http://schemas.microsoft.com/office/drawing/2010/main">
+                <a14:hiddenEffects xmlns:a14="http://schemas.microsoft.com/office/drawing/2010/main" xmlns="">
                   <a:effectLst>
                     <a:outerShdw dist="35921" dir="2700000" algn="ctr" rotWithShape="0">
                       <a:schemeClr val="bg2"/>
@@ -25682,7 +26345,7 @@
             <a:blip r:embed="rId9" cstate="print">
               <a:extLst>
                 <a:ext uri="{BEBA8EAE-BF5A-486C-A8C5-ECC9F3942E4B}">
-                  <a14:imgProps xmlns="" xmlns:a14="http://schemas.microsoft.com/office/drawing/2010/main">
+                  <a14:imgProps xmlns:a14="http://schemas.microsoft.com/office/drawing/2010/main" xmlns="">
                     <a14:imgLayer r:embed="rId10">
                       <a14:imgEffect>
                         <a14:backgroundRemoval t="10000" b="90000" l="10000" r="90000">
@@ -25693,7 +26356,7 @@
                   </a14:imgProps>
                 </a:ext>
                 <a:ext uri="{28A0092B-C50C-407E-A947-70E740481C1C}">
-                  <a14:useLocalDpi xmlns="" xmlns:a14="http://schemas.microsoft.com/office/drawing/2010/main" val="0"/>
+                  <a14:useLocalDpi xmlns:a14="http://schemas.microsoft.com/office/drawing/2010/main" xmlns="" val="0"/>
                 </a:ext>
               </a:extLst>
             </a:blip>
@@ -25717,14 +26380,14 @@
             <a:effectLst/>
             <a:extLst>
               <a:ext uri="{909E8E84-426E-40DD-AFC4-6F175D3DCCD1}">
-                <a14:hiddenFill xmlns="" xmlns:a14="http://schemas.microsoft.com/office/drawing/2010/main">
+                <a14:hiddenFill xmlns:a14="http://schemas.microsoft.com/office/drawing/2010/main" xmlns="">
                   <a:solidFill>
                     <a:schemeClr val="accent1"/>
                   </a:solidFill>
                 </a14:hiddenFill>
               </a:ext>
               <a:ext uri="{91240B29-F687-4F45-9708-019B960494DF}">
-                <a14:hiddenLine xmlns="" xmlns:a14="http://schemas.microsoft.com/office/drawing/2010/main" w="9525">
+                <a14:hiddenLine xmlns:a14="http://schemas.microsoft.com/office/drawing/2010/main" xmlns="" w="9525">
                   <a:solidFill>
                     <a:schemeClr val="tx1"/>
                   </a:solidFill>
@@ -25734,7 +26397,7 @@
                 </a14:hiddenLine>
               </a:ext>
               <a:ext uri="{AF507438-7753-43E0-B8FC-AC1667EBCBE1}">
-                <a14:hiddenEffects xmlns="" xmlns:a14="http://schemas.microsoft.com/office/drawing/2010/main">
+                <a14:hiddenEffects xmlns:a14="http://schemas.microsoft.com/office/drawing/2010/main" xmlns="">
                   <a:effectLst>
                     <a:outerShdw dist="35921" dir="2700000" algn="ctr" rotWithShape="0">
                       <a:schemeClr val="bg2"/>
@@ -25757,7 +26420,7 @@
             <a:blip r:embed="rId9" cstate="print">
               <a:extLst>
                 <a:ext uri="{BEBA8EAE-BF5A-486C-A8C5-ECC9F3942E4B}">
-                  <a14:imgProps xmlns="" xmlns:a14="http://schemas.microsoft.com/office/drawing/2010/main">
+                  <a14:imgProps xmlns:a14="http://schemas.microsoft.com/office/drawing/2010/main" xmlns="">
                     <a14:imgLayer r:embed="rId10">
                       <a14:imgEffect>
                         <a14:backgroundRemoval t="10000" b="90000" l="10000" r="90000">
@@ -25768,7 +26431,7 @@
                   </a14:imgProps>
                 </a:ext>
                 <a:ext uri="{28A0092B-C50C-407E-A947-70E740481C1C}">
-                  <a14:useLocalDpi xmlns="" xmlns:a14="http://schemas.microsoft.com/office/drawing/2010/main" val="0"/>
+                  <a14:useLocalDpi xmlns:a14="http://schemas.microsoft.com/office/drawing/2010/main" xmlns="" val="0"/>
                 </a:ext>
               </a:extLst>
             </a:blip>
@@ -25792,14 +26455,14 @@
             <a:effectLst/>
             <a:extLst>
               <a:ext uri="{909E8E84-426E-40DD-AFC4-6F175D3DCCD1}">
-                <a14:hiddenFill xmlns="" xmlns:a14="http://schemas.microsoft.com/office/drawing/2010/main">
+                <a14:hiddenFill xmlns:a14="http://schemas.microsoft.com/office/drawing/2010/main" xmlns="">
                   <a:solidFill>
                     <a:schemeClr val="accent1"/>
                   </a:solidFill>
                 </a14:hiddenFill>
               </a:ext>
               <a:ext uri="{91240B29-F687-4F45-9708-019B960494DF}">
-                <a14:hiddenLine xmlns="" xmlns:a14="http://schemas.microsoft.com/office/drawing/2010/main" w="9525">
+                <a14:hiddenLine xmlns:a14="http://schemas.microsoft.com/office/drawing/2010/main" xmlns="" w="9525">
                   <a:solidFill>
                     <a:schemeClr val="tx1"/>
                   </a:solidFill>
@@ -25809,7 +26472,7 @@
                 </a14:hiddenLine>
               </a:ext>
               <a:ext uri="{AF507438-7753-43E0-B8FC-AC1667EBCBE1}">
-                <a14:hiddenEffects xmlns="" xmlns:a14="http://schemas.microsoft.com/office/drawing/2010/main">
+                <a14:hiddenEffects xmlns:a14="http://schemas.microsoft.com/office/drawing/2010/main" xmlns="">
                   <a:effectLst>
                     <a:outerShdw dist="35921" dir="2700000" algn="ctr" rotWithShape="0">
                       <a:schemeClr val="bg2"/>
@@ -25839,7 +26502,7 @@
               </a:duotone>
               <a:extLst>
                 <a:ext uri="{BEBA8EAE-BF5A-486C-A8C5-ECC9F3942E4B}">
-                  <a14:imgProps xmlns="" xmlns:a14="http://schemas.microsoft.com/office/drawing/2010/main">
+                  <a14:imgProps xmlns:a14="http://schemas.microsoft.com/office/drawing/2010/main" xmlns="">
                     <a14:imgLayer r:embed="rId8">
                       <a14:imgEffect>
                         <a14:backgroundRemoval t="10000" b="90000" l="10000" r="90000">
@@ -25850,7 +26513,7 @@
                   </a14:imgProps>
                 </a:ext>
                 <a:ext uri="{28A0092B-C50C-407E-A947-70E740481C1C}">
-                  <a14:useLocalDpi xmlns="" xmlns:a14="http://schemas.microsoft.com/office/drawing/2010/main" val="0"/>
+                  <a14:useLocalDpi xmlns:a14="http://schemas.microsoft.com/office/drawing/2010/main" xmlns="" val="0"/>
                 </a:ext>
               </a:extLst>
             </a:blip>
@@ -25874,14 +26537,14 @@
             <a:effectLst/>
             <a:extLst>
               <a:ext uri="{909E8E84-426E-40DD-AFC4-6F175D3DCCD1}">
-                <a14:hiddenFill xmlns="" xmlns:a14="http://schemas.microsoft.com/office/drawing/2010/main">
+                <a14:hiddenFill xmlns:a14="http://schemas.microsoft.com/office/drawing/2010/main" xmlns="">
                   <a:solidFill>
                     <a:schemeClr val="accent1"/>
                   </a:solidFill>
                 </a14:hiddenFill>
               </a:ext>
               <a:ext uri="{91240B29-F687-4F45-9708-019B960494DF}">
-                <a14:hiddenLine xmlns="" xmlns:a14="http://schemas.microsoft.com/office/drawing/2010/main" w="9525">
+                <a14:hiddenLine xmlns:a14="http://schemas.microsoft.com/office/drawing/2010/main" xmlns="" w="9525">
                   <a:solidFill>
                     <a:schemeClr val="tx1"/>
                   </a:solidFill>
@@ -25891,7 +26554,7 @@
                 </a14:hiddenLine>
               </a:ext>
               <a:ext uri="{AF507438-7753-43E0-B8FC-AC1667EBCBE1}">
-                <a14:hiddenEffects xmlns="" xmlns:a14="http://schemas.microsoft.com/office/drawing/2010/main">
+                <a14:hiddenEffects xmlns:a14="http://schemas.microsoft.com/office/drawing/2010/main" xmlns="">
                   <a:effectLst>
                     <a:outerShdw dist="35921" dir="2700000" algn="ctr" rotWithShape="0">
                       <a:schemeClr val="bg2"/>
@@ -25921,7 +26584,7 @@
               </a:duotone>
               <a:extLst>
                 <a:ext uri="{BEBA8EAE-BF5A-486C-A8C5-ECC9F3942E4B}">
-                  <a14:imgProps xmlns="" xmlns:a14="http://schemas.microsoft.com/office/drawing/2010/main">
+                  <a14:imgProps xmlns:a14="http://schemas.microsoft.com/office/drawing/2010/main" xmlns="">
                     <a14:imgLayer r:embed="rId8">
                       <a14:imgEffect>
                         <a14:backgroundRemoval t="10000" b="90000" l="10000" r="90000">
@@ -25932,7 +26595,7 @@
                   </a14:imgProps>
                 </a:ext>
                 <a:ext uri="{28A0092B-C50C-407E-A947-70E740481C1C}">
-                  <a14:useLocalDpi xmlns="" xmlns:a14="http://schemas.microsoft.com/office/drawing/2010/main" val="0"/>
+                  <a14:useLocalDpi xmlns:a14="http://schemas.microsoft.com/office/drawing/2010/main" xmlns="" val="0"/>
                 </a:ext>
               </a:extLst>
             </a:blip>
@@ -25956,14 +26619,14 @@
             <a:effectLst/>
             <a:extLst>
               <a:ext uri="{909E8E84-426E-40DD-AFC4-6F175D3DCCD1}">
-                <a14:hiddenFill xmlns="" xmlns:a14="http://schemas.microsoft.com/office/drawing/2010/main">
+                <a14:hiddenFill xmlns:a14="http://schemas.microsoft.com/office/drawing/2010/main" xmlns="">
                   <a:solidFill>
                     <a:schemeClr val="accent1"/>
                   </a:solidFill>
                 </a14:hiddenFill>
               </a:ext>
               <a:ext uri="{91240B29-F687-4F45-9708-019B960494DF}">
-                <a14:hiddenLine xmlns="" xmlns:a14="http://schemas.microsoft.com/office/drawing/2010/main" w="9525">
+                <a14:hiddenLine xmlns:a14="http://schemas.microsoft.com/office/drawing/2010/main" xmlns="" w="9525">
                   <a:solidFill>
                     <a:schemeClr val="tx1"/>
                   </a:solidFill>
@@ -25973,7 +26636,7 @@
                 </a14:hiddenLine>
               </a:ext>
               <a:ext uri="{AF507438-7753-43E0-B8FC-AC1667EBCBE1}">
-                <a14:hiddenEffects xmlns="" xmlns:a14="http://schemas.microsoft.com/office/drawing/2010/main">
+                <a14:hiddenEffects xmlns:a14="http://schemas.microsoft.com/office/drawing/2010/main" xmlns="">
                   <a:effectLst>
                     <a:outerShdw dist="35921" dir="2700000" algn="ctr" rotWithShape="0">
                       <a:schemeClr val="bg2"/>
@@ -26003,7 +26666,7 @@
               </a:duotone>
               <a:extLst>
                 <a:ext uri="{BEBA8EAE-BF5A-486C-A8C5-ECC9F3942E4B}">
-                  <a14:imgProps xmlns="" xmlns:a14="http://schemas.microsoft.com/office/drawing/2010/main">
+                  <a14:imgProps xmlns:a14="http://schemas.microsoft.com/office/drawing/2010/main" xmlns="">
                     <a14:imgLayer r:embed="rId8">
                       <a14:imgEffect>
                         <a14:backgroundRemoval t="10000" b="90000" l="10000" r="90000">
@@ -26014,7 +26677,7 @@
                   </a14:imgProps>
                 </a:ext>
                 <a:ext uri="{28A0092B-C50C-407E-A947-70E740481C1C}">
-                  <a14:useLocalDpi xmlns="" xmlns:a14="http://schemas.microsoft.com/office/drawing/2010/main" val="0"/>
+                  <a14:useLocalDpi xmlns:a14="http://schemas.microsoft.com/office/drawing/2010/main" xmlns="" val="0"/>
                 </a:ext>
               </a:extLst>
             </a:blip>
@@ -26038,14 +26701,14 @@
             <a:effectLst/>
             <a:extLst>
               <a:ext uri="{909E8E84-426E-40DD-AFC4-6F175D3DCCD1}">
-                <a14:hiddenFill xmlns="" xmlns:a14="http://schemas.microsoft.com/office/drawing/2010/main">
+                <a14:hiddenFill xmlns:a14="http://schemas.microsoft.com/office/drawing/2010/main" xmlns="">
                   <a:solidFill>
                     <a:schemeClr val="accent1"/>
                   </a:solidFill>
                 </a14:hiddenFill>
               </a:ext>
               <a:ext uri="{91240B29-F687-4F45-9708-019B960494DF}">
-                <a14:hiddenLine xmlns="" xmlns:a14="http://schemas.microsoft.com/office/drawing/2010/main" w="9525">
+                <a14:hiddenLine xmlns:a14="http://schemas.microsoft.com/office/drawing/2010/main" xmlns="" w="9525">
                   <a:solidFill>
                     <a:schemeClr val="tx1"/>
                   </a:solidFill>
@@ -26055,7 +26718,7 @@
                 </a14:hiddenLine>
               </a:ext>
               <a:ext uri="{AF507438-7753-43E0-B8FC-AC1667EBCBE1}">
-                <a14:hiddenEffects xmlns="" xmlns:a14="http://schemas.microsoft.com/office/drawing/2010/main">
+                <a14:hiddenEffects xmlns:a14="http://schemas.microsoft.com/office/drawing/2010/main" xmlns="">
                   <a:effectLst>
                     <a:outerShdw dist="35921" dir="2700000" algn="ctr" rotWithShape="0">
                       <a:schemeClr val="bg2"/>
@@ -26085,7 +26748,7 @@
               </a:duotone>
               <a:extLst>
                 <a:ext uri="{BEBA8EAE-BF5A-486C-A8C5-ECC9F3942E4B}">
-                  <a14:imgProps xmlns="" xmlns:a14="http://schemas.microsoft.com/office/drawing/2010/main">
+                  <a14:imgProps xmlns:a14="http://schemas.microsoft.com/office/drawing/2010/main" xmlns="">
                     <a14:imgLayer r:embed="rId8">
                       <a14:imgEffect>
                         <a14:backgroundRemoval t="10000" b="90000" l="10000" r="90000">
@@ -26096,7 +26759,7 @@
                   </a14:imgProps>
                 </a:ext>
                 <a:ext uri="{28A0092B-C50C-407E-A947-70E740481C1C}">
-                  <a14:useLocalDpi xmlns="" xmlns:a14="http://schemas.microsoft.com/office/drawing/2010/main" val="0"/>
+                  <a14:useLocalDpi xmlns:a14="http://schemas.microsoft.com/office/drawing/2010/main" xmlns="" val="0"/>
                 </a:ext>
               </a:extLst>
             </a:blip>
@@ -26120,14 +26783,14 @@
             <a:effectLst/>
             <a:extLst>
               <a:ext uri="{909E8E84-426E-40DD-AFC4-6F175D3DCCD1}">
-                <a14:hiddenFill xmlns="" xmlns:a14="http://schemas.microsoft.com/office/drawing/2010/main">
+                <a14:hiddenFill xmlns:a14="http://schemas.microsoft.com/office/drawing/2010/main" xmlns="">
                   <a:solidFill>
                     <a:schemeClr val="accent1"/>
                   </a:solidFill>
                 </a14:hiddenFill>
               </a:ext>
               <a:ext uri="{91240B29-F687-4F45-9708-019B960494DF}">
-                <a14:hiddenLine xmlns="" xmlns:a14="http://schemas.microsoft.com/office/drawing/2010/main" w="9525">
+                <a14:hiddenLine xmlns:a14="http://schemas.microsoft.com/office/drawing/2010/main" xmlns="" w="9525">
                   <a:solidFill>
                     <a:schemeClr val="tx1"/>
                   </a:solidFill>
@@ -26137,7 +26800,7 @@
                 </a14:hiddenLine>
               </a:ext>
               <a:ext uri="{AF507438-7753-43E0-B8FC-AC1667EBCBE1}">
-                <a14:hiddenEffects xmlns="" xmlns:a14="http://schemas.microsoft.com/office/drawing/2010/main">
+                <a14:hiddenEffects xmlns:a14="http://schemas.microsoft.com/office/drawing/2010/main" xmlns="">
                   <a:effectLst>
                     <a:outerShdw dist="35921" dir="2700000" algn="ctr" rotWithShape="0">
                       <a:schemeClr val="bg2"/>
@@ -26167,7 +26830,7 @@
               </a:duotone>
               <a:extLst>
                 <a:ext uri="{BEBA8EAE-BF5A-486C-A8C5-ECC9F3942E4B}">
-                  <a14:imgProps xmlns="" xmlns:a14="http://schemas.microsoft.com/office/drawing/2010/main">
+                  <a14:imgProps xmlns:a14="http://schemas.microsoft.com/office/drawing/2010/main" xmlns="">
                     <a14:imgLayer r:embed="rId8">
                       <a14:imgEffect>
                         <a14:backgroundRemoval t="10000" b="90000" l="10000" r="90000">
@@ -26178,7 +26841,7 @@
                   </a14:imgProps>
                 </a:ext>
                 <a:ext uri="{28A0092B-C50C-407E-A947-70E740481C1C}">
-                  <a14:useLocalDpi xmlns="" xmlns:a14="http://schemas.microsoft.com/office/drawing/2010/main" val="0"/>
+                  <a14:useLocalDpi xmlns:a14="http://schemas.microsoft.com/office/drawing/2010/main" xmlns="" val="0"/>
                 </a:ext>
               </a:extLst>
             </a:blip>
@@ -26202,14 +26865,14 @@
             <a:effectLst/>
             <a:extLst>
               <a:ext uri="{909E8E84-426E-40DD-AFC4-6F175D3DCCD1}">
-                <a14:hiddenFill xmlns="" xmlns:a14="http://schemas.microsoft.com/office/drawing/2010/main">
+                <a14:hiddenFill xmlns:a14="http://schemas.microsoft.com/office/drawing/2010/main" xmlns="">
                   <a:solidFill>
                     <a:schemeClr val="accent1"/>
                   </a:solidFill>
                 </a14:hiddenFill>
               </a:ext>
               <a:ext uri="{91240B29-F687-4F45-9708-019B960494DF}">
-                <a14:hiddenLine xmlns="" xmlns:a14="http://schemas.microsoft.com/office/drawing/2010/main" w="9525">
+                <a14:hiddenLine xmlns:a14="http://schemas.microsoft.com/office/drawing/2010/main" xmlns="" w="9525">
                   <a:solidFill>
                     <a:schemeClr val="tx1"/>
                   </a:solidFill>
@@ -26219,7 +26882,7 @@
                 </a14:hiddenLine>
               </a:ext>
               <a:ext uri="{AF507438-7753-43E0-B8FC-AC1667EBCBE1}">
-                <a14:hiddenEffects xmlns="" xmlns:a14="http://schemas.microsoft.com/office/drawing/2010/main">
+                <a14:hiddenEffects xmlns:a14="http://schemas.microsoft.com/office/drawing/2010/main" xmlns="">
                   <a:effectLst>
                     <a:outerShdw dist="35921" dir="2700000" algn="ctr" rotWithShape="0">
                       <a:schemeClr val="bg2"/>
@@ -26249,7 +26912,7 @@
               </a:duotone>
               <a:extLst>
                 <a:ext uri="{BEBA8EAE-BF5A-486C-A8C5-ECC9F3942E4B}">
-                  <a14:imgProps xmlns="" xmlns:a14="http://schemas.microsoft.com/office/drawing/2010/main">
+                  <a14:imgProps xmlns:a14="http://schemas.microsoft.com/office/drawing/2010/main" xmlns="">
                     <a14:imgLayer r:embed="rId8">
                       <a14:imgEffect>
                         <a14:backgroundRemoval t="10000" b="90000" l="10000" r="90000">
@@ -26260,7 +26923,7 @@
                   </a14:imgProps>
                 </a:ext>
                 <a:ext uri="{28A0092B-C50C-407E-A947-70E740481C1C}">
-                  <a14:useLocalDpi xmlns="" xmlns:a14="http://schemas.microsoft.com/office/drawing/2010/main" val="0"/>
+                  <a14:useLocalDpi xmlns:a14="http://schemas.microsoft.com/office/drawing/2010/main" xmlns="" val="0"/>
                 </a:ext>
               </a:extLst>
             </a:blip>
@@ -26284,14 +26947,14 @@
             <a:effectLst/>
             <a:extLst>
               <a:ext uri="{909E8E84-426E-40DD-AFC4-6F175D3DCCD1}">
-                <a14:hiddenFill xmlns="" xmlns:a14="http://schemas.microsoft.com/office/drawing/2010/main">
+                <a14:hiddenFill xmlns:a14="http://schemas.microsoft.com/office/drawing/2010/main" xmlns="">
                   <a:solidFill>
                     <a:schemeClr val="accent1"/>
                   </a:solidFill>
                 </a14:hiddenFill>
               </a:ext>
               <a:ext uri="{91240B29-F687-4F45-9708-019B960494DF}">
-                <a14:hiddenLine xmlns="" xmlns:a14="http://schemas.microsoft.com/office/drawing/2010/main" w="9525">
+                <a14:hiddenLine xmlns:a14="http://schemas.microsoft.com/office/drawing/2010/main" xmlns="" w="9525">
                   <a:solidFill>
                     <a:schemeClr val="tx1"/>
                   </a:solidFill>
@@ -26301,7 +26964,7 @@
                 </a14:hiddenLine>
               </a:ext>
               <a:ext uri="{AF507438-7753-43E0-B8FC-AC1667EBCBE1}">
-                <a14:hiddenEffects xmlns="" xmlns:a14="http://schemas.microsoft.com/office/drawing/2010/main">
+                <a14:hiddenEffects xmlns:a14="http://schemas.microsoft.com/office/drawing/2010/main" xmlns="">
                   <a:effectLst>
                     <a:outerShdw dist="35921" dir="2700000" algn="ctr" rotWithShape="0">
                       <a:schemeClr val="bg2"/>
@@ -26331,7 +26994,7 @@
               </a:duotone>
               <a:extLst>
                 <a:ext uri="{BEBA8EAE-BF5A-486C-A8C5-ECC9F3942E4B}">
-                  <a14:imgProps xmlns="" xmlns:a14="http://schemas.microsoft.com/office/drawing/2010/main">
+                  <a14:imgProps xmlns:a14="http://schemas.microsoft.com/office/drawing/2010/main" xmlns="">
                     <a14:imgLayer r:embed="rId8">
                       <a14:imgEffect>
                         <a14:backgroundRemoval t="10000" b="90000" l="10000" r="90000">
@@ -26342,7 +27005,7 @@
                   </a14:imgProps>
                 </a:ext>
                 <a:ext uri="{28A0092B-C50C-407E-A947-70E740481C1C}">
-                  <a14:useLocalDpi xmlns="" xmlns:a14="http://schemas.microsoft.com/office/drawing/2010/main" val="0"/>
+                  <a14:useLocalDpi xmlns:a14="http://schemas.microsoft.com/office/drawing/2010/main" xmlns="" val="0"/>
                 </a:ext>
               </a:extLst>
             </a:blip>
@@ -26366,14 +27029,14 @@
             <a:effectLst/>
             <a:extLst>
               <a:ext uri="{909E8E84-426E-40DD-AFC4-6F175D3DCCD1}">
-                <a14:hiddenFill xmlns="" xmlns:a14="http://schemas.microsoft.com/office/drawing/2010/main">
+                <a14:hiddenFill xmlns:a14="http://schemas.microsoft.com/office/drawing/2010/main" xmlns="">
                   <a:solidFill>
                     <a:schemeClr val="accent1"/>
                   </a:solidFill>
                 </a14:hiddenFill>
               </a:ext>
               <a:ext uri="{91240B29-F687-4F45-9708-019B960494DF}">
-                <a14:hiddenLine xmlns="" xmlns:a14="http://schemas.microsoft.com/office/drawing/2010/main" w="9525">
+                <a14:hiddenLine xmlns:a14="http://schemas.microsoft.com/office/drawing/2010/main" xmlns="" w="9525">
                   <a:solidFill>
                     <a:schemeClr val="tx1"/>
                   </a:solidFill>
@@ -26383,7 +27046,7 @@
                 </a14:hiddenLine>
               </a:ext>
               <a:ext uri="{AF507438-7753-43E0-B8FC-AC1667EBCBE1}">
-                <a14:hiddenEffects xmlns="" xmlns:a14="http://schemas.microsoft.com/office/drawing/2010/main">
+                <a14:hiddenEffects xmlns:a14="http://schemas.microsoft.com/office/drawing/2010/main" xmlns="">
                   <a:effectLst>
                     <a:outerShdw dist="35921" dir="2700000" algn="ctr" rotWithShape="0">
                       <a:schemeClr val="bg2"/>
@@ -26414,7 +27077,7 @@
               </a:duotone>
               <a:extLst>
                 <a:ext uri="{BEBA8EAE-BF5A-486C-A8C5-ECC9F3942E4B}">
-                  <a14:imgProps xmlns="" xmlns:a14="http://schemas.microsoft.com/office/drawing/2010/main">
+                  <a14:imgProps xmlns:a14="http://schemas.microsoft.com/office/drawing/2010/main" xmlns="">
                     <a14:imgLayer r:embed="rId8">
                       <a14:imgEffect>
                         <a14:backgroundRemoval t="10000" b="90000" l="10000" r="90000">
@@ -26425,7 +27088,7 @@
                   </a14:imgProps>
                 </a:ext>
                 <a:ext uri="{28A0092B-C50C-407E-A947-70E740481C1C}">
-                  <a14:useLocalDpi xmlns="" xmlns:a14="http://schemas.microsoft.com/office/drawing/2010/main" val="0"/>
+                  <a14:useLocalDpi xmlns:a14="http://schemas.microsoft.com/office/drawing/2010/main" xmlns="" val="0"/>
                 </a:ext>
               </a:extLst>
             </a:blip>
@@ -26449,14 +27112,14 @@
             <a:effectLst/>
             <a:extLst>
               <a:ext uri="{909E8E84-426E-40DD-AFC4-6F175D3DCCD1}">
-                <a14:hiddenFill xmlns="" xmlns:a14="http://schemas.microsoft.com/office/drawing/2010/main">
+                <a14:hiddenFill xmlns:a14="http://schemas.microsoft.com/office/drawing/2010/main" xmlns="">
                   <a:solidFill>
                     <a:schemeClr val="accent1"/>
                   </a:solidFill>
                 </a14:hiddenFill>
               </a:ext>
               <a:ext uri="{91240B29-F687-4F45-9708-019B960494DF}">
-                <a14:hiddenLine xmlns="" xmlns:a14="http://schemas.microsoft.com/office/drawing/2010/main" w="9525">
+                <a14:hiddenLine xmlns:a14="http://schemas.microsoft.com/office/drawing/2010/main" xmlns="" w="9525">
                   <a:solidFill>
                     <a:schemeClr val="tx1"/>
                   </a:solidFill>
@@ -26466,7 +27129,7 @@
                 </a14:hiddenLine>
               </a:ext>
               <a:ext uri="{AF507438-7753-43E0-B8FC-AC1667EBCBE1}">
-                <a14:hiddenEffects xmlns="" xmlns:a14="http://schemas.microsoft.com/office/drawing/2010/main">
+                <a14:hiddenEffects xmlns:a14="http://schemas.microsoft.com/office/drawing/2010/main" xmlns="">
                   <a:effectLst>
                     <a:outerShdw dist="35921" dir="2700000" algn="ctr" rotWithShape="0">
                       <a:schemeClr val="bg2"/>
@@ -26497,7 +27160,7 @@
               </a:duotone>
               <a:extLst>
                 <a:ext uri="{BEBA8EAE-BF5A-486C-A8C5-ECC9F3942E4B}">
-                  <a14:imgProps xmlns="" xmlns:a14="http://schemas.microsoft.com/office/drawing/2010/main">
+                  <a14:imgProps xmlns:a14="http://schemas.microsoft.com/office/drawing/2010/main" xmlns="">
                     <a14:imgLayer r:embed="rId8">
                       <a14:imgEffect>
                         <a14:backgroundRemoval t="10000" b="90000" l="10000" r="90000">
@@ -26508,7 +27171,7 @@
                   </a14:imgProps>
                 </a:ext>
                 <a:ext uri="{28A0092B-C50C-407E-A947-70E740481C1C}">
-                  <a14:useLocalDpi xmlns="" xmlns:a14="http://schemas.microsoft.com/office/drawing/2010/main" val="0"/>
+                  <a14:useLocalDpi xmlns:a14="http://schemas.microsoft.com/office/drawing/2010/main" xmlns="" val="0"/>
                 </a:ext>
               </a:extLst>
             </a:blip>
@@ -26532,14 +27195,14 @@
             <a:effectLst/>
             <a:extLst>
               <a:ext uri="{909E8E84-426E-40DD-AFC4-6F175D3DCCD1}">
-                <a14:hiddenFill xmlns="" xmlns:a14="http://schemas.microsoft.com/office/drawing/2010/main">
+                <a14:hiddenFill xmlns:a14="http://schemas.microsoft.com/office/drawing/2010/main" xmlns="">
                   <a:solidFill>
                     <a:schemeClr val="accent1"/>
                   </a:solidFill>
                 </a14:hiddenFill>
               </a:ext>
               <a:ext uri="{91240B29-F687-4F45-9708-019B960494DF}">
-                <a14:hiddenLine xmlns="" xmlns:a14="http://schemas.microsoft.com/office/drawing/2010/main" w="9525">
+                <a14:hiddenLine xmlns:a14="http://schemas.microsoft.com/office/drawing/2010/main" xmlns="" w="9525">
                   <a:solidFill>
                     <a:schemeClr val="tx1"/>
                   </a:solidFill>
@@ -26549,7 +27212,7 @@
                 </a14:hiddenLine>
               </a:ext>
               <a:ext uri="{AF507438-7753-43E0-B8FC-AC1667EBCBE1}">
-                <a14:hiddenEffects xmlns="" xmlns:a14="http://schemas.microsoft.com/office/drawing/2010/main">
+                <a14:hiddenEffects xmlns:a14="http://schemas.microsoft.com/office/drawing/2010/main" xmlns="">
                   <a:effectLst>
                     <a:outerShdw dist="35921" dir="2700000" algn="ctr" rotWithShape="0">
                       <a:schemeClr val="bg2"/>
@@ -26580,7 +27243,7 @@
               </a:duotone>
               <a:extLst>
                 <a:ext uri="{BEBA8EAE-BF5A-486C-A8C5-ECC9F3942E4B}">
-                  <a14:imgProps xmlns="" xmlns:a14="http://schemas.microsoft.com/office/drawing/2010/main">
+                  <a14:imgProps xmlns:a14="http://schemas.microsoft.com/office/drawing/2010/main" xmlns="">
                     <a14:imgLayer r:embed="rId8">
                       <a14:imgEffect>
                         <a14:backgroundRemoval t="10000" b="90000" l="10000" r="90000">
@@ -26591,7 +27254,7 @@
                   </a14:imgProps>
                 </a:ext>
                 <a:ext uri="{28A0092B-C50C-407E-A947-70E740481C1C}">
-                  <a14:useLocalDpi xmlns="" xmlns:a14="http://schemas.microsoft.com/office/drawing/2010/main" val="0"/>
+                  <a14:useLocalDpi xmlns:a14="http://schemas.microsoft.com/office/drawing/2010/main" xmlns="" val="0"/>
                 </a:ext>
               </a:extLst>
             </a:blip>
@@ -26615,14 +27278,14 @@
             <a:effectLst/>
             <a:extLst>
               <a:ext uri="{909E8E84-426E-40DD-AFC4-6F175D3DCCD1}">
-                <a14:hiddenFill xmlns="" xmlns:a14="http://schemas.microsoft.com/office/drawing/2010/main">
+                <a14:hiddenFill xmlns:a14="http://schemas.microsoft.com/office/drawing/2010/main" xmlns="">
                   <a:solidFill>
                     <a:schemeClr val="accent1"/>
                   </a:solidFill>
                 </a14:hiddenFill>
               </a:ext>
               <a:ext uri="{91240B29-F687-4F45-9708-019B960494DF}">
-                <a14:hiddenLine xmlns="" xmlns:a14="http://schemas.microsoft.com/office/drawing/2010/main" w="9525">
+                <a14:hiddenLine xmlns:a14="http://schemas.microsoft.com/office/drawing/2010/main" xmlns="" w="9525">
                   <a:solidFill>
                     <a:schemeClr val="tx1"/>
                   </a:solidFill>
@@ -26632,7 +27295,7 @@
                 </a14:hiddenLine>
               </a:ext>
               <a:ext uri="{AF507438-7753-43E0-B8FC-AC1667EBCBE1}">
-                <a14:hiddenEffects xmlns="" xmlns:a14="http://schemas.microsoft.com/office/drawing/2010/main">
+                <a14:hiddenEffects xmlns:a14="http://schemas.microsoft.com/office/drawing/2010/main" xmlns="">
                   <a:effectLst>
                     <a:outerShdw dist="35921" dir="2700000" algn="ctr" rotWithShape="0">
                       <a:schemeClr val="bg2"/>
@@ -26663,7 +27326,7 @@
               </a:duotone>
               <a:extLst>
                 <a:ext uri="{BEBA8EAE-BF5A-486C-A8C5-ECC9F3942E4B}">
-                  <a14:imgProps xmlns="" xmlns:a14="http://schemas.microsoft.com/office/drawing/2010/main">
+                  <a14:imgProps xmlns:a14="http://schemas.microsoft.com/office/drawing/2010/main" xmlns="">
                     <a14:imgLayer r:embed="rId8">
                       <a14:imgEffect>
                         <a14:backgroundRemoval t="10000" b="90000" l="10000" r="90000">
@@ -26674,7 +27337,7 @@
                   </a14:imgProps>
                 </a:ext>
                 <a:ext uri="{28A0092B-C50C-407E-A947-70E740481C1C}">
-                  <a14:useLocalDpi xmlns="" xmlns:a14="http://schemas.microsoft.com/office/drawing/2010/main" val="0"/>
+                  <a14:useLocalDpi xmlns:a14="http://schemas.microsoft.com/office/drawing/2010/main" xmlns="" val="0"/>
                 </a:ext>
               </a:extLst>
             </a:blip>
@@ -26698,14 +27361,14 @@
             <a:effectLst/>
             <a:extLst>
               <a:ext uri="{909E8E84-426E-40DD-AFC4-6F175D3DCCD1}">
-                <a14:hiddenFill xmlns="" xmlns:a14="http://schemas.microsoft.com/office/drawing/2010/main">
+                <a14:hiddenFill xmlns:a14="http://schemas.microsoft.com/office/drawing/2010/main" xmlns="">
                   <a:solidFill>
                     <a:schemeClr val="accent1"/>
                   </a:solidFill>
                 </a14:hiddenFill>
               </a:ext>
               <a:ext uri="{91240B29-F687-4F45-9708-019B960494DF}">
-                <a14:hiddenLine xmlns="" xmlns:a14="http://schemas.microsoft.com/office/drawing/2010/main" w="9525">
+                <a14:hiddenLine xmlns:a14="http://schemas.microsoft.com/office/drawing/2010/main" xmlns="" w="9525">
                   <a:solidFill>
                     <a:schemeClr val="tx1"/>
                   </a:solidFill>
@@ -26715,7 +27378,7 @@
                 </a14:hiddenLine>
               </a:ext>
               <a:ext uri="{AF507438-7753-43E0-B8FC-AC1667EBCBE1}">
-                <a14:hiddenEffects xmlns="" xmlns:a14="http://schemas.microsoft.com/office/drawing/2010/main">
+                <a14:hiddenEffects xmlns:a14="http://schemas.microsoft.com/office/drawing/2010/main" xmlns="">
                   <a:effectLst>
                     <a:outerShdw dist="35921" dir="2700000" algn="ctr" rotWithShape="0">
                       <a:schemeClr val="bg2"/>
@@ -26745,7 +27408,7 @@
               </a:duotone>
               <a:extLst>
                 <a:ext uri="{BEBA8EAE-BF5A-486C-A8C5-ECC9F3942E4B}">
-                  <a14:imgProps xmlns="" xmlns:a14="http://schemas.microsoft.com/office/drawing/2010/main">
+                  <a14:imgProps xmlns:a14="http://schemas.microsoft.com/office/drawing/2010/main" xmlns="">
                     <a14:imgLayer r:embed="rId8">
                       <a14:imgEffect>
                         <a14:backgroundRemoval t="10000" b="90000" l="10000" r="90000">
@@ -26756,7 +27419,7 @@
                   </a14:imgProps>
                 </a:ext>
                 <a:ext uri="{28A0092B-C50C-407E-A947-70E740481C1C}">
-                  <a14:useLocalDpi xmlns="" xmlns:a14="http://schemas.microsoft.com/office/drawing/2010/main" val="0"/>
+                  <a14:useLocalDpi xmlns:a14="http://schemas.microsoft.com/office/drawing/2010/main" xmlns="" val="0"/>
                 </a:ext>
               </a:extLst>
             </a:blip>
@@ -26780,14 +27443,14 @@
             <a:effectLst/>
             <a:extLst>
               <a:ext uri="{909E8E84-426E-40DD-AFC4-6F175D3DCCD1}">
-                <a14:hiddenFill xmlns="" xmlns:a14="http://schemas.microsoft.com/office/drawing/2010/main">
+                <a14:hiddenFill xmlns:a14="http://schemas.microsoft.com/office/drawing/2010/main" xmlns="">
                   <a:solidFill>
                     <a:schemeClr val="accent1"/>
                   </a:solidFill>
                 </a14:hiddenFill>
               </a:ext>
               <a:ext uri="{91240B29-F687-4F45-9708-019B960494DF}">
-                <a14:hiddenLine xmlns="" xmlns:a14="http://schemas.microsoft.com/office/drawing/2010/main" w="9525">
+                <a14:hiddenLine xmlns:a14="http://schemas.microsoft.com/office/drawing/2010/main" xmlns="" w="9525">
                   <a:solidFill>
                     <a:schemeClr val="tx1"/>
                   </a:solidFill>
@@ -26797,7 +27460,7 @@
                 </a14:hiddenLine>
               </a:ext>
               <a:ext uri="{AF507438-7753-43E0-B8FC-AC1667EBCBE1}">
-                <a14:hiddenEffects xmlns="" xmlns:a14="http://schemas.microsoft.com/office/drawing/2010/main">
+                <a14:hiddenEffects xmlns:a14="http://schemas.microsoft.com/office/drawing/2010/main" xmlns="">
                   <a:effectLst>
                     <a:outerShdw dist="35921" dir="2700000" algn="ctr" rotWithShape="0">
                       <a:schemeClr val="bg2"/>
@@ -26835,7 +27498,7 @@
             <a:blip r:embed="rId9" cstate="print">
               <a:extLst>
                 <a:ext uri="{BEBA8EAE-BF5A-486C-A8C5-ECC9F3942E4B}">
-                  <a14:imgProps xmlns="" xmlns:a14="http://schemas.microsoft.com/office/drawing/2010/main">
+                  <a14:imgProps xmlns:a14="http://schemas.microsoft.com/office/drawing/2010/main" xmlns="">
                     <a14:imgLayer r:embed="rId10">
                       <a14:imgEffect>
                         <a14:backgroundRemoval t="10000" b="90000" l="10000" r="90000">
@@ -26846,7 +27509,7 @@
                   </a14:imgProps>
                 </a:ext>
                 <a:ext uri="{28A0092B-C50C-407E-A947-70E740481C1C}">
-                  <a14:useLocalDpi xmlns="" xmlns:a14="http://schemas.microsoft.com/office/drawing/2010/main" val="0"/>
+                  <a14:useLocalDpi xmlns:a14="http://schemas.microsoft.com/office/drawing/2010/main" xmlns="" val="0"/>
                 </a:ext>
               </a:extLst>
             </a:blip>
@@ -26870,14 +27533,14 @@
             <a:effectLst/>
             <a:extLst>
               <a:ext uri="{909E8E84-426E-40DD-AFC4-6F175D3DCCD1}">
-                <a14:hiddenFill xmlns="" xmlns:a14="http://schemas.microsoft.com/office/drawing/2010/main">
+                <a14:hiddenFill xmlns:a14="http://schemas.microsoft.com/office/drawing/2010/main" xmlns="">
                   <a:solidFill>
                     <a:schemeClr val="accent1"/>
                   </a:solidFill>
                 </a14:hiddenFill>
               </a:ext>
               <a:ext uri="{91240B29-F687-4F45-9708-019B960494DF}">
-                <a14:hiddenLine xmlns="" xmlns:a14="http://schemas.microsoft.com/office/drawing/2010/main" w="9525">
+                <a14:hiddenLine xmlns:a14="http://schemas.microsoft.com/office/drawing/2010/main" xmlns="" w="9525">
                   <a:solidFill>
                     <a:schemeClr val="tx1"/>
                   </a:solidFill>
@@ -26887,7 +27550,7 @@
                 </a14:hiddenLine>
               </a:ext>
               <a:ext uri="{AF507438-7753-43E0-B8FC-AC1667EBCBE1}">
-                <a14:hiddenEffects xmlns="" xmlns:a14="http://schemas.microsoft.com/office/drawing/2010/main">
+                <a14:hiddenEffects xmlns:a14="http://schemas.microsoft.com/office/drawing/2010/main" xmlns="">
                   <a:effectLst>
                     <a:outerShdw dist="35921" dir="2700000" algn="ctr" rotWithShape="0">
                       <a:schemeClr val="bg2"/>
@@ -26918,7 +27581,7 @@
               </a:duotone>
               <a:extLst>
                 <a:ext uri="{BEBA8EAE-BF5A-486C-A8C5-ECC9F3942E4B}">
-                  <a14:imgProps xmlns="" xmlns:a14="http://schemas.microsoft.com/office/drawing/2010/main">
+                  <a14:imgProps xmlns:a14="http://schemas.microsoft.com/office/drawing/2010/main" xmlns="">
                     <a14:imgLayer r:embed="rId10">
                       <a14:imgEffect>
                         <a14:backgroundRemoval t="10000" b="90000" l="10000" r="90000">
@@ -26929,7 +27592,7 @@
                   </a14:imgProps>
                 </a:ext>
                 <a:ext uri="{28A0092B-C50C-407E-A947-70E740481C1C}">
-                  <a14:useLocalDpi xmlns="" xmlns:a14="http://schemas.microsoft.com/office/drawing/2010/main" val="0"/>
+                  <a14:useLocalDpi xmlns:a14="http://schemas.microsoft.com/office/drawing/2010/main" xmlns="" val="0"/>
                 </a:ext>
               </a:extLst>
             </a:blip>
@@ -26953,14 +27616,14 @@
             <a:effectLst/>
             <a:extLst>
               <a:ext uri="{909E8E84-426E-40DD-AFC4-6F175D3DCCD1}">
-                <a14:hiddenFill xmlns="" xmlns:a14="http://schemas.microsoft.com/office/drawing/2010/main">
+                <a14:hiddenFill xmlns:a14="http://schemas.microsoft.com/office/drawing/2010/main" xmlns="">
                   <a:solidFill>
                     <a:schemeClr val="accent1"/>
                   </a:solidFill>
                 </a14:hiddenFill>
               </a:ext>
               <a:ext uri="{91240B29-F687-4F45-9708-019B960494DF}">
-                <a14:hiddenLine xmlns="" xmlns:a14="http://schemas.microsoft.com/office/drawing/2010/main" w="9525">
+                <a14:hiddenLine xmlns:a14="http://schemas.microsoft.com/office/drawing/2010/main" xmlns="" w="9525">
                   <a:solidFill>
                     <a:schemeClr val="tx1"/>
                   </a:solidFill>
@@ -26970,7 +27633,7 @@
                 </a14:hiddenLine>
               </a:ext>
               <a:ext uri="{AF507438-7753-43E0-B8FC-AC1667EBCBE1}">
-                <a14:hiddenEffects xmlns="" xmlns:a14="http://schemas.microsoft.com/office/drawing/2010/main">
+                <a14:hiddenEffects xmlns:a14="http://schemas.microsoft.com/office/drawing/2010/main" xmlns="">
                   <a:effectLst>
                     <a:outerShdw dist="35921" dir="2700000" algn="ctr" rotWithShape="0">
                       <a:schemeClr val="bg2"/>
@@ -27000,7 +27663,7 @@
               </a:duotone>
               <a:extLst>
                 <a:ext uri="{BEBA8EAE-BF5A-486C-A8C5-ECC9F3942E4B}">
-                  <a14:imgProps xmlns="" xmlns:a14="http://schemas.microsoft.com/office/drawing/2010/main">
+                  <a14:imgProps xmlns:a14="http://schemas.microsoft.com/office/drawing/2010/main" xmlns="">
                     <a14:imgLayer r:embed="rId10">
                       <a14:imgEffect>
                         <a14:backgroundRemoval t="10000" b="90000" l="10000" r="90000">
@@ -27011,7 +27674,7 @@
                   </a14:imgProps>
                 </a:ext>
                 <a:ext uri="{28A0092B-C50C-407E-A947-70E740481C1C}">
-                  <a14:useLocalDpi xmlns="" xmlns:a14="http://schemas.microsoft.com/office/drawing/2010/main" val="0"/>
+                  <a14:useLocalDpi xmlns:a14="http://schemas.microsoft.com/office/drawing/2010/main" xmlns="" val="0"/>
                 </a:ext>
               </a:extLst>
             </a:blip>
@@ -27035,14 +27698,14 @@
             <a:effectLst/>
             <a:extLst>
               <a:ext uri="{909E8E84-426E-40DD-AFC4-6F175D3DCCD1}">
-                <a14:hiddenFill xmlns="" xmlns:a14="http://schemas.microsoft.com/office/drawing/2010/main">
+                <a14:hiddenFill xmlns:a14="http://schemas.microsoft.com/office/drawing/2010/main" xmlns="">
                   <a:solidFill>
                     <a:schemeClr val="accent1"/>
                   </a:solidFill>
                 </a14:hiddenFill>
               </a:ext>
               <a:ext uri="{91240B29-F687-4F45-9708-019B960494DF}">
-                <a14:hiddenLine xmlns="" xmlns:a14="http://schemas.microsoft.com/office/drawing/2010/main" w="9525">
+                <a14:hiddenLine xmlns:a14="http://schemas.microsoft.com/office/drawing/2010/main" xmlns="" w="9525">
                   <a:solidFill>
                     <a:schemeClr val="tx1"/>
                   </a:solidFill>
@@ -27052,7 +27715,7 @@
                 </a14:hiddenLine>
               </a:ext>
               <a:ext uri="{AF507438-7753-43E0-B8FC-AC1667EBCBE1}">
-                <a14:hiddenEffects xmlns="" xmlns:a14="http://schemas.microsoft.com/office/drawing/2010/main">
+                <a14:hiddenEffects xmlns:a14="http://schemas.microsoft.com/office/drawing/2010/main" xmlns="">
                   <a:effectLst>
                     <a:outerShdw dist="35921" dir="2700000" algn="ctr" rotWithShape="0">
                       <a:schemeClr val="bg2"/>
@@ -27075,7 +27738,7 @@
             <a:blip r:embed="rId9" cstate="print">
               <a:extLst>
                 <a:ext uri="{BEBA8EAE-BF5A-486C-A8C5-ECC9F3942E4B}">
-                  <a14:imgProps xmlns="" xmlns:a14="http://schemas.microsoft.com/office/drawing/2010/main">
+                  <a14:imgProps xmlns:a14="http://schemas.microsoft.com/office/drawing/2010/main" xmlns="">
                     <a14:imgLayer r:embed="rId10">
                       <a14:imgEffect>
                         <a14:backgroundRemoval t="10000" b="90000" l="10000" r="90000">
@@ -27086,7 +27749,7 @@
                   </a14:imgProps>
                 </a:ext>
                 <a:ext uri="{28A0092B-C50C-407E-A947-70E740481C1C}">
-                  <a14:useLocalDpi xmlns="" xmlns:a14="http://schemas.microsoft.com/office/drawing/2010/main" val="0"/>
+                  <a14:useLocalDpi xmlns:a14="http://schemas.microsoft.com/office/drawing/2010/main" xmlns="" val="0"/>
                 </a:ext>
               </a:extLst>
             </a:blip>
@@ -27110,14 +27773,14 @@
             <a:effectLst/>
             <a:extLst>
               <a:ext uri="{909E8E84-426E-40DD-AFC4-6F175D3DCCD1}">
-                <a14:hiddenFill xmlns="" xmlns:a14="http://schemas.microsoft.com/office/drawing/2010/main">
+                <a14:hiddenFill xmlns:a14="http://schemas.microsoft.com/office/drawing/2010/main" xmlns="">
                   <a:solidFill>
                     <a:schemeClr val="accent1"/>
                   </a:solidFill>
                 </a14:hiddenFill>
               </a:ext>
               <a:ext uri="{91240B29-F687-4F45-9708-019B960494DF}">
-                <a14:hiddenLine xmlns="" xmlns:a14="http://schemas.microsoft.com/office/drawing/2010/main" w="9525">
+                <a14:hiddenLine xmlns:a14="http://schemas.microsoft.com/office/drawing/2010/main" xmlns="" w="9525">
                   <a:solidFill>
                     <a:schemeClr val="tx1"/>
                   </a:solidFill>
@@ -27127,7 +27790,7 @@
                 </a14:hiddenLine>
               </a:ext>
               <a:ext uri="{AF507438-7753-43E0-B8FC-AC1667EBCBE1}">
-                <a14:hiddenEffects xmlns="" xmlns:a14="http://schemas.microsoft.com/office/drawing/2010/main">
+                <a14:hiddenEffects xmlns:a14="http://schemas.microsoft.com/office/drawing/2010/main" xmlns="">
                   <a:effectLst>
                     <a:outerShdw dist="35921" dir="2700000" algn="ctr" rotWithShape="0">
                       <a:schemeClr val="bg2"/>
@@ -27150,7 +27813,7 @@
             <a:blip r:embed="rId9" cstate="print">
               <a:extLst>
                 <a:ext uri="{BEBA8EAE-BF5A-486C-A8C5-ECC9F3942E4B}">
-                  <a14:imgProps xmlns="" xmlns:a14="http://schemas.microsoft.com/office/drawing/2010/main">
+                  <a14:imgProps xmlns:a14="http://schemas.microsoft.com/office/drawing/2010/main" xmlns="">
                     <a14:imgLayer r:embed="rId10">
                       <a14:imgEffect>
                         <a14:backgroundRemoval t="10000" b="90000" l="10000" r="90000">
@@ -27161,7 +27824,7 @@
                   </a14:imgProps>
                 </a:ext>
                 <a:ext uri="{28A0092B-C50C-407E-A947-70E740481C1C}">
-                  <a14:useLocalDpi xmlns="" xmlns:a14="http://schemas.microsoft.com/office/drawing/2010/main" val="0"/>
+                  <a14:useLocalDpi xmlns:a14="http://schemas.microsoft.com/office/drawing/2010/main" xmlns="" val="0"/>
                 </a:ext>
               </a:extLst>
             </a:blip>
@@ -27185,14 +27848,14 @@
             <a:effectLst/>
             <a:extLst>
               <a:ext uri="{909E8E84-426E-40DD-AFC4-6F175D3DCCD1}">
-                <a14:hiddenFill xmlns="" xmlns:a14="http://schemas.microsoft.com/office/drawing/2010/main">
+                <a14:hiddenFill xmlns:a14="http://schemas.microsoft.com/office/drawing/2010/main" xmlns="">
                   <a:solidFill>
                     <a:schemeClr val="accent1"/>
                   </a:solidFill>
                 </a14:hiddenFill>
               </a:ext>
               <a:ext uri="{91240B29-F687-4F45-9708-019B960494DF}">
-                <a14:hiddenLine xmlns="" xmlns:a14="http://schemas.microsoft.com/office/drawing/2010/main" w="9525">
+                <a14:hiddenLine xmlns:a14="http://schemas.microsoft.com/office/drawing/2010/main" xmlns="" w="9525">
                   <a:solidFill>
                     <a:schemeClr val="tx1"/>
                   </a:solidFill>
@@ -27202,7 +27865,7 @@
                 </a14:hiddenLine>
               </a:ext>
               <a:ext uri="{AF507438-7753-43E0-B8FC-AC1667EBCBE1}">
-                <a14:hiddenEffects xmlns="" xmlns:a14="http://schemas.microsoft.com/office/drawing/2010/main">
+                <a14:hiddenEffects xmlns:a14="http://schemas.microsoft.com/office/drawing/2010/main" xmlns="">
                   <a:effectLst>
                     <a:outerShdw dist="35921" dir="2700000" algn="ctr" rotWithShape="0">
                       <a:schemeClr val="bg2"/>
@@ -27233,7 +27896,7 @@
               </a:duotone>
               <a:extLst>
                 <a:ext uri="{BEBA8EAE-BF5A-486C-A8C5-ECC9F3942E4B}">
-                  <a14:imgProps xmlns="" xmlns:a14="http://schemas.microsoft.com/office/drawing/2010/main">
+                  <a14:imgProps xmlns:a14="http://schemas.microsoft.com/office/drawing/2010/main" xmlns="">
                     <a14:imgLayer r:embed="rId10">
                       <a14:imgEffect>
                         <a14:backgroundRemoval t="10000" b="90000" l="10000" r="90000">
@@ -27244,7 +27907,7 @@
                   </a14:imgProps>
                 </a:ext>
                 <a:ext uri="{28A0092B-C50C-407E-A947-70E740481C1C}">
-                  <a14:useLocalDpi xmlns="" xmlns:a14="http://schemas.microsoft.com/office/drawing/2010/main" val="0"/>
+                  <a14:useLocalDpi xmlns:a14="http://schemas.microsoft.com/office/drawing/2010/main" xmlns="" val="0"/>
                 </a:ext>
               </a:extLst>
             </a:blip>
@@ -27268,14 +27931,14 @@
             <a:effectLst/>
             <a:extLst>
               <a:ext uri="{909E8E84-426E-40DD-AFC4-6F175D3DCCD1}">
-                <a14:hiddenFill xmlns="" xmlns:a14="http://schemas.microsoft.com/office/drawing/2010/main">
+                <a14:hiddenFill xmlns:a14="http://schemas.microsoft.com/office/drawing/2010/main" xmlns="">
                   <a:solidFill>
                     <a:schemeClr val="accent1"/>
                   </a:solidFill>
                 </a14:hiddenFill>
               </a:ext>
               <a:ext uri="{91240B29-F687-4F45-9708-019B960494DF}">
-                <a14:hiddenLine xmlns="" xmlns:a14="http://schemas.microsoft.com/office/drawing/2010/main" w="9525">
+                <a14:hiddenLine xmlns:a14="http://schemas.microsoft.com/office/drawing/2010/main" xmlns="" w="9525">
                   <a:solidFill>
                     <a:schemeClr val="tx1"/>
                   </a:solidFill>
@@ -27285,7 +27948,7 @@
                 </a14:hiddenLine>
               </a:ext>
               <a:ext uri="{AF507438-7753-43E0-B8FC-AC1667EBCBE1}">
-                <a14:hiddenEffects xmlns="" xmlns:a14="http://schemas.microsoft.com/office/drawing/2010/main">
+                <a14:hiddenEffects xmlns:a14="http://schemas.microsoft.com/office/drawing/2010/main" xmlns="">
                   <a:effectLst>
                     <a:outerShdw dist="35921" dir="2700000" algn="ctr" rotWithShape="0">
                       <a:schemeClr val="bg2"/>
@@ -27316,7 +27979,7 @@
               </a:duotone>
               <a:extLst>
                 <a:ext uri="{BEBA8EAE-BF5A-486C-A8C5-ECC9F3942E4B}">
-                  <a14:imgProps xmlns="" xmlns:a14="http://schemas.microsoft.com/office/drawing/2010/main">
+                  <a14:imgProps xmlns:a14="http://schemas.microsoft.com/office/drawing/2010/main" xmlns="">
                     <a14:imgLayer r:embed="rId10">
                       <a14:imgEffect>
                         <a14:backgroundRemoval t="10000" b="90000" l="10000" r="90000">
@@ -27327,7 +27990,7 @@
                   </a14:imgProps>
                 </a:ext>
                 <a:ext uri="{28A0092B-C50C-407E-A947-70E740481C1C}">
-                  <a14:useLocalDpi xmlns="" xmlns:a14="http://schemas.microsoft.com/office/drawing/2010/main" val="0"/>
+                  <a14:useLocalDpi xmlns:a14="http://schemas.microsoft.com/office/drawing/2010/main" xmlns="" val="0"/>
                 </a:ext>
               </a:extLst>
             </a:blip>
@@ -27351,14 +28014,14 @@
             <a:effectLst/>
             <a:extLst>
               <a:ext uri="{909E8E84-426E-40DD-AFC4-6F175D3DCCD1}">
-                <a14:hiddenFill xmlns="" xmlns:a14="http://schemas.microsoft.com/office/drawing/2010/main">
+                <a14:hiddenFill xmlns:a14="http://schemas.microsoft.com/office/drawing/2010/main" xmlns="">
                   <a:solidFill>
                     <a:schemeClr val="accent1"/>
                   </a:solidFill>
                 </a14:hiddenFill>
               </a:ext>
               <a:ext uri="{91240B29-F687-4F45-9708-019B960494DF}">
-                <a14:hiddenLine xmlns="" xmlns:a14="http://schemas.microsoft.com/office/drawing/2010/main" w="9525">
+                <a14:hiddenLine xmlns:a14="http://schemas.microsoft.com/office/drawing/2010/main" xmlns="" w="9525">
                   <a:solidFill>
                     <a:schemeClr val="tx1"/>
                   </a:solidFill>
@@ -27368,7 +28031,7 @@
                 </a14:hiddenLine>
               </a:ext>
               <a:ext uri="{AF507438-7753-43E0-B8FC-AC1667EBCBE1}">
-                <a14:hiddenEffects xmlns="" xmlns:a14="http://schemas.microsoft.com/office/drawing/2010/main">
+                <a14:hiddenEffects xmlns:a14="http://schemas.microsoft.com/office/drawing/2010/main" xmlns="">
                   <a:effectLst>
                     <a:outerShdw dist="35921" dir="2700000" algn="ctr" rotWithShape="0">
                       <a:schemeClr val="bg2"/>
@@ -27399,7 +28062,7 @@
               </a:duotone>
               <a:extLst>
                 <a:ext uri="{BEBA8EAE-BF5A-486C-A8C5-ECC9F3942E4B}">
-                  <a14:imgProps xmlns="" xmlns:a14="http://schemas.microsoft.com/office/drawing/2010/main">
+                  <a14:imgProps xmlns:a14="http://schemas.microsoft.com/office/drawing/2010/main" xmlns="">
                     <a14:imgLayer r:embed="rId10">
                       <a14:imgEffect>
                         <a14:backgroundRemoval t="10000" b="90000" l="10000" r="90000">
@@ -27410,7 +28073,7 @@
                   </a14:imgProps>
                 </a:ext>
                 <a:ext uri="{28A0092B-C50C-407E-A947-70E740481C1C}">
-                  <a14:useLocalDpi xmlns="" xmlns:a14="http://schemas.microsoft.com/office/drawing/2010/main" val="0"/>
+                  <a14:useLocalDpi xmlns:a14="http://schemas.microsoft.com/office/drawing/2010/main" xmlns="" val="0"/>
                 </a:ext>
               </a:extLst>
             </a:blip>
@@ -27434,14 +28097,14 @@
             <a:effectLst/>
             <a:extLst>
               <a:ext uri="{909E8E84-426E-40DD-AFC4-6F175D3DCCD1}">
-                <a14:hiddenFill xmlns="" xmlns:a14="http://schemas.microsoft.com/office/drawing/2010/main">
+                <a14:hiddenFill xmlns:a14="http://schemas.microsoft.com/office/drawing/2010/main" xmlns="">
                   <a:solidFill>
                     <a:schemeClr val="accent1"/>
                   </a:solidFill>
                 </a14:hiddenFill>
               </a:ext>
               <a:ext uri="{91240B29-F687-4F45-9708-019B960494DF}">
-                <a14:hiddenLine xmlns="" xmlns:a14="http://schemas.microsoft.com/office/drawing/2010/main" w="9525">
+                <a14:hiddenLine xmlns:a14="http://schemas.microsoft.com/office/drawing/2010/main" xmlns="" w="9525">
                   <a:solidFill>
                     <a:schemeClr val="tx1"/>
                   </a:solidFill>
@@ -27451,7 +28114,7 @@
                 </a14:hiddenLine>
               </a:ext>
               <a:ext uri="{AF507438-7753-43E0-B8FC-AC1667EBCBE1}">
-                <a14:hiddenEffects xmlns="" xmlns:a14="http://schemas.microsoft.com/office/drawing/2010/main">
+                <a14:hiddenEffects xmlns:a14="http://schemas.microsoft.com/office/drawing/2010/main" xmlns="">
                   <a:effectLst>
                     <a:outerShdw dist="35921" dir="2700000" algn="ctr" rotWithShape="0">
                       <a:schemeClr val="bg2"/>
@@ -27482,7 +28145,7 @@
               </a:duotone>
               <a:extLst>
                 <a:ext uri="{BEBA8EAE-BF5A-486C-A8C5-ECC9F3942E4B}">
-                  <a14:imgProps xmlns="" xmlns:a14="http://schemas.microsoft.com/office/drawing/2010/main">
+                  <a14:imgProps xmlns:a14="http://schemas.microsoft.com/office/drawing/2010/main" xmlns="">
                     <a14:imgLayer r:embed="rId10">
                       <a14:imgEffect>
                         <a14:backgroundRemoval t="10000" b="90000" l="10000" r="90000">
@@ -27493,7 +28156,7 @@
                   </a14:imgProps>
                 </a:ext>
                 <a:ext uri="{28A0092B-C50C-407E-A947-70E740481C1C}">
-                  <a14:useLocalDpi xmlns="" xmlns:a14="http://schemas.microsoft.com/office/drawing/2010/main" val="0"/>
+                  <a14:useLocalDpi xmlns:a14="http://schemas.microsoft.com/office/drawing/2010/main" xmlns="" val="0"/>
                 </a:ext>
               </a:extLst>
             </a:blip>
@@ -27517,14 +28180,14 @@
             <a:effectLst/>
             <a:extLst>
               <a:ext uri="{909E8E84-426E-40DD-AFC4-6F175D3DCCD1}">
-                <a14:hiddenFill xmlns="" xmlns:a14="http://schemas.microsoft.com/office/drawing/2010/main">
+                <a14:hiddenFill xmlns:a14="http://schemas.microsoft.com/office/drawing/2010/main" xmlns="">
                   <a:solidFill>
                     <a:schemeClr val="accent1"/>
                   </a:solidFill>
                 </a14:hiddenFill>
               </a:ext>
               <a:ext uri="{91240B29-F687-4F45-9708-019B960494DF}">
-                <a14:hiddenLine xmlns="" xmlns:a14="http://schemas.microsoft.com/office/drawing/2010/main" w="9525">
+                <a14:hiddenLine xmlns:a14="http://schemas.microsoft.com/office/drawing/2010/main" xmlns="" w="9525">
                   <a:solidFill>
                     <a:schemeClr val="tx1"/>
                   </a:solidFill>
@@ -27534,7 +28197,7 @@
                 </a14:hiddenLine>
               </a:ext>
               <a:ext uri="{AF507438-7753-43E0-B8FC-AC1667EBCBE1}">
-                <a14:hiddenEffects xmlns="" xmlns:a14="http://schemas.microsoft.com/office/drawing/2010/main">
+                <a14:hiddenEffects xmlns:a14="http://schemas.microsoft.com/office/drawing/2010/main" xmlns="">
                   <a:effectLst>
                     <a:outerShdw dist="35921" dir="2700000" algn="ctr" rotWithShape="0">
                       <a:schemeClr val="bg2"/>
@@ -27565,7 +28228,7 @@
               </a:duotone>
               <a:extLst>
                 <a:ext uri="{BEBA8EAE-BF5A-486C-A8C5-ECC9F3942E4B}">
-                  <a14:imgProps xmlns="" xmlns:a14="http://schemas.microsoft.com/office/drawing/2010/main">
+                  <a14:imgProps xmlns:a14="http://schemas.microsoft.com/office/drawing/2010/main" xmlns="">
                     <a14:imgLayer r:embed="rId10">
                       <a14:imgEffect>
                         <a14:backgroundRemoval t="10000" b="90000" l="10000" r="90000">
@@ -27576,7 +28239,7 @@
                   </a14:imgProps>
                 </a:ext>
                 <a:ext uri="{28A0092B-C50C-407E-A947-70E740481C1C}">
-                  <a14:useLocalDpi xmlns="" xmlns:a14="http://schemas.microsoft.com/office/drawing/2010/main" val="0"/>
+                  <a14:useLocalDpi xmlns:a14="http://schemas.microsoft.com/office/drawing/2010/main" xmlns="" val="0"/>
                 </a:ext>
               </a:extLst>
             </a:blip>
@@ -27600,14 +28263,14 @@
             <a:effectLst/>
             <a:extLst>
               <a:ext uri="{909E8E84-426E-40DD-AFC4-6F175D3DCCD1}">
-                <a14:hiddenFill xmlns="" xmlns:a14="http://schemas.microsoft.com/office/drawing/2010/main">
+                <a14:hiddenFill xmlns:a14="http://schemas.microsoft.com/office/drawing/2010/main" xmlns="">
                   <a:solidFill>
                     <a:schemeClr val="accent1"/>
                   </a:solidFill>
                 </a14:hiddenFill>
               </a:ext>
               <a:ext uri="{91240B29-F687-4F45-9708-019B960494DF}">
-                <a14:hiddenLine xmlns="" xmlns:a14="http://schemas.microsoft.com/office/drawing/2010/main" w="9525">
+                <a14:hiddenLine xmlns:a14="http://schemas.microsoft.com/office/drawing/2010/main" xmlns="" w="9525">
                   <a:solidFill>
                     <a:schemeClr val="tx1"/>
                   </a:solidFill>
@@ -27617,7 +28280,7 @@
                 </a14:hiddenLine>
               </a:ext>
               <a:ext uri="{AF507438-7753-43E0-B8FC-AC1667EBCBE1}">
-                <a14:hiddenEffects xmlns="" xmlns:a14="http://schemas.microsoft.com/office/drawing/2010/main">
+                <a14:hiddenEffects xmlns:a14="http://schemas.microsoft.com/office/drawing/2010/main" xmlns="">
                   <a:effectLst>
                     <a:outerShdw dist="35921" dir="2700000" algn="ctr" rotWithShape="0">
                       <a:schemeClr val="bg2"/>
@@ -27648,7 +28311,7 @@
               </a:duotone>
               <a:extLst>
                 <a:ext uri="{BEBA8EAE-BF5A-486C-A8C5-ECC9F3942E4B}">
-                  <a14:imgProps xmlns="" xmlns:a14="http://schemas.microsoft.com/office/drawing/2010/main">
+                  <a14:imgProps xmlns:a14="http://schemas.microsoft.com/office/drawing/2010/main" xmlns="">
                     <a14:imgLayer r:embed="rId10">
                       <a14:imgEffect>
                         <a14:backgroundRemoval t="10000" b="90000" l="10000" r="90000">
@@ -27659,7 +28322,7 @@
                   </a14:imgProps>
                 </a:ext>
                 <a:ext uri="{28A0092B-C50C-407E-A947-70E740481C1C}">
-                  <a14:useLocalDpi xmlns="" xmlns:a14="http://schemas.microsoft.com/office/drawing/2010/main" val="0"/>
+                  <a14:useLocalDpi xmlns:a14="http://schemas.microsoft.com/office/drawing/2010/main" xmlns="" val="0"/>
                 </a:ext>
               </a:extLst>
             </a:blip>
@@ -27683,14 +28346,14 @@
             <a:effectLst/>
             <a:extLst>
               <a:ext uri="{909E8E84-426E-40DD-AFC4-6F175D3DCCD1}">
-                <a14:hiddenFill xmlns="" xmlns:a14="http://schemas.microsoft.com/office/drawing/2010/main">
+                <a14:hiddenFill xmlns:a14="http://schemas.microsoft.com/office/drawing/2010/main" xmlns="">
                   <a:solidFill>
                     <a:schemeClr val="accent1"/>
                   </a:solidFill>
                 </a14:hiddenFill>
               </a:ext>
               <a:ext uri="{91240B29-F687-4F45-9708-019B960494DF}">
-                <a14:hiddenLine xmlns="" xmlns:a14="http://schemas.microsoft.com/office/drawing/2010/main" w="9525">
+                <a14:hiddenLine xmlns:a14="http://schemas.microsoft.com/office/drawing/2010/main" xmlns="" w="9525">
                   <a:solidFill>
                     <a:schemeClr val="tx1"/>
                   </a:solidFill>
@@ -27700,7 +28363,7 @@
                 </a14:hiddenLine>
               </a:ext>
               <a:ext uri="{AF507438-7753-43E0-B8FC-AC1667EBCBE1}">
-                <a14:hiddenEffects xmlns="" xmlns:a14="http://schemas.microsoft.com/office/drawing/2010/main">
+                <a14:hiddenEffects xmlns:a14="http://schemas.microsoft.com/office/drawing/2010/main" xmlns="">
                   <a:effectLst>
                     <a:outerShdw dist="35921" dir="2700000" algn="ctr" rotWithShape="0">
                       <a:schemeClr val="bg2"/>
@@ -27730,7 +28393,7 @@
               </a:duotone>
               <a:extLst>
                 <a:ext uri="{BEBA8EAE-BF5A-486C-A8C5-ECC9F3942E4B}">
-                  <a14:imgProps xmlns="" xmlns:a14="http://schemas.microsoft.com/office/drawing/2010/main">
+                  <a14:imgProps xmlns:a14="http://schemas.microsoft.com/office/drawing/2010/main" xmlns="">
                     <a14:imgLayer r:embed="rId10">
                       <a14:imgEffect>
                         <a14:backgroundRemoval t="10000" b="90000" l="10000" r="90000">
@@ -27741,7 +28404,7 @@
                   </a14:imgProps>
                 </a:ext>
                 <a:ext uri="{28A0092B-C50C-407E-A947-70E740481C1C}">
-                  <a14:useLocalDpi xmlns="" xmlns:a14="http://schemas.microsoft.com/office/drawing/2010/main" val="0"/>
+                  <a14:useLocalDpi xmlns:a14="http://schemas.microsoft.com/office/drawing/2010/main" xmlns="" val="0"/>
                 </a:ext>
               </a:extLst>
             </a:blip>
@@ -27765,14 +28428,14 @@
             <a:effectLst/>
             <a:extLst>
               <a:ext uri="{909E8E84-426E-40DD-AFC4-6F175D3DCCD1}">
-                <a14:hiddenFill xmlns="" xmlns:a14="http://schemas.microsoft.com/office/drawing/2010/main">
+                <a14:hiddenFill xmlns:a14="http://schemas.microsoft.com/office/drawing/2010/main" xmlns="">
                   <a:solidFill>
                     <a:schemeClr val="accent1"/>
                   </a:solidFill>
                 </a14:hiddenFill>
               </a:ext>
               <a:ext uri="{91240B29-F687-4F45-9708-019B960494DF}">
-                <a14:hiddenLine xmlns="" xmlns:a14="http://schemas.microsoft.com/office/drawing/2010/main" w="9525">
+                <a14:hiddenLine xmlns:a14="http://schemas.microsoft.com/office/drawing/2010/main" xmlns="" w="9525">
                   <a:solidFill>
                     <a:schemeClr val="tx1"/>
                   </a:solidFill>
@@ -27782,7 +28445,7 @@
                 </a14:hiddenLine>
               </a:ext>
               <a:ext uri="{AF507438-7753-43E0-B8FC-AC1667EBCBE1}">
-                <a14:hiddenEffects xmlns="" xmlns:a14="http://schemas.microsoft.com/office/drawing/2010/main">
+                <a14:hiddenEffects xmlns:a14="http://schemas.microsoft.com/office/drawing/2010/main" xmlns="">
                   <a:effectLst>
                     <a:outerShdw dist="35921" dir="2700000" algn="ctr" rotWithShape="0">
                       <a:schemeClr val="bg2"/>
@@ -27812,7 +28475,7 @@
               </a:duotone>
               <a:extLst>
                 <a:ext uri="{BEBA8EAE-BF5A-486C-A8C5-ECC9F3942E4B}">
-                  <a14:imgProps xmlns="" xmlns:a14="http://schemas.microsoft.com/office/drawing/2010/main">
+                  <a14:imgProps xmlns:a14="http://schemas.microsoft.com/office/drawing/2010/main" xmlns="">
                     <a14:imgLayer r:embed="rId10">
                       <a14:imgEffect>
                         <a14:backgroundRemoval t="10000" b="90000" l="10000" r="90000">
@@ -27823,7 +28486,7 @@
                   </a14:imgProps>
                 </a:ext>
                 <a:ext uri="{28A0092B-C50C-407E-A947-70E740481C1C}">
-                  <a14:useLocalDpi xmlns="" xmlns:a14="http://schemas.microsoft.com/office/drawing/2010/main" val="0"/>
+                  <a14:useLocalDpi xmlns:a14="http://schemas.microsoft.com/office/drawing/2010/main" xmlns="" val="0"/>
                 </a:ext>
               </a:extLst>
             </a:blip>
@@ -27847,14 +28510,14 @@
             <a:effectLst/>
             <a:extLst>
               <a:ext uri="{909E8E84-426E-40DD-AFC4-6F175D3DCCD1}">
-                <a14:hiddenFill xmlns="" xmlns:a14="http://schemas.microsoft.com/office/drawing/2010/main">
+                <a14:hiddenFill xmlns:a14="http://schemas.microsoft.com/office/drawing/2010/main" xmlns="">
                   <a:solidFill>
                     <a:schemeClr val="accent1"/>
                   </a:solidFill>
                 </a14:hiddenFill>
               </a:ext>
               <a:ext uri="{91240B29-F687-4F45-9708-019B960494DF}">
-                <a14:hiddenLine xmlns="" xmlns:a14="http://schemas.microsoft.com/office/drawing/2010/main" w="9525">
+                <a14:hiddenLine xmlns:a14="http://schemas.microsoft.com/office/drawing/2010/main" xmlns="" w="9525">
                   <a:solidFill>
                     <a:schemeClr val="tx1"/>
                   </a:solidFill>
@@ -27864,7 +28527,7 @@
                 </a14:hiddenLine>
               </a:ext>
               <a:ext uri="{AF507438-7753-43E0-B8FC-AC1667EBCBE1}">
-                <a14:hiddenEffects xmlns="" xmlns:a14="http://schemas.microsoft.com/office/drawing/2010/main">
+                <a14:hiddenEffects xmlns:a14="http://schemas.microsoft.com/office/drawing/2010/main" xmlns="">
                   <a:effectLst>
                     <a:outerShdw dist="35921" dir="2700000" algn="ctr" rotWithShape="0">
                       <a:schemeClr val="bg2"/>
@@ -28011,7 +28674,7 @@
               </a:duotone>
               <a:extLst>
                 <a:ext uri="{BEBA8EAE-BF5A-486C-A8C5-ECC9F3942E4B}">
-                  <a14:imgProps xmlns="" xmlns:a14="http://schemas.microsoft.com/office/drawing/2010/main">
+                  <a14:imgProps xmlns:a14="http://schemas.microsoft.com/office/drawing/2010/main" xmlns="">
                     <a14:imgLayer r:embed="rId10">
                       <a14:imgEffect>
                         <a14:backgroundRemoval t="10000" b="90000" l="10000" r="90000">
@@ -28022,7 +28685,7 @@
                   </a14:imgProps>
                 </a:ext>
                 <a:ext uri="{28A0092B-C50C-407E-A947-70E740481C1C}">
-                  <a14:useLocalDpi xmlns="" xmlns:a14="http://schemas.microsoft.com/office/drawing/2010/main" val="0"/>
+                  <a14:useLocalDpi xmlns:a14="http://schemas.microsoft.com/office/drawing/2010/main" xmlns="" val="0"/>
                 </a:ext>
               </a:extLst>
             </a:blip>
@@ -28046,14 +28709,14 @@
             <a:effectLst/>
             <a:extLst>
               <a:ext uri="{909E8E84-426E-40DD-AFC4-6F175D3DCCD1}">
-                <a14:hiddenFill xmlns="" xmlns:a14="http://schemas.microsoft.com/office/drawing/2010/main">
+                <a14:hiddenFill xmlns:a14="http://schemas.microsoft.com/office/drawing/2010/main" xmlns="">
                   <a:solidFill>
                     <a:schemeClr val="accent1"/>
                   </a:solidFill>
                 </a14:hiddenFill>
               </a:ext>
               <a:ext uri="{91240B29-F687-4F45-9708-019B960494DF}">
-                <a14:hiddenLine xmlns="" xmlns:a14="http://schemas.microsoft.com/office/drawing/2010/main" w="9525">
+                <a14:hiddenLine xmlns:a14="http://schemas.microsoft.com/office/drawing/2010/main" xmlns="" w="9525">
                   <a:solidFill>
                     <a:schemeClr val="tx1"/>
                   </a:solidFill>
@@ -28063,7 +28726,7 @@
                 </a14:hiddenLine>
               </a:ext>
               <a:ext uri="{AF507438-7753-43E0-B8FC-AC1667EBCBE1}">
-                <a14:hiddenEffects xmlns="" xmlns:a14="http://schemas.microsoft.com/office/drawing/2010/main">
+                <a14:hiddenEffects xmlns:a14="http://schemas.microsoft.com/office/drawing/2010/main" xmlns="">
                   <a:effectLst>
                     <a:outerShdw dist="35921" dir="2700000" algn="ctr" rotWithShape="0">
                       <a:schemeClr val="bg2"/>
@@ -28833,7 +29496,7 @@
         </p:style>
       </p:cxnSp>
       <mc:AlternateContent xmlns:mc="http://schemas.openxmlformats.org/markup-compatibility/2006">
-        <mc:Choice xmlns="" xmlns:p14="http://schemas.microsoft.com/office/powerpoint/2010/main" Requires="p14">
+        <mc:Choice xmlns:p14="http://schemas.microsoft.com/office/powerpoint/2010/main" xmlns="" Requires="p14">
           <p:contentPart p14:bwMode="auto" r:id="rId11">
             <p14:nvContentPartPr>
               <p14:cNvPr id="2" name="Ink 1"/>
@@ -28932,7 +29595,7 @@
 </p:sld>
 </file>
 
-<file path=ppt/slides/slide19.xml><?xml version="1.0" encoding="utf-8"?>
+<file path=ppt/slides/slide2.xml><?xml version="1.0" encoding="utf-8"?>
 <p:sld xmlns:a="http://schemas.openxmlformats.org/drawingml/2006/main" xmlns:r="http://schemas.openxmlformats.org/officeDocument/2006/relationships" xmlns:p="http://schemas.openxmlformats.org/presentationml/2006/main">
   <p:cSld>
     <p:spTree>
@@ -28951,35 +29614,218 @@
       </p:grpSpPr>
       <p:sp>
         <p:nvSpPr>
-          <p:cNvPr id="3" name="Content Placeholder 2"/>
-          <p:cNvSpPr>
-            <a:spLocks noGrp="1"/>
+          <p:cNvPr id="2" name="Text Box 3"/>
+          <p:cNvSpPr txBox="1">
+            <a:spLocks noChangeArrowheads="1"/>
           </p:cNvSpPr>
-          <p:nvPr>
-            <p:ph idx="1"/>
-          </p:nvPr>
-        </p:nvSpPr>
-        <p:spPr>
+          <p:nvPr/>
+        </p:nvSpPr>
+        <p:spPr bwMode="auto">
           <a:xfrm>
-            <a:off x="3505200" y="2190750"/>
-            <a:ext cx="3429000" cy="803673"/>
+            <a:off x="152400" y="63639"/>
+            <a:ext cx="8991600" cy="5401479"/>
           </a:xfrm>
+          <a:prstGeom prst="rect">
+            <a:avLst/>
+          </a:prstGeom>
+          <a:noFill/>
+          <a:ln w="9525">
+            <a:noFill/>
+            <a:miter lim="800000"/>
+            <a:headEnd/>
+            <a:tailEnd/>
+          </a:ln>
         </p:spPr>
         <p:txBody>
-          <a:bodyPr/>
+          <a:bodyPr wrap="square">
+            <a:spAutoFit/>
+          </a:bodyPr>
           <a:lstStyle/>
           <a:p>
-            <a:r>
-              <a:rPr lang="en-US" dirty="0" smtClean="0"/>
-              <a:t>FIN</a:t>
-            </a:r>
-            <a:endParaRPr lang="en-US" dirty="0"/>
-          </a:p>
-        </p:txBody>
-      </p:sp>
-      <p:sp>
-        <p:nvSpPr>
-          <p:cNvPr id="4" name="Rectangle 3"/>
+            <a:pPr rtl="0" fontAlgn="base">
+              <a:spcBef>
+                <a:spcPct val="0"/>
+              </a:spcBef>
+              <a:spcAft>
+                <a:spcPct val="0"/>
+              </a:spcAft>
+            </a:pPr>
+            <a:r>
+              <a:rPr lang="en-US" sz="2400" dirty="0" smtClean="0">
+                <a:latin typeface="+mn-lt"/>
+              </a:rPr>
+              <a:t>Machine Learning</a:t>
+            </a:r>
+          </a:p>
+          <a:p>
+            <a:pPr lvl="1">
+              <a:buFontTx/>
+              <a:buChar char="-"/>
+            </a:pPr>
+            <a:r>
+              <a:rPr lang="en-US" sz="2400" dirty="0" smtClean="0">
+                <a:latin typeface="+mn-lt"/>
+              </a:rPr>
+              <a:t> Grew out of work in AI</a:t>
+            </a:r>
+          </a:p>
+          <a:p>
+            <a:pPr lvl="1">
+              <a:buFontTx/>
+              <a:buChar char="-"/>
+            </a:pPr>
+            <a:r>
+              <a:rPr lang="en-US" sz="2400" dirty="0" smtClean="0"/>
+              <a:t> New capability for computers </a:t>
+            </a:r>
+          </a:p>
+          <a:p>
+            <a:pPr lvl="1"/>
+            <a:endParaRPr lang="en-US" sz="800" dirty="0" smtClean="0">
+              <a:latin typeface="+mn-lt"/>
+            </a:endParaRPr>
+          </a:p>
+          <a:p>
+            <a:r>
+              <a:rPr lang="en-US" sz="2400" dirty="0" smtClean="0">
+                <a:latin typeface="+mn-lt"/>
+              </a:rPr>
+              <a:t>Examples: </a:t>
+            </a:r>
+          </a:p>
+          <a:p>
+            <a:pPr lvl="1">
+              <a:buFontTx/>
+              <a:buChar char="-"/>
+            </a:pPr>
+            <a:r>
+              <a:rPr lang="en-US" sz="2400" dirty="0" smtClean="0">
+                <a:latin typeface="+mn-lt"/>
+              </a:rPr>
+              <a:t> Database mining </a:t>
+            </a:r>
+          </a:p>
+          <a:p>
+            <a:pPr lvl="2"/>
+            <a:r>
+              <a:rPr lang="en-US" sz="2400" dirty="0" smtClean="0"/>
+              <a:t>Large datasets from growth of automation/web.  </a:t>
+            </a:r>
+          </a:p>
+          <a:p>
+            <a:pPr lvl="2"/>
+            <a:r>
+              <a:rPr lang="en-US" sz="2400" dirty="0" smtClean="0">
+                <a:latin typeface="+mn-lt"/>
+              </a:rPr>
+              <a:t>E.g., Web click</a:t>
+            </a:r>
+            <a:r>
+              <a:rPr lang="en-US" sz="2400" dirty="0" smtClean="0"/>
+              <a:t> data</a:t>
+            </a:r>
+            <a:r>
+              <a:rPr lang="en-US" sz="2400" dirty="0" smtClean="0">
+                <a:latin typeface="+mn-lt"/>
+              </a:rPr>
+              <a:t>, medical records, biology, engineering</a:t>
+            </a:r>
+          </a:p>
+          <a:p>
+            <a:pPr lvl="1">
+              <a:buFontTx/>
+              <a:buChar char="-"/>
+            </a:pPr>
+            <a:r>
+              <a:rPr lang="en-US" sz="2400" dirty="0">
+                <a:latin typeface="+mn-lt"/>
+              </a:rPr>
+              <a:t> </a:t>
+            </a:r>
+            <a:r>
+              <a:rPr lang="en-US" sz="2400" dirty="0" smtClean="0">
+                <a:latin typeface="+mn-lt"/>
+              </a:rPr>
+              <a:t>Applications can’t program by hand.</a:t>
+            </a:r>
+          </a:p>
+          <a:p>
+            <a:pPr lvl="2"/>
+            <a:r>
+              <a:rPr lang="en-US" sz="2400" dirty="0" smtClean="0"/>
+              <a:t>E.g., Autonomous helicopter, handwriting recognition, most of Natural Language Processing (NLP), Computer Vision. </a:t>
+            </a:r>
+            <a:endParaRPr lang="en-US" sz="2400" dirty="0" smtClean="0">
+              <a:latin typeface="+mn-lt"/>
+            </a:endParaRPr>
+          </a:p>
+          <a:p>
+            <a:pPr lvl="1">
+              <a:buFontTx/>
+              <a:buChar char="-"/>
+            </a:pPr>
+            <a:r>
+              <a:rPr lang="en-US" sz="2400" dirty="0" smtClean="0">
+                <a:latin typeface="+mn-lt"/>
+              </a:rPr>
+              <a:t> Self-customizing programs</a:t>
+            </a:r>
+          </a:p>
+          <a:p>
+            <a:pPr lvl="2"/>
+            <a:r>
+              <a:rPr lang="en-US" sz="2400" dirty="0" smtClean="0"/>
+              <a:t>E.g., Amazon, Netflix product recommendations</a:t>
+            </a:r>
+            <a:endParaRPr lang="en-US" sz="2400" dirty="0" smtClean="0">
+              <a:latin typeface="+mn-lt"/>
+            </a:endParaRPr>
+          </a:p>
+          <a:p>
+            <a:pPr lvl="1">
+              <a:buFontTx/>
+              <a:buChar char="-"/>
+            </a:pPr>
+            <a:r>
+              <a:rPr lang="en-US" sz="2400" dirty="0">
+                <a:latin typeface="+mn-lt"/>
+              </a:rPr>
+              <a:t> </a:t>
+            </a:r>
+            <a:r>
+              <a:rPr lang="en-US" sz="2400" dirty="0" smtClean="0">
+                <a:latin typeface="+mn-lt"/>
+              </a:rPr>
+              <a:t>Understanding </a:t>
+            </a:r>
+            <a:r>
+              <a:rPr lang="en-US" sz="2400" dirty="0" smtClean="0"/>
+              <a:t>human learning (brain, real AI).</a:t>
+            </a:r>
+            <a:endParaRPr lang="en-US" sz="2400" dirty="0" smtClean="0">
+              <a:latin typeface="+mn-lt"/>
+            </a:endParaRPr>
+          </a:p>
+          <a:p>
+            <a:pPr rtl="0" fontAlgn="base">
+              <a:spcBef>
+                <a:spcPct val="0"/>
+              </a:spcBef>
+              <a:spcAft>
+                <a:spcPct val="0"/>
+              </a:spcAft>
+            </a:pPr>
+            <a:endParaRPr lang="en-US" sz="2400" kern="1200" dirty="0">
+              <a:latin typeface="+mn-lt"/>
+              <a:ea typeface="+mn-ea"/>
+              <a:cs typeface="Arial" pitchFamily="34" charset="0"/>
+            </a:endParaRPr>
+          </a:p>
+        </p:txBody>
+      </p:sp>
+      <p:sp>
+        <p:nvSpPr>
+          <p:cNvPr id="3" name="Rectangle 2"/>
           <p:cNvSpPr/>
           <p:nvPr/>
         </p:nvSpPr>
@@ -29026,301 +29872,7 @@
     </p:spTree>
     <p:extLst>
       <p:ext uri="{BB962C8B-B14F-4D97-AF65-F5344CB8AC3E}">
-        <p14:creationId xmlns="" xmlns:p14="http://schemas.microsoft.com/office/powerpoint/2010/main" val="733865681"/>
-      </p:ext>
-    </p:extLst>
-  </p:cSld>
-  <p:clrMapOvr>
-    <a:masterClrMapping/>
-  </p:clrMapOvr>
-  <p:timing>
-    <p:tnLst>
-      <p:par>
-        <p:cTn id="1" dur="indefinite" restart="never" nodeType="tmRoot"/>
-      </p:par>
-    </p:tnLst>
-  </p:timing>
-</p:sld>
-</file>
-
-<file path=ppt/slides/slide2.xml><?xml version="1.0" encoding="utf-8"?>
-<p:sld xmlns:a="http://schemas.openxmlformats.org/drawingml/2006/main" xmlns:r="http://schemas.openxmlformats.org/officeDocument/2006/relationships" xmlns:p="http://schemas.openxmlformats.org/presentationml/2006/main">
-  <p:cSld>
-    <p:spTree>
-      <p:nvGrpSpPr>
-        <p:cNvPr id="1" name=""/>
-        <p:cNvGrpSpPr/>
-        <p:nvPr/>
-      </p:nvGrpSpPr>
-      <p:grpSpPr>
-        <a:xfrm>
-          <a:off x="0" y="0"/>
-          <a:ext cx="0" cy="0"/>
-          <a:chOff x="0" y="0"/>
-          <a:chExt cx="0" cy="0"/>
-        </a:xfrm>
-      </p:grpSpPr>
-      <p:sp>
-        <p:nvSpPr>
-          <p:cNvPr id="2" name="Text Box 3"/>
-          <p:cNvSpPr txBox="1">
-            <a:spLocks noChangeArrowheads="1"/>
-          </p:cNvSpPr>
-          <p:nvPr/>
-        </p:nvSpPr>
-        <p:spPr bwMode="auto">
-          <a:xfrm>
-            <a:off x="152400" y="63639"/>
-            <a:ext cx="8991600" cy="5401479"/>
-          </a:xfrm>
-          <a:prstGeom prst="rect">
-            <a:avLst/>
-          </a:prstGeom>
-          <a:noFill/>
-          <a:ln w="9525">
-            <a:noFill/>
-            <a:miter lim="800000"/>
-            <a:headEnd/>
-            <a:tailEnd/>
-          </a:ln>
-        </p:spPr>
-        <p:txBody>
-          <a:bodyPr wrap="square">
-            <a:spAutoFit/>
-          </a:bodyPr>
-          <a:lstStyle/>
-          <a:p>
-            <a:pPr rtl="0" fontAlgn="base">
-              <a:spcBef>
-                <a:spcPct val="0"/>
-              </a:spcBef>
-              <a:spcAft>
-                <a:spcPct val="0"/>
-              </a:spcAft>
-            </a:pPr>
-            <a:r>
-              <a:rPr lang="en-US" sz="2400" dirty="0" smtClean="0">
-                <a:latin typeface="+mn-lt"/>
-              </a:rPr>
-              <a:t>Machine Learning</a:t>
-            </a:r>
-          </a:p>
-          <a:p>
-            <a:pPr lvl="1">
-              <a:buFontTx/>
-              <a:buChar char="-"/>
-            </a:pPr>
-            <a:r>
-              <a:rPr lang="en-US" sz="2400" dirty="0" smtClean="0">
-                <a:latin typeface="+mn-lt"/>
-              </a:rPr>
-              <a:t> Grew out of work in AI</a:t>
-            </a:r>
-          </a:p>
-          <a:p>
-            <a:pPr lvl="1">
-              <a:buFontTx/>
-              <a:buChar char="-"/>
-            </a:pPr>
-            <a:r>
-              <a:rPr lang="en-US" sz="2400" dirty="0" smtClean="0"/>
-              <a:t> New capability for computers </a:t>
-            </a:r>
-          </a:p>
-          <a:p>
-            <a:pPr lvl="1"/>
-            <a:endParaRPr lang="en-US" sz="800" dirty="0" smtClean="0">
-              <a:latin typeface="+mn-lt"/>
-            </a:endParaRPr>
-          </a:p>
-          <a:p>
-            <a:r>
-              <a:rPr lang="en-US" sz="2400" dirty="0" smtClean="0">
-                <a:latin typeface="+mn-lt"/>
-              </a:rPr>
-              <a:t>Examples: </a:t>
-            </a:r>
-          </a:p>
-          <a:p>
-            <a:pPr lvl="1">
-              <a:buFontTx/>
-              <a:buChar char="-"/>
-            </a:pPr>
-            <a:r>
-              <a:rPr lang="en-US" sz="2400" dirty="0" smtClean="0">
-                <a:latin typeface="+mn-lt"/>
-              </a:rPr>
-              <a:t> Database mining </a:t>
-            </a:r>
-          </a:p>
-          <a:p>
-            <a:pPr lvl="2"/>
-            <a:r>
-              <a:rPr lang="en-US" sz="2400" dirty="0" smtClean="0"/>
-              <a:t>Large datasets from growth of automation/web.  </a:t>
-            </a:r>
-          </a:p>
-          <a:p>
-            <a:pPr lvl="2"/>
-            <a:r>
-              <a:rPr lang="en-US" sz="2400" dirty="0" smtClean="0">
-                <a:latin typeface="+mn-lt"/>
-              </a:rPr>
-              <a:t>E.g., Web click</a:t>
-            </a:r>
-            <a:r>
-              <a:rPr lang="en-US" sz="2400" dirty="0" smtClean="0"/>
-              <a:t> data</a:t>
-            </a:r>
-            <a:r>
-              <a:rPr lang="en-US" sz="2400" dirty="0" smtClean="0">
-                <a:latin typeface="+mn-lt"/>
-              </a:rPr>
-              <a:t>, medical records, biology, engineering</a:t>
-            </a:r>
-          </a:p>
-          <a:p>
-            <a:pPr lvl="1">
-              <a:buFontTx/>
-              <a:buChar char="-"/>
-            </a:pPr>
-            <a:r>
-              <a:rPr lang="en-US" sz="2400" dirty="0">
-                <a:latin typeface="+mn-lt"/>
-              </a:rPr>
-              <a:t> </a:t>
-            </a:r>
-            <a:r>
-              <a:rPr lang="en-US" sz="2400" dirty="0" smtClean="0">
-                <a:latin typeface="+mn-lt"/>
-              </a:rPr>
-              <a:t>Applications can’t program by hand.</a:t>
-            </a:r>
-          </a:p>
-          <a:p>
-            <a:pPr lvl="2"/>
-            <a:r>
-              <a:rPr lang="en-US" sz="2400" dirty="0" smtClean="0"/>
-              <a:t>E.g., Autonomous helicopter, handwriting recognition, most of Natural Language Processing (NLP), Computer Vision. </a:t>
-            </a:r>
-            <a:endParaRPr lang="en-US" sz="2400" dirty="0" smtClean="0">
-              <a:latin typeface="+mn-lt"/>
-            </a:endParaRPr>
-          </a:p>
-          <a:p>
-            <a:pPr lvl="1">
-              <a:buFontTx/>
-              <a:buChar char="-"/>
-            </a:pPr>
-            <a:r>
-              <a:rPr lang="en-US" sz="2400" dirty="0" smtClean="0">
-                <a:latin typeface="+mn-lt"/>
-              </a:rPr>
-              <a:t> Self-customizing programs</a:t>
-            </a:r>
-          </a:p>
-          <a:p>
-            <a:pPr lvl="2"/>
-            <a:r>
-              <a:rPr lang="en-US" sz="2400" dirty="0" smtClean="0"/>
-              <a:t>E.g., Amazon, Netflix product recommendations</a:t>
-            </a:r>
-            <a:endParaRPr lang="en-US" sz="2400" dirty="0" smtClean="0">
-              <a:latin typeface="+mn-lt"/>
-            </a:endParaRPr>
-          </a:p>
-          <a:p>
-            <a:pPr lvl="1">
-              <a:buFontTx/>
-              <a:buChar char="-"/>
-            </a:pPr>
-            <a:r>
-              <a:rPr lang="en-US" sz="2400" dirty="0">
-                <a:latin typeface="+mn-lt"/>
-              </a:rPr>
-              <a:t> </a:t>
-            </a:r>
-            <a:r>
-              <a:rPr lang="en-US" sz="2400" dirty="0" smtClean="0">
-                <a:latin typeface="+mn-lt"/>
-              </a:rPr>
-              <a:t>Understanding </a:t>
-            </a:r>
-            <a:r>
-              <a:rPr lang="en-US" sz="2400" dirty="0" smtClean="0"/>
-              <a:t>human learning (brain, real AI).</a:t>
-            </a:r>
-            <a:endParaRPr lang="en-US" sz="2400" dirty="0" smtClean="0">
-              <a:latin typeface="+mn-lt"/>
-            </a:endParaRPr>
-          </a:p>
-          <a:p>
-            <a:pPr rtl="0" fontAlgn="base">
-              <a:spcBef>
-                <a:spcPct val="0"/>
-              </a:spcBef>
-              <a:spcAft>
-                <a:spcPct val="0"/>
-              </a:spcAft>
-            </a:pPr>
-            <a:endParaRPr lang="en-US" sz="2400" kern="1200" dirty="0">
-              <a:latin typeface="+mn-lt"/>
-              <a:ea typeface="+mn-ea"/>
-              <a:cs typeface="Arial" pitchFamily="34" charset="0"/>
-            </a:endParaRPr>
-          </a:p>
-        </p:txBody>
-      </p:sp>
-      <p:sp>
-        <p:nvSpPr>
-          <p:cNvPr id="3" name="Rectangle 2"/>
-          <p:cNvSpPr/>
-          <p:nvPr/>
-        </p:nvSpPr>
-        <p:spPr>
-          <a:xfrm>
-            <a:off x="8534400" y="5010150"/>
-            <a:ext cx="609600" cy="133350"/>
-          </a:xfrm>
-          <a:prstGeom prst="rect">
-            <a:avLst/>
-          </a:prstGeom>
-          <a:solidFill>
-            <a:schemeClr val="bg1"/>
-          </a:solidFill>
-          <a:ln>
-            <a:noFill/>
-          </a:ln>
-        </p:spPr>
-        <p:style>
-          <a:lnRef idx="2">
-            <a:schemeClr val="accent1">
-              <a:shade val="50000"/>
-            </a:schemeClr>
-          </a:lnRef>
-          <a:fillRef idx="1">
-            <a:schemeClr val="accent1"/>
-          </a:fillRef>
-          <a:effectRef idx="0">
-            <a:schemeClr val="accent1"/>
-          </a:effectRef>
-          <a:fontRef idx="minor">
-            <a:schemeClr val="lt1"/>
-          </a:fontRef>
-        </p:style>
-        <p:txBody>
-          <a:bodyPr rtlCol="0" anchor="ctr"/>
-          <a:lstStyle/>
-          <a:p>
-            <a:pPr algn="ctr"/>
-            <a:endParaRPr lang="en-US"/>
-          </a:p>
-        </p:txBody>
-      </p:sp>
-    </p:spTree>
-    <p:extLst>
-      <p:ext uri="{BB962C8B-B14F-4D97-AF65-F5344CB8AC3E}">
-        <p14:creationId xmlns="" xmlns:p14="http://schemas.microsoft.com/office/powerpoint/2010/main" val="2700754199"/>
+        <p14:creationId xmlns:p14="http://schemas.microsoft.com/office/powerpoint/2010/main" xmlns="" val="2700754199"/>
       </p:ext>
     </p:extLst>
   </p:cSld>
@@ -29483,6 +30035,117 @@
             </p:seq>
           </p:childTnLst>
         </p:cTn>
+      </p:par>
+    </p:tnLst>
+  </p:timing>
+</p:sld>
+</file>
+
+<file path=ppt/slides/slide20.xml><?xml version="1.0" encoding="utf-8"?>
+<p:sld xmlns:a="http://schemas.openxmlformats.org/drawingml/2006/main" xmlns:r="http://schemas.openxmlformats.org/officeDocument/2006/relationships" xmlns:p="http://schemas.openxmlformats.org/presentationml/2006/main">
+  <p:cSld>
+    <p:spTree>
+      <p:nvGrpSpPr>
+        <p:cNvPr id="1" name=""/>
+        <p:cNvGrpSpPr/>
+        <p:nvPr/>
+      </p:nvGrpSpPr>
+      <p:grpSpPr>
+        <a:xfrm>
+          <a:off x="0" y="0"/>
+          <a:ext cx="0" cy="0"/>
+          <a:chOff x="0" y="0"/>
+          <a:chExt cx="0" cy="0"/>
+        </a:xfrm>
+      </p:grpSpPr>
+      <p:sp>
+        <p:nvSpPr>
+          <p:cNvPr id="3" name="Content Placeholder 2"/>
+          <p:cNvSpPr>
+            <a:spLocks noGrp="1"/>
+          </p:cNvSpPr>
+          <p:nvPr>
+            <p:ph idx="1"/>
+          </p:nvPr>
+        </p:nvSpPr>
+        <p:spPr>
+          <a:xfrm>
+            <a:off x="3505200" y="2190750"/>
+            <a:ext cx="3429000" cy="803673"/>
+          </a:xfrm>
+        </p:spPr>
+        <p:txBody>
+          <a:bodyPr/>
+          <a:lstStyle/>
+          <a:p>
+            <a:r>
+              <a:rPr lang="en-US" dirty="0" smtClean="0"/>
+              <a:t>FIN</a:t>
+            </a:r>
+            <a:endParaRPr lang="en-US" dirty="0"/>
+          </a:p>
+        </p:txBody>
+      </p:sp>
+      <p:sp>
+        <p:nvSpPr>
+          <p:cNvPr id="4" name="Rectangle 3"/>
+          <p:cNvSpPr/>
+          <p:nvPr/>
+        </p:nvSpPr>
+        <p:spPr>
+          <a:xfrm>
+            <a:off x="8534400" y="5010150"/>
+            <a:ext cx="609600" cy="133350"/>
+          </a:xfrm>
+          <a:prstGeom prst="rect">
+            <a:avLst/>
+          </a:prstGeom>
+          <a:solidFill>
+            <a:schemeClr val="bg1"/>
+          </a:solidFill>
+          <a:ln>
+            <a:noFill/>
+          </a:ln>
+        </p:spPr>
+        <p:style>
+          <a:lnRef idx="2">
+            <a:schemeClr val="accent1">
+              <a:shade val="50000"/>
+            </a:schemeClr>
+          </a:lnRef>
+          <a:fillRef idx="1">
+            <a:schemeClr val="accent1"/>
+          </a:fillRef>
+          <a:effectRef idx="0">
+            <a:schemeClr val="accent1"/>
+          </a:effectRef>
+          <a:fontRef idx="minor">
+            <a:schemeClr val="lt1"/>
+          </a:fontRef>
+        </p:style>
+        <p:txBody>
+          <a:bodyPr rtlCol="0" anchor="ctr"/>
+          <a:lstStyle/>
+          <a:p>
+            <a:pPr algn="ctr"/>
+            <a:endParaRPr lang="en-US"/>
+          </a:p>
+        </p:txBody>
+      </p:sp>
+    </p:spTree>
+    <p:extLst>
+      <p:ext uri="{BB962C8B-B14F-4D97-AF65-F5344CB8AC3E}">
+        <p14:creationId xmlns:p14="http://schemas.microsoft.com/office/powerpoint/2010/main" xmlns="" val="733865681"/>
+      </p:ext>
+    </p:extLst>
+  </p:cSld>
+  <p:clrMapOvr>
+    <a:masterClrMapping/>
+  </p:clrMapOvr>
+  <p:timing>
+    <p:tnLst>
+      <p:par>
+        <p:cTn id="1" dur="indefinite" restart="never" nodeType="tmRoot"/>
       </p:par>
     </p:tnLst>
   </p:timing>
@@ -34899,7 +35562,7 @@
     </p:spTree>
     <p:extLst>
       <p:ext uri="{BB962C8B-B14F-4D97-AF65-F5344CB8AC3E}">
-        <p14:creationId xmlns="" xmlns:p14="http://schemas.microsoft.com/office/powerpoint/2010/main" val="3129490775"/>
+        <p14:creationId xmlns:p14="http://schemas.microsoft.com/office/powerpoint/2010/main" xmlns="" val="3129490775"/>
       </p:ext>
     </p:extLst>
   </p:cSld>
@@ -35017,7 +35680,7 @@
         </p:txBody>
       </p:sp>
       <mc:AlternateContent xmlns:mc="http://schemas.openxmlformats.org/markup-compatibility/2006">
-        <mc:Choice xmlns="" xmlns:p14="http://schemas.microsoft.com/office/powerpoint/2010/main" Requires="p14">
+        <mc:Choice xmlns:p14="http://schemas.microsoft.com/office/powerpoint/2010/main" xmlns="" Requires="p14">
           <p:contentPart p14:bwMode="auto" r:id="rId2">
             <p14:nvContentPartPr>
               <p14:cNvPr id="2" name="Ink 1"/>
@@ -35378,7 +36041,7 @@
     </p:spTree>
     <p:extLst>
       <p:ext uri="{BB962C8B-B14F-4D97-AF65-F5344CB8AC3E}">
-        <p14:creationId xmlns="" xmlns:p14="http://schemas.microsoft.com/office/powerpoint/2010/main" val="657141698"/>
+        <p14:creationId xmlns:p14="http://schemas.microsoft.com/office/powerpoint/2010/main" xmlns="" val="657141698"/>
       </p:ext>
     </p:extLst>
   </p:cSld>
@@ -35421,7 +36084,7 @@
           <p:nvPr>
             <p:extLst>
               <p:ext uri="{D42A27DB-BD31-4B8C-83A1-F6EECF244321}">
-                <p14:modId xmlns="" xmlns:p14="http://schemas.microsoft.com/office/powerpoint/2010/main" val="3602448574"/>
+                <p14:modId xmlns:p14="http://schemas.microsoft.com/office/powerpoint/2010/main" xmlns="" val="3602448574"/>
               </p:ext>
             </p:extLst>
           </p:nvPr>
@@ -36070,7 +36733,7 @@
         </p:style>
       </p:cxnSp>
       <mc:AlternateContent xmlns:mc="http://schemas.openxmlformats.org/markup-compatibility/2006">
-        <mc:Choice xmlns="" xmlns:p14="http://schemas.microsoft.com/office/powerpoint/2010/main" Requires="p14">
+        <mc:Choice xmlns:p14="http://schemas.microsoft.com/office/powerpoint/2010/main" xmlns="" Requires="p14">
           <p:contentPart p14:bwMode="auto" r:id="rId3">
             <p14:nvContentPartPr>
               <p14:cNvPr id="3" name="Ink 2"/>
@@ -36157,7 +36820,7 @@
     </p:spTree>
     <p:extLst>
       <p:ext uri="{BB962C8B-B14F-4D97-AF65-F5344CB8AC3E}">
-        <p14:creationId xmlns="" xmlns:p14="http://schemas.microsoft.com/office/powerpoint/2010/main" val="3182216334"/>
+        <p14:creationId xmlns:p14="http://schemas.microsoft.com/office/powerpoint/2010/main" xmlns="" val="3182216334"/>
       </p:ext>
     </p:extLst>
   </p:cSld>
@@ -37028,7 +37691,7 @@
         </p:txBody>
       </p:sp>
       <mc:AlternateContent xmlns:mc="http://schemas.openxmlformats.org/markup-compatibility/2006">
-        <mc:Choice xmlns="" xmlns:p14="http://schemas.microsoft.com/office/powerpoint/2010/main" Requires="p14">
+        <mc:Choice xmlns:p14="http://schemas.microsoft.com/office/powerpoint/2010/main" xmlns="" Requires="p14">
           <p:contentPart p14:bwMode="auto" r:id="rId2">
             <p14:nvContentPartPr>
               <p14:cNvPr id="2" name="Ink 1"/>
@@ -37239,7 +37902,7 @@
     </p:spTree>
     <p:extLst>
       <p:ext uri="{BB962C8B-B14F-4D97-AF65-F5344CB8AC3E}">
-        <p14:creationId xmlns="" xmlns:p14="http://schemas.microsoft.com/office/powerpoint/2010/main" val="1766745601"/>
+        <p14:creationId xmlns:p14="http://schemas.microsoft.com/office/powerpoint/2010/main" xmlns="" val="1766745601"/>
       </p:ext>
     </p:extLst>
   </p:cSld>
@@ -37778,7 +38441,7 @@
         </p:txBody>
       </p:sp>
       <mc:AlternateContent xmlns:mc="http://schemas.openxmlformats.org/markup-compatibility/2006">
-        <mc:Choice xmlns="" xmlns:p14="http://schemas.microsoft.com/office/powerpoint/2010/main" Requires="p14">
+        <mc:Choice xmlns:p14="http://schemas.microsoft.com/office/powerpoint/2010/main" xmlns="" Requires="p14">
           <p:contentPart p14:bwMode="auto" r:id="rId2">
             <p14:nvContentPartPr>
               <p14:cNvPr id="6" name="Ink 5"/>
@@ -37911,7 +38574,7 @@
     </p:spTree>
     <p:extLst>
       <p:ext uri="{BB962C8B-B14F-4D97-AF65-F5344CB8AC3E}">
-        <p14:creationId xmlns="" xmlns:p14="http://schemas.microsoft.com/office/powerpoint/2010/main" val="2135096565"/>
+        <p14:creationId xmlns:p14="http://schemas.microsoft.com/office/powerpoint/2010/main" xmlns="" val="2135096565"/>
       </p:ext>
     </p:extLst>
   </p:cSld>
